--- a/figures/figures.pptx
+++ b/figures/figures.pptx
@@ -6,6 +6,7 @@
   </p:sldMasterIdLst>
   <p:sldIdLst>
     <p:sldId id="256" r:id="rId2"/>
+    <p:sldId id="257" r:id="rId3"/>
   </p:sldIdLst>
   <p:sldSz cx="12192000" cy="6858000"/>
   <p:notesSz cx="6858000" cy="9144000"/>
@@ -259,7 +260,7 @@
           <a:p>
             <a:fld id="{E8189AC1-8EDF-4096-8511-7044330DAA1E}" type="datetimeFigureOut">
               <a:rPr lang="zh-CN" altLang="en-US" smtClean="0"/>
-              <a:t>2025/11/11</a:t>
+              <a:t>2025/11/12</a:t>
             </a:fld>
             <a:endParaRPr lang="zh-CN" altLang="en-US"/>
           </a:p>
@@ -457,7 +458,7 @@
           <a:p>
             <a:fld id="{E8189AC1-8EDF-4096-8511-7044330DAA1E}" type="datetimeFigureOut">
               <a:rPr lang="zh-CN" altLang="en-US" smtClean="0"/>
-              <a:t>2025/11/11</a:t>
+              <a:t>2025/11/12</a:t>
             </a:fld>
             <a:endParaRPr lang="zh-CN" altLang="en-US"/>
           </a:p>
@@ -665,7 +666,7 @@
           <a:p>
             <a:fld id="{E8189AC1-8EDF-4096-8511-7044330DAA1E}" type="datetimeFigureOut">
               <a:rPr lang="zh-CN" altLang="en-US" smtClean="0"/>
-              <a:t>2025/11/11</a:t>
+              <a:t>2025/11/12</a:t>
             </a:fld>
             <a:endParaRPr lang="zh-CN" altLang="en-US"/>
           </a:p>
@@ -863,7 +864,7 @@
           <a:p>
             <a:fld id="{E8189AC1-8EDF-4096-8511-7044330DAA1E}" type="datetimeFigureOut">
               <a:rPr lang="zh-CN" altLang="en-US" smtClean="0"/>
-              <a:t>2025/11/11</a:t>
+              <a:t>2025/11/12</a:t>
             </a:fld>
             <a:endParaRPr lang="zh-CN" altLang="en-US"/>
           </a:p>
@@ -1138,7 +1139,7 @@
           <a:p>
             <a:fld id="{E8189AC1-8EDF-4096-8511-7044330DAA1E}" type="datetimeFigureOut">
               <a:rPr lang="zh-CN" altLang="en-US" smtClean="0"/>
-              <a:t>2025/11/11</a:t>
+              <a:t>2025/11/12</a:t>
             </a:fld>
             <a:endParaRPr lang="zh-CN" altLang="en-US"/>
           </a:p>
@@ -1403,7 +1404,7 @@
           <a:p>
             <a:fld id="{E8189AC1-8EDF-4096-8511-7044330DAA1E}" type="datetimeFigureOut">
               <a:rPr lang="zh-CN" altLang="en-US" smtClean="0"/>
-              <a:t>2025/11/11</a:t>
+              <a:t>2025/11/12</a:t>
             </a:fld>
             <a:endParaRPr lang="zh-CN" altLang="en-US"/>
           </a:p>
@@ -1815,7 +1816,7 @@
           <a:p>
             <a:fld id="{E8189AC1-8EDF-4096-8511-7044330DAA1E}" type="datetimeFigureOut">
               <a:rPr lang="zh-CN" altLang="en-US" smtClean="0"/>
-              <a:t>2025/11/11</a:t>
+              <a:t>2025/11/12</a:t>
             </a:fld>
             <a:endParaRPr lang="zh-CN" altLang="en-US"/>
           </a:p>
@@ -1956,7 +1957,7 @@
           <a:p>
             <a:fld id="{E8189AC1-8EDF-4096-8511-7044330DAA1E}" type="datetimeFigureOut">
               <a:rPr lang="zh-CN" altLang="en-US" smtClean="0"/>
-              <a:t>2025/11/11</a:t>
+              <a:t>2025/11/12</a:t>
             </a:fld>
             <a:endParaRPr lang="zh-CN" altLang="en-US"/>
           </a:p>
@@ -2069,7 +2070,7 @@
           <a:p>
             <a:fld id="{E8189AC1-8EDF-4096-8511-7044330DAA1E}" type="datetimeFigureOut">
               <a:rPr lang="zh-CN" altLang="en-US" smtClean="0"/>
-              <a:t>2025/11/11</a:t>
+              <a:t>2025/11/12</a:t>
             </a:fld>
             <a:endParaRPr lang="zh-CN" altLang="en-US"/>
           </a:p>
@@ -2380,7 +2381,7 @@
           <a:p>
             <a:fld id="{E8189AC1-8EDF-4096-8511-7044330DAA1E}" type="datetimeFigureOut">
               <a:rPr lang="zh-CN" altLang="en-US" smtClean="0"/>
-              <a:t>2025/11/11</a:t>
+              <a:t>2025/11/12</a:t>
             </a:fld>
             <a:endParaRPr lang="zh-CN" altLang="en-US"/>
           </a:p>
@@ -2668,7 +2669,7 @@
           <a:p>
             <a:fld id="{E8189AC1-8EDF-4096-8511-7044330DAA1E}" type="datetimeFigureOut">
               <a:rPr lang="zh-CN" altLang="en-US" smtClean="0"/>
-              <a:t>2025/11/11</a:t>
+              <a:t>2025/11/12</a:t>
             </a:fld>
             <a:endParaRPr lang="zh-CN" altLang="en-US"/>
           </a:p>
@@ -2909,7 +2910,7 @@
           <a:p>
             <a:fld id="{E8189AC1-8EDF-4096-8511-7044330DAA1E}" type="datetimeFigureOut">
               <a:rPr lang="zh-CN" altLang="en-US" smtClean="0"/>
-              <a:t>2025/11/11</a:t>
+              <a:t>2025/11/12</a:t>
             </a:fld>
             <a:endParaRPr lang="zh-CN" altLang="en-US"/>
           </a:p>
@@ -4800,6 +4801,5478 @@
 </p:sld>
 </file>
 
+<file path=ppt/slides/slide2.xml><?xml version="1.0" encoding="utf-8"?>
+<p:sld xmlns:a="http://schemas.openxmlformats.org/drawingml/2006/main" xmlns:r="http://schemas.openxmlformats.org/officeDocument/2006/relationships" xmlns:p="http://schemas.openxmlformats.org/presentationml/2006/main">
+  <p:cSld>
+    <p:spTree>
+      <p:nvGrpSpPr>
+        <p:cNvPr id="1" name=""/>
+        <p:cNvGrpSpPr/>
+        <p:nvPr/>
+      </p:nvGrpSpPr>
+      <p:grpSpPr>
+        <a:xfrm>
+          <a:off x="0" y="0"/>
+          <a:ext cx="0" cy="0"/>
+          <a:chOff x="0" y="0"/>
+          <a:chExt cx="0" cy="0"/>
+        </a:xfrm>
+      </p:grpSpPr>
+      <p:cxnSp>
+        <p:nvCxnSpPr>
+          <p:cNvPr id="4" name="直接连接符 3">
+            <a:extLst>
+              <a:ext uri="{FF2B5EF4-FFF2-40B4-BE49-F238E27FC236}">
+                <a16:creationId xmlns:a16="http://schemas.microsoft.com/office/drawing/2014/main" id="{7C442790-D430-4EDE-9C7A-F768391FBC90}"/>
+              </a:ext>
+            </a:extLst>
+          </p:cNvPr>
+          <p:cNvCxnSpPr>
+            <a:cxnSpLocks/>
+          </p:cNvCxnSpPr>
+          <p:nvPr/>
+        </p:nvCxnSpPr>
+        <p:spPr>
+          <a:xfrm>
+            <a:off x="3428403" y="2620957"/>
+            <a:ext cx="1106906" cy="0"/>
+          </a:xfrm>
+          <a:prstGeom prst="line">
+            <a:avLst/>
+          </a:prstGeom>
+          <a:ln w="28575">
+            <a:solidFill>
+              <a:schemeClr val="tx1"/>
+            </a:solidFill>
+            <a:headEnd type="none" w="med" len="med"/>
+            <a:tailEnd type="triangle" w="med" len="med"/>
+          </a:ln>
+        </p:spPr>
+        <p:style>
+          <a:lnRef idx="1">
+            <a:schemeClr val="accent1"/>
+          </a:lnRef>
+          <a:fillRef idx="0">
+            <a:schemeClr val="accent1"/>
+          </a:fillRef>
+          <a:effectRef idx="0">
+            <a:schemeClr val="accent1"/>
+          </a:effectRef>
+          <a:fontRef idx="minor">
+            <a:schemeClr val="tx1"/>
+          </a:fontRef>
+        </p:style>
+      </p:cxnSp>
+      <p:cxnSp>
+        <p:nvCxnSpPr>
+          <p:cNvPr id="5" name="直接连接符 4">
+            <a:extLst>
+              <a:ext uri="{FF2B5EF4-FFF2-40B4-BE49-F238E27FC236}">
+                <a16:creationId xmlns:a16="http://schemas.microsoft.com/office/drawing/2014/main" id="{7EF46915-F499-4AC3-A749-564097724A0B}"/>
+              </a:ext>
+            </a:extLst>
+          </p:cNvPr>
+          <p:cNvCxnSpPr>
+            <a:cxnSpLocks/>
+          </p:cNvCxnSpPr>
+          <p:nvPr/>
+        </p:nvCxnSpPr>
+        <p:spPr>
+          <a:xfrm flipV="1">
+            <a:off x="3428403" y="1960315"/>
+            <a:ext cx="0" cy="1369411"/>
+          </a:xfrm>
+          <a:prstGeom prst="line">
+            <a:avLst/>
+          </a:prstGeom>
+          <a:ln w="28575">
+            <a:solidFill>
+              <a:schemeClr val="tx1"/>
+            </a:solidFill>
+            <a:headEnd type="none" w="med" len="med"/>
+            <a:tailEnd type="triangle" w="med" len="med"/>
+          </a:ln>
+        </p:spPr>
+        <p:style>
+          <a:lnRef idx="1">
+            <a:schemeClr val="accent1"/>
+          </a:lnRef>
+          <a:fillRef idx="0">
+            <a:schemeClr val="accent1"/>
+          </a:fillRef>
+          <a:effectRef idx="0">
+            <a:schemeClr val="accent1"/>
+          </a:effectRef>
+          <a:fontRef idx="minor">
+            <a:schemeClr val="tx1"/>
+          </a:fontRef>
+        </p:style>
+      </p:cxnSp>
+      <p:cxnSp>
+        <p:nvCxnSpPr>
+          <p:cNvPr id="6" name="直接连接符 5">
+            <a:extLst>
+              <a:ext uri="{FF2B5EF4-FFF2-40B4-BE49-F238E27FC236}">
+                <a16:creationId xmlns:a16="http://schemas.microsoft.com/office/drawing/2014/main" id="{FC9C5E7B-91A8-4216-BB1E-266E9534651F}"/>
+              </a:ext>
+            </a:extLst>
+          </p:cNvPr>
+          <p:cNvCxnSpPr>
+            <a:cxnSpLocks/>
+          </p:cNvCxnSpPr>
+          <p:nvPr/>
+        </p:nvCxnSpPr>
+        <p:spPr>
+          <a:xfrm flipV="1">
+            <a:off x="3420143" y="2272422"/>
+            <a:ext cx="720000" cy="720000"/>
+          </a:xfrm>
+          <a:prstGeom prst="line">
+            <a:avLst/>
+          </a:prstGeom>
+          <a:ln w="57150">
+            <a:solidFill>
+              <a:srgbClr val="C00000"/>
+            </a:solidFill>
+          </a:ln>
+        </p:spPr>
+        <p:style>
+          <a:lnRef idx="1">
+            <a:schemeClr val="accent2"/>
+          </a:lnRef>
+          <a:fillRef idx="0">
+            <a:schemeClr val="accent2"/>
+          </a:fillRef>
+          <a:effectRef idx="0">
+            <a:schemeClr val="accent2"/>
+          </a:effectRef>
+          <a:fontRef idx="minor">
+            <a:schemeClr val="tx1"/>
+          </a:fontRef>
+        </p:style>
+      </p:cxnSp>
+      <mc:AlternateContent xmlns:mc="http://schemas.openxmlformats.org/markup-compatibility/2006">
+        <mc:Choice xmlns:a14="http://schemas.microsoft.com/office/drawing/2010/main" Requires="a14">
+          <p:sp>
+            <p:nvSpPr>
+              <p:cNvPr id="7" name="文本框 6">
+                <a:extLst>
+                  <a:ext uri="{FF2B5EF4-FFF2-40B4-BE49-F238E27FC236}">
+                    <a16:creationId xmlns:a16="http://schemas.microsoft.com/office/drawing/2014/main" id="{6AF4768B-E958-458A-B345-0993375F3244}"/>
+                  </a:ext>
+                </a:extLst>
+              </p:cNvPr>
+              <p:cNvSpPr txBox="1"/>
+              <p:nvPr/>
+            </p:nvSpPr>
+            <p:spPr>
+              <a:xfrm>
+                <a:off x="2877797" y="2750469"/>
+                <a:ext cx="582702" cy="436851"/>
+              </a:xfrm>
+              <a:prstGeom prst="rect">
+                <a:avLst/>
+              </a:prstGeom>
+              <a:noFill/>
+            </p:spPr>
+            <p:txBody>
+              <a:bodyPr wrap="square" rtlCol="0">
+                <a:spAutoFit/>
+              </a:bodyPr>
+              <a:lstStyle/>
+              <a:p>
+                <a:pPr algn="r"/>
+                <a14:m>
+                  <m:oMathPara xmlns:m="http://schemas.openxmlformats.org/officeDocument/2006/math">
+                    <m:oMathParaPr>
+                      <m:jc m:val="centerGroup"/>
+                    </m:oMathParaPr>
+                    <m:oMath xmlns:m="http://schemas.openxmlformats.org/officeDocument/2006/math">
+                      <m:r>
+                        <a:rPr lang="en-US" altLang="zh-CN" sz="1200" b="0" i="1" smtClean="0">
+                          <a:latin typeface="Cambria Math" panose="02040503050406030204" pitchFamily="18" charset="0"/>
+                        </a:rPr>
+                        <m:t>−</m:t>
+                      </m:r>
+                      <m:f>
+                        <m:fPr>
+                          <m:ctrlPr>
+                            <a:rPr lang="en-US" altLang="zh-CN" sz="1200" i="1" smtClean="0">
+                              <a:latin typeface="Cambria Math" panose="02040503050406030204" pitchFamily="18" charset="0"/>
+                            </a:rPr>
+                          </m:ctrlPr>
+                        </m:fPr>
+                        <m:num>
+                          <m:r>
+                            <a:rPr lang="en-US" altLang="zh-CN" sz="1200" b="0" i="1" smtClean="0">
+                              <a:latin typeface="Cambria Math" panose="02040503050406030204" pitchFamily="18" charset="0"/>
+                            </a:rPr>
+                            <m:t>𝐵𝑊</m:t>
+                          </m:r>
+                        </m:num>
+                        <m:den>
+                          <m:r>
+                            <a:rPr lang="en-US" altLang="zh-CN" sz="1200" b="0" i="1" smtClean="0">
+                              <a:latin typeface="Cambria Math" panose="02040503050406030204" pitchFamily="18" charset="0"/>
+                            </a:rPr>
+                            <m:t>2</m:t>
+                          </m:r>
+                        </m:den>
+                      </m:f>
+                    </m:oMath>
+                  </m:oMathPara>
+                </a14:m>
+                <a:endParaRPr lang="zh-CN" altLang="en-US" sz="1200" dirty="0"/>
+              </a:p>
+            </p:txBody>
+          </p:sp>
+        </mc:Choice>
+        <mc:Fallback>
+          <p:sp>
+            <p:nvSpPr>
+              <p:cNvPr id="7" name="文本框 6">
+                <a:extLst>
+                  <a:ext uri="{FF2B5EF4-FFF2-40B4-BE49-F238E27FC236}">
+                    <a16:creationId xmlns:a16="http://schemas.microsoft.com/office/drawing/2014/main" id="{6AF4768B-E958-458A-B345-0993375F3244}"/>
+                  </a:ext>
+                </a:extLst>
+              </p:cNvPr>
+              <p:cNvSpPr txBox="1">
+                <a:spLocks noRot="1" noChangeAspect="1" noMove="1" noResize="1" noEditPoints="1" noAdjustHandles="1" noChangeArrowheads="1" noChangeShapeType="1" noTextEdit="1"/>
+              </p:cNvSpPr>
+              <p:nvPr/>
+            </p:nvSpPr>
+            <p:spPr>
+              <a:xfrm>
+                <a:off x="2877797" y="2750469"/>
+                <a:ext cx="582702" cy="436851"/>
+              </a:xfrm>
+              <a:prstGeom prst="rect">
+                <a:avLst/>
+              </a:prstGeom>
+              <a:blipFill>
+                <a:blip r:embed="rId2"/>
+                <a:stretch>
+                  <a:fillRect b="-1389"/>
+                </a:stretch>
+              </a:blipFill>
+            </p:spPr>
+            <p:txBody>
+              <a:bodyPr/>
+              <a:lstStyle/>
+              <a:p>
+                <a:r>
+                  <a:rPr lang="zh-CN" altLang="en-US">
+                    <a:noFill/>
+                  </a:rPr>
+                  <a:t> </a:t>
+                </a:r>
+              </a:p>
+            </p:txBody>
+          </p:sp>
+        </mc:Fallback>
+      </mc:AlternateContent>
+      <p:grpSp>
+        <p:nvGrpSpPr>
+          <p:cNvPr id="8" name="组合 7">
+            <a:extLst>
+              <a:ext uri="{FF2B5EF4-FFF2-40B4-BE49-F238E27FC236}">
+                <a16:creationId xmlns:a16="http://schemas.microsoft.com/office/drawing/2014/main" id="{52617422-A401-4023-B4BE-29EE7A5229B6}"/>
+              </a:ext>
+            </a:extLst>
+          </p:cNvPr>
+          <p:cNvGrpSpPr/>
+          <p:nvPr/>
+        </p:nvGrpSpPr>
+        <p:grpSpPr>
+          <a:xfrm rot="2700000">
+            <a:off x="4690449" y="2524704"/>
+            <a:ext cx="201255" cy="206361"/>
+            <a:chOff x="3097585" y="1863801"/>
+            <a:chExt cx="201255" cy="206361"/>
+          </a:xfrm>
+        </p:grpSpPr>
+        <p:cxnSp>
+          <p:nvCxnSpPr>
+            <p:cNvPr id="9" name="直接连接符 8">
+              <a:extLst>
+                <a:ext uri="{FF2B5EF4-FFF2-40B4-BE49-F238E27FC236}">
+                  <a16:creationId xmlns:a16="http://schemas.microsoft.com/office/drawing/2014/main" id="{CD6991BD-403C-44C3-AB7B-742951A0C53C}"/>
+                </a:ext>
+              </a:extLst>
+            </p:cNvPr>
+            <p:cNvCxnSpPr>
+              <a:cxnSpLocks/>
+            </p:cNvCxnSpPr>
+            <p:nvPr/>
+          </p:nvCxnSpPr>
+          <p:spPr>
+            <a:xfrm>
+              <a:off x="3097585" y="1963699"/>
+              <a:ext cx="201255" cy="0"/>
+            </a:xfrm>
+            <a:prstGeom prst="line">
+              <a:avLst/>
+            </a:prstGeom>
+            <a:ln w="28575">
+              <a:solidFill>
+                <a:schemeClr val="tx1"/>
+              </a:solidFill>
+            </a:ln>
+          </p:spPr>
+          <p:style>
+            <a:lnRef idx="1">
+              <a:schemeClr val="accent1"/>
+            </a:lnRef>
+            <a:fillRef idx="0">
+              <a:schemeClr val="accent1"/>
+            </a:fillRef>
+            <a:effectRef idx="0">
+              <a:schemeClr val="accent1"/>
+            </a:effectRef>
+            <a:fontRef idx="minor">
+              <a:schemeClr val="tx1"/>
+            </a:fontRef>
+          </p:style>
+        </p:cxnSp>
+        <p:cxnSp>
+          <p:nvCxnSpPr>
+            <p:cNvPr id="10" name="直接连接符 9">
+              <a:extLst>
+                <a:ext uri="{FF2B5EF4-FFF2-40B4-BE49-F238E27FC236}">
+                  <a16:creationId xmlns:a16="http://schemas.microsoft.com/office/drawing/2014/main" id="{1A10B6CE-6AC6-40A7-89C0-86E552972153}"/>
+                </a:ext>
+              </a:extLst>
+            </p:cNvPr>
+            <p:cNvCxnSpPr>
+              <a:cxnSpLocks/>
+            </p:cNvCxnSpPr>
+            <p:nvPr/>
+          </p:nvCxnSpPr>
+          <p:spPr>
+            <a:xfrm flipV="1">
+              <a:off x="3198212" y="1863801"/>
+              <a:ext cx="0" cy="206361"/>
+            </a:xfrm>
+            <a:prstGeom prst="line">
+              <a:avLst/>
+            </a:prstGeom>
+            <a:ln w="28575">
+              <a:solidFill>
+                <a:schemeClr val="tx1"/>
+              </a:solidFill>
+            </a:ln>
+          </p:spPr>
+          <p:style>
+            <a:lnRef idx="1">
+              <a:schemeClr val="accent1"/>
+            </a:lnRef>
+            <a:fillRef idx="0">
+              <a:schemeClr val="accent1"/>
+            </a:fillRef>
+            <a:effectRef idx="0">
+              <a:schemeClr val="accent1"/>
+            </a:effectRef>
+            <a:fontRef idx="minor">
+              <a:schemeClr val="tx1"/>
+            </a:fontRef>
+          </p:style>
+        </p:cxnSp>
+      </p:grpSp>
+      <p:cxnSp>
+        <p:nvCxnSpPr>
+          <p:cNvPr id="11" name="直接连接符 10">
+            <a:extLst>
+              <a:ext uri="{FF2B5EF4-FFF2-40B4-BE49-F238E27FC236}">
+                <a16:creationId xmlns:a16="http://schemas.microsoft.com/office/drawing/2014/main" id="{09F2D6CD-D51F-4E76-9AD0-C963ED0A565E}"/>
+              </a:ext>
+            </a:extLst>
+          </p:cNvPr>
+          <p:cNvCxnSpPr>
+            <a:cxnSpLocks/>
+          </p:cNvCxnSpPr>
+          <p:nvPr/>
+        </p:nvCxnSpPr>
+        <p:spPr>
+          <a:xfrm>
+            <a:off x="5118098" y="2620957"/>
+            <a:ext cx="1106906" cy="0"/>
+          </a:xfrm>
+          <a:prstGeom prst="line">
+            <a:avLst/>
+          </a:prstGeom>
+          <a:ln w="28575">
+            <a:solidFill>
+              <a:schemeClr val="tx1"/>
+            </a:solidFill>
+            <a:headEnd type="none" w="med" len="med"/>
+            <a:tailEnd type="triangle" w="med" len="med"/>
+          </a:ln>
+        </p:spPr>
+        <p:style>
+          <a:lnRef idx="1">
+            <a:schemeClr val="accent1"/>
+          </a:lnRef>
+          <a:fillRef idx="0">
+            <a:schemeClr val="accent1"/>
+          </a:fillRef>
+          <a:effectRef idx="0">
+            <a:schemeClr val="accent1"/>
+          </a:effectRef>
+          <a:fontRef idx="minor">
+            <a:schemeClr val="tx1"/>
+          </a:fontRef>
+        </p:style>
+      </p:cxnSp>
+      <p:cxnSp>
+        <p:nvCxnSpPr>
+          <p:cNvPr id="12" name="直接连接符 11">
+            <a:extLst>
+              <a:ext uri="{FF2B5EF4-FFF2-40B4-BE49-F238E27FC236}">
+                <a16:creationId xmlns:a16="http://schemas.microsoft.com/office/drawing/2014/main" id="{4BD5EFDF-EFE1-4952-95E8-62C7A9397974}"/>
+              </a:ext>
+            </a:extLst>
+          </p:cNvPr>
+          <p:cNvCxnSpPr>
+            <a:cxnSpLocks/>
+          </p:cNvCxnSpPr>
+          <p:nvPr/>
+        </p:nvCxnSpPr>
+        <p:spPr>
+          <a:xfrm flipV="1">
+            <a:off x="5118098" y="1960315"/>
+            <a:ext cx="0" cy="1369411"/>
+          </a:xfrm>
+          <a:prstGeom prst="line">
+            <a:avLst/>
+          </a:prstGeom>
+          <a:ln w="28575">
+            <a:solidFill>
+              <a:schemeClr val="tx1"/>
+            </a:solidFill>
+            <a:headEnd type="none" w="med" len="med"/>
+            <a:tailEnd type="triangle" w="med" len="med"/>
+          </a:ln>
+        </p:spPr>
+        <p:style>
+          <a:lnRef idx="1">
+            <a:schemeClr val="accent1"/>
+          </a:lnRef>
+          <a:fillRef idx="0">
+            <a:schemeClr val="accent1"/>
+          </a:fillRef>
+          <a:effectRef idx="0">
+            <a:schemeClr val="accent1"/>
+          </a:effectRef>
+          <a:fontRef idx="minor">
+            <a:schemeClr val="tx1"/>
+          </a:fontRef>
+        </p:style>
+      </p:cxnSp>
+      <mc:AlternateContent xmlns:mc="http://schemas.openxmlformats.org/markup-compatibility/2006">
+        <mc:Choice xmlns:a14="http://schemas.microsoft.com/office/drawing/2010/main" Requires="a14">
+          <p:sp>
+            <p:nvSpPr>
+              <p:cNvPr id="13" name="文本框 12">
+                <a:extLst>
+                  <a:ext uri="{FF2B5EF4-FFF2-40B4-BE49-F238E27FC236}">
+                    <a16:creationId xmlns:a16="http://schemas.microsoft.com/office/drawing/2014/main" id="{5882AAB2-C13A-436B-A32A-21212E450C6A}"/>
+                  </a:ext>
+                </a:extLst>
+              </p:cNvPr>
+              <p:cNvSpPr txBox="1"/>
+              <p:nvPr/>
+            </p:nvSpPr>
+            <p:spPr>
+              <a:xfrm>
+                <a:off x="2877797" y="2031639"/>
+                <a:ext cx="582702" cy="436851"/>
+              </a:xfrm>
+              <a:prstGeom prst="rect">
+                <a:avLst/>
+              </a:prstGeom>
+              <a:noFill/>
+            </p:spPr>
+            <p:txBody>
+              <a:bodyPr wrap="square" rtlCol="0">
+                <a:spAutoFit/>
+              </a:bodyPr>
+              <a:lstStyle/>
+              <a:p>
+                <a:pPr algn="r"/>
+                <a14:m>
+                  <m:oMathPara xmlns:m="http://schemas.openxmlformats.org/officeDocument/2006/math">
+                    <m:oMathParaPr>
+                      <m:jc m:val="centerGroup"/>
+                    </m:oMathParaPr>
+                    <m:oMath xmlns:m="http://schemas.openxmlformats.org/officeDocument/2006/math">
+                      <m:f>
+                        <m:fPr>
+                          <m:ctrlPr>
+                            <a:rPr lang="en-US" altLang="zh-CN" sz="1200" i="1" smtClean="0">
+                              <a:latin typeface="Cambria Math" panose="02040503050406030204" pitchFamily="18" charset="0"/>
+                            </a:rPr>
+                          </m:ctrlPr>
+                        </m:fPr>
+                        <m:num>
+                          <m:r>
+                            <a:rPr lang="en-US" altLang="zh-CN" sz="1200" b="0" i="1" smtClean="0">
+                              <a:latin typeface="Cambria Math" panose="02040503050406030204" pitchFamily="18" charset="0"/>
+                            </a:rPr>
+                            <m:t>𝐵𝑊</m:t>
+                          </m:r>
+                        </m:num>
+                        <m:den>
+                          <m:r>
+                            <a:rPr lang="en-US" altLang="zh-CN" sz="1200" b="0" i="1" smtClean="0">
+                              <a:latin typeface="Cambria Math" panose="02040503050406030204" pitchFamily="18" charset="0"/>
+                            </a:rPr>
+                            <m:t>2</m:t>
+                          </m:r>
+                        </m:den>
+                      </m:f>
+                    </m:oMath>
+                  </m:oMathPara>
+                </a14:m>
+                <a:endParaRPr lang="zh-CN" altLang="en-US" sz="1200" dirty="0"/>
+              </a:p>
+            </p:txBody>
+          </p:sp>
+        </mc:Choice>
+        <mc:Fallback>
+          <p:sp>
+            <p:nvSpPr>
+              <p:cNvPr id="13" name="文本框 12">
+                <a:extLst>
+                  <a:ext uri="{FF2B5EF4-FFF2-40B4-BE49-F238E27FC236}">
+                    <a16:creationId xmlns:a16="http://schemas.microsoft.com/office/drawing/2014/main" id="{5882AAB2-C13A-436B-A32A-21212E450C6A}"/>
+                  </a:ext>
+                </a:extLst>
+              </p:cNvPr>
+              <p:cNvSpPr txBox="1">
+                <a:spLocks noRot="1" noChangeAspect="1" noMove="1" noResize="1" noEditPoints="1" noAdjustHandles="1" noChangeArrowheads="1" noChangeShapeType="1" noTextEdit="1"/>
+              </p:cNvSpPr>
+              <p:nvPr/>
+            </p:nvSpPr>
+            <p:spPr>
+              <a:xfrm>
+                <a:off x="2877797" y="2031639"/>
+                <a:ext cx="582702" cy="436851"/>
+              </a:xfrm>
+              <a:prstGeom prst="rect">
+                <a:avLst/>
+              </a:prstGeom>
+              <a:blipFill>
+                <a:blip r:embed="rId3"/>
+                <a:stretch>
+                  <a:fillRect b="-1389"/>
+                </a:stretch>
+              </a:blipFill>
+            </p:spPr>
+            <p:txBody>
+              <a:bodyPr/>
+              <a:lstStyle/>
+              <a:p>
+                <a:r>
+                  <a:rPr lang="zh-CN" altLang="en-US">
+                    <a:noFill/>
+                  </a:rPr>
+                  <a:t> </a:t>
+                </a:r>
+              </a:p>
+            </p:txBody>
+          </p:sp>
+        </mc:Fallback>
+      </mc:AlternateContent>
+      <p:cxnSp>
+        <p:nvCxnSpPr>
+          <p:cNvPr id="14" name="直接连接符 13">
+            <a:extLst>
+              <a:ext uri="{FF2B5EF4-FFF2-40B4-BE49-F238E27FC236}">
+                <a16:creationId xmlns:a16="http://schemas.microsoft.com/office/drawing/2014/main" id="{39D36428-E296-4063-970B-881059341839}"/>
+              </a:ext>
+            </a:extLst>
+          </p:cNvPr>
+          <p:cNvCxnSpPr>
+            <a:cxnSpLocks/>
+          </p:cNvCxnSpPr>
+          <p:nvPr/>
+        </p:nvCxnSpPr>
+        <p:spPr>
+          <a:xfrm>
+            <a:off x="5118098" y="2275140"/>
+            <a:ext cx="720000" cy="720000"/>
+          </a:xfrm>
+          <a:prstGeom prst="line">
+            <a:avLst/>
+          </a:prstGeom>
+          <a:ln w="57150">
+            <a:solidFill>
+              <a:schemeClr val="bg1">
+                <a:lumMod val="50000"/>
+              </a:schemeClr>
+            </a:solidFill>
+          </a:ln>
+        </p:spPr>
+        <p:style>
+          <a:lnRef idx="1">
+            <a:schemeClr val="accent1"/>
+          </a:lnRef>
+          <a:fillRef idx="0">
+            <a:schemeClr val="accent1"/>
+          </a:fillRef>
+          <a:effectRef idx="0">
+            <a:schemeClr val="accent1"/>
+          </a:effectRef>
+          <a:fontRef idx="minor">
+            <a:schemeClr val="tx1"/>
+          </a:fontRef>
+        </p:style>
+      </p:cxnSp>
+      <p:grpSp>
+        <p:nvGrpSpPr>
+          <p:cNvPr id="15" name="组合 14">
+            <a:extLst>
+              <a:ext uri="{FF2B5EF4-FFF2-40B4-BE49-F238E27FC236}">
+                <a16:creationId xmlns:a16="http://schemas.microsoft.com/office/drawing/2014/main" id="{072FF384-0BE2-48BD-9133-7177F90AD208}"/>
+              </a:ext>
+            </a:extLst>
+          </p:cNvPr>
+          <p:cNvGrpSpPr/>
+          <p:nvPr/>
+        </p:nvGrpSpPr>
+        <p:grpSpPr>
+          <a:xfrm>
+            <a:off x="6395054" y="2577106"/>
+            <a:ext cx="201255" cy="101557"/>
+            <a:chOff x="4956281" y="1960053"/>
+            <a:chExt cx="201255" cy="101557"/>
+          </a:xfrm>
+        </p:grpSpPr>
+        <p:cxnSp>
+          <p:nvCxnSpPr>
+            <p:cNvPr id="16" name="直接连接符 15">
+              <a:extLst>
+                <a:ext uri="{FF2B5EF4-FFF2-40B4-BE49-F238E27FC236}">
+                  <a16:creationId xmlns:a16="http://schemas.microsoft.com/office/drawing/2014/main" id="{357EEA7D-0687-4D3D-92EF-7EFCB9CB4A48}"/>
+                </a:ext>
+              </a:extLst>
+            </p:cNvPr>
+            <p:cNvCxnSpPr>
+              <a:cxnSpLocks/>
+            </p:cNvCxnSpPr>
+            <p:nvPr/>
+          </p:nvCxnSpPr>
+          <p:spPr>
+            <a:xfrm>
+              <a:off x="4956281" y="1960053"/>
+              <a:ext cx="201255" cy="0"/>
+            </a:xfrm>
+            <a:prstGeom prst="line">
+              <a:avLst/>
+            </a:prstGeom>
+            <a:ln w="28575">
+              <a:solidFill>
+                <a:schemeClr val="tx1"/>
+              </a:solidFill>
+            </a:ln>
+          </p:spPr>
+          <p:style>
+            <a:lnRef idx="1">
+              <a:schemeClr val="accent1"/>
+            </a:lnRef>
+            <a:fillRef idx="0">
+              <a:schemeClr val="accent1"/>
+            </a:fillRef>
+            <a:effectRef idx="0">
+              <a:schemeClr val="accent1"/>
+            </a:effectRef>
+            <a:fontRef idx="minor">
+              <a:schemeClr val="tx1"/>
+            </a:fontRef>
+          </p:style>
+        </p:cxnSp>
+        <p:cxnSp>
+          <p:nvCxnSpPr>
+            <p:cNvPr id="17" name="直接连接符 16">
+              <a:extLst>
+                <a:ext uri="{FF2B5EF4-FFF2-40B4-BE49-F238E27FC236}">
+                  <a16:creationId xmlns:a16="http://schemas.microsoft.com/office/drawing/2014/main" id="{DA11DB1F-05A5-4EED-9489-3CE74C4CCBA2}"/>
+                </a:ext>
+              </a:extLst>
+            </p:cNvPr>
+            <p:cNvCxnSpPr>
+              <a:cxnSpLocks/>
+            </p:cNvCxnSpPr>
+            <p:nvPr/>
+          </p:nvCxnSpPr>
+          <p:spPr>
+            <a:xfrm>
+              <a:off x="4956281" y="2061610"/>
+              <a:ext cx="201255" cy="0"/>
+            </a:xfrm>
+            <a:prstGeom prst="line">
+              <a:avLst/>
+            </a:prstGeom>
+            <a:ln w="28575">
+              <a:solidFill>
+                <a:schemeClr val="tx1"/>
+              </a:solidFill>
+            </a:ln>
+          </p:spPr>
+          <p:style>
+            <a:lnRef idx="1">
+              <a:schemeClr val="accent1"/>
+            </a:lnRef>
+            <a:fillRef idx="0">
+              <a:schemeClr val="accent1"/>
+            </a:fillRef>
+            <a:effectRef idx="0">
+              <a:schemeClr val="accent1"/>
+            </a:effectRef>
+            <a:fontRef idx="minor">
+              <a:schemeClr val="tx1"/>
+            </a:fontRef>
+          </p:style>
+        </p:cxnSp>
+      </p:grpSp>
+      <p:cxnSp>
+        <p:nvCxnSpPr>
+          <p:cNvPr id="18" name="直接连接符 17">
+            <a:extLst>
+              <a:ext uri="{FF2B5EF4-FFF2-40B4-BE49-F238E27FC236}">
+                <a16:creationId xmlns:a16="http://schemas.microsoft.com/office/drawing/2014/main" id="{10D040EC-9010-468F-8779-2A7675882BFA}"/>
+              </a:ext>
+            </a:extLst>
+          </p:cNvPr>
+          <p:cNvCxnSpPr>
+            <a:cxnSpLocks/>
+          </p:cNvCxnSpPr>
+          <p:nvPr/>
+        </p:nvCxnSpPr>
+        <p:spPr>
+          <a:xfrm>
+            <a:off x="3428403" y="4280649"/>
+            <a:ext cx="1106906" cy="0"/>
+          </a:xfrm>
+          <a:prstGeom prst="line">
+            <a:avLst/>
+          </a:prstGeom>
+          <a:ln w="28575">
+            <a:solidFill>
+              <a:schemeClr val="tx1"/>
+            </a:solidFill>
+            <a:headEnd type="none" w="med" len="med"/>
+            <a:tailEnd type="triangle" w="med" len="med"/>
+          </a:ln>
+        </p:spPr>
+        <p:style>
+          <a:lnRef idx="1">
+            <a:schemeClr val="accent1"/>
+          </a:lnRef>
+          <a:fillRef idx="0">
+            <a:schemeClr val="accent1"/>
+          </a:fillRef>
+          <a:effectRef idx="0">
+            <a:schemeClr val="accent1"/>
+          </a:effectRef>
+          <a:fontRef idx="minor">
+            <a:schemeClr val="tx1"/>
+          </a:fontRef>
+        </p:style>
+      </p:cxnSp>
+      <p:cxnSp>
+        <p:nvCxnSpPr>
+          <p:cNvPr id="19" name="直接连接符 18">
+            <a:extLst>
+              <a:ext uri="{FF2B5EF4-FFF2-40B4-BE49-F238E27FC236}">
+                <a16:creationId xmlns:a16="http://schemas.microsoft.com/office/drawing/2014/main" id="{36A072A1-40BE-4E86-8D91-06AD9441E4F2}"/>
+              </a:ext>
+            </a:extLst>
+          </p:cNvPr>
+          <p:cNvCxnSpPr>
+            <a:cxnSpLocks/>
+          </p:cNvCxnSpPr>
+          <p:nvPr/>
+        </p:nvCxnSpPr>
+        <p:spPr>
+          <a:xfrm flipV="1">
+            <a:off x="3428403" y="3620007"/>
+            <a:ext cx="0" cy="1369411"/>
+          </a:xfrm>
+          <a:prstGeom prst="line">
+            <a:avLst/>
+          </a:prstGeom>
+          <a:ln w="28575">
+            <a:solidFill>
+              <a:schemeClr val="tx1"/>
+            </a:solidFill>
+            <a:headEnd type="none" w="med" len="med"/>
+            <a:tailEnd type="triangle" w="med" len="med"/>
+          </a:ln>
+        </p:spPr>
+        <p:style>
+          <a:lnRef idx="1">
+            <a:schemeClr val="accent1"/>
+          </a:lnRef>
+          <a:fillRef idx="0">
+            <a:schemeClr val="accent1"/>
+          </a:fillRef>
+          <a:effectRef idx="0">
+            <a:schemeClr val="accent1"/>
+          </a:effectRef>
+          <a:fontRef idx="minor">
+            <a:schemeClr val="tx1"/>
+          </a:fontRef>
+        </p:style>
+      </p:cxnSp>
+      <mc:AlternateContent xmlns:mc="http://schemas.openxmlformats.org/markup-compatibility/2006">
+        <mc:Choice xmlns:a14="http://schemas.microsoft.com/office/drawing/2010/main" Requires="a14">
+          <p:sp>
+            <p:nvSpPr>
+              <p:cNvPr id="20" name="文本框 19">
+                <a:extLst>
+                  <a:ext uri="{FF2B5EF4-FFF2-40B4-BE49-F238E27FC236}">
+                    <a16:creationId xmlns:a16="http://schemas.microsoft.com/office/drawing/2014/main" id="{88B103DD-0E4A-4EF1-8F4E-5B85FE72DB63}"/>
+                  </a:ext>
+                </a:extLst>
+              </p:cNvPr>
+              <p:cNvSpPr txBox="1"/>
+              <p:nvPr/>
+            </p:nvSpPr>
+            <p:spPr>
+              <a:xfrm>
+                <a:off x="2966376" y="4085247"/>
+                <a:ext cx="582702" cy="307777"/>
+              </a:xfrm>
+              <a:prstGeom prst="rect">
+                <a:avLst/>
+              </a:prstGeom>
+              <a:noFill/>
+            </p:spPr>
+            <p:txBody>
+              <a:bodyPr wrap="square" rtlCol="0">
+                <a:spAutoFit/>
+              </a:bodyPr>
+              <a:lstStyle/>
+              <a:p>
+                <a:pPr/>
+                <a14:m>
+                  <m:oMathPara xmlns:m="http://schemas.openxmlformats.org/officeDocument/2006/math">
+                    <m:oMathParaPr>
+                      <m:jc m:val="centerGroup"/>
+                    </m:oMathParaPr>
+                    <m:oMath xmlns:m="http://schemas.openxmlformats.org/officeDocument/2006/math">
+                      <m:sSub>
+                        <m:sSubPr>
+                          <m:ctrlPr>
+                            <a:rPr lang="en-US" altLang="zh-CN" sz="1400" b="0" i="1" smtClean="0">
+                              <a:latin typeface="Cambria Math" panose="02040503050406030204" pitchFamily="18" charset="0"/>
+                            </a:rPr>
+                          </m:ctrlPr>
+                        </m:sSubPr>
+                        <m:e>
+                          <m:r>
+                            <a:rPr lang="en-US" altLang="zh-CN" sz="1400" i="1" smtClean="0">
+                              <a:latin typeface="Cambria Math" panose="02040503050406030204" pitchFamily="18" charset="0"/>
+                            </a:rPr>
+                            <m:t>𝑓</m:t>
+                          </m:r>
+                        </m:e>
+                        <m:sub>
+                          <m:r>
+                            <a:rPr lang="en-US" altLang="zh-CN" sz="1400" b="0" i="1" smtClean="0">
+                              <a:latin typeface="Cambria Math" panose="02040503050406030204" pitchFamily="18" charset="0"/>
+                            </a:rPr>
+                            <m:t>0</m:t>
+                          </m:r>
+                        </m:sub>
+                      </m:sSub>
+                    </m:oMath>
+                  </m:oMathPara>
+                </a14:m>
+                <a:endParaRPr lang="zh-CN" altLang="en-US" sz="1400" dirty="0"/>
+              </a:p>
+            </p:txBody>
+          </p:sp>
+        </mc:Choice>
+        <mc:Fallback>
+          <p:sp>
+            <p:nvSpPr>
+              <p:cNvPr id="20" name="文本框 19">
+                <a:extLst>
+                  <a:ext uri="{FF2B5EF4-FFF2-40B4-BE49-F238E27FC236}">
+                    <a16:creationId xmlns:a16="http://schemas.microsoft.com/office/drawing/2014/main" id="{88B103DD-0E4A-4EF1-8F4E-5B85FE72DB63}"/>
+                  </a:ext>
+                </a:extLst>
+              </p:cNvPr>
+              <p:cNvSpPr txBox="1">
+                <a:spLocks noRot="1" noChangeAspect="1" noMove="1" noResize="1" noEditPoints="1" noAdjustHandles="1" noChangeArrowheads="1" noChangeShapeType="1" noTextEdit="1"/>
+              </p:cNvSpPr>
+              <p:nvPr/>
+            </p:nvSpPr>
+            <p:spPr>
+              <a:xfrm>
+                <a:off x="2966376" y="4085247"/>
+                <a:ext cx="582702" cy="307777"/>
+              </a:xfrm>
+              <a:prstGeom prst="rect">
+                <a:avLst/>
+              </a:prstGeom>
+              <a:blipFill>
+                <a:blip r:embed="rId4"/>
+                <a:stretch>
+                  <a:fillRect b="-5882"/>
+                </a:stretch>
+              </a:blipFill>
+            </p:spPr>
+            <p:txBody>
+              <a:bodyPr/>
+              <a:lstStyle/>
+              <a:p>
+                <a:r>
+                  <a:rPr lang="zh-CN" altLang="en-US">
+                    <a:noFill/>
+                  </a:rPr>
+                  <a:t> </a:t>
+                </a:r>
+              </a:p>
+            </p:txBody>
+          </p:sp>
+        </mc:Fallback>
+      </mc:AlternateContent>
+      <p:grpSp>
+        <p:nvGrpSpPr>
+          <p:cNvPr id="21" name="组合 20">
+            <a:extLst>
+              <a:ext uri="{FF2B5EF4-FFF2-40B4-BE49-F238E27FC236}">
+                <a16:creationId xmlns:a16="http://schemas.microsoft.com/office/drawing/2014/main" id="{7D5511D9-3386-4E6A-8F6A-0F0BE21A53B8}"/>
+              </a:ext>
+            </a:extLst>
+          </p:cNvPr>
+          <p:cNvGrpSpPr/>
+          <p:nvPr/>
+        </p:nvGrpSpPr>
+        <p:grpSpPr>
+          <a:xfrm rot="2700000">
+            <a:off x="4690449" y="4184396"/>
+            <a:ext cx="201255" cy="206361"/>
+            <a:chOff x="3097585" y="1863801"/>
+            <a:chExt cx="201255" cy="206361"/>
+          </a:xfrm>
+        </p:grpSpPr>
+        <p:cxnSp>
+          <p:nvCxnSpPr>
+            <p:cNvPr id="22" name="直接连接符 21">
+              <a:extLst>
+                <a:ext uri="{FF2B5EF4-FFF2-40B4-BE49-F238E27FC236}">
+                  <a16:creationId xmlns:a16="http://schemas.microsoft.com/office/drawing/2014/main" id="{3BBC10DD-353E-4F27-8FBC-667D60316A51}"/>
+                </a:ext>
+              </a:extLst>
+            </p:cNvPr>
+            <p:cNvCxnSpPr>
+              <a:cxnSpLocks/>
+            </p:cNvCxnSpPr>
+            <p:nvPr/>
+          </p:nvCxnSpPr>
+          <p:spPr>
+            <a:xfrm>
+              <a:off x="3097585" y="1963699"/>
+              <a:ext cx="201255" cy="0"/>
+            </a:xfrm>
+            <a:prstGeom prst="line">
+              <a:avLst/>
+            </a:prstGeom>
+            <a:ln w="28575">
+              <a:solidFill>
+                <a:schemeClr val="tx1"/>
+              </a:solidFill>
+            </a:ln>
+          </p:spPr>
+          <p:style>
+            <a:lnRef idx="1">
+              <a:schemeClr val="accent1"/>
+            </a:lnRef>
+            <a:fillRef idx="0">
+              <a:schemeClr val="accent1"/>
+            </a:fillRef>
+            <a:effectRef idx="0">
+              <a:schemeClr val="accent1"/>
+            </a:effectRef>
+            <a:fontRef idx="minor">
+              <a:schemeClr val="tx1"/>
+            </a:fontRef>
+          </p:style>
+        </p:cxnSp>
+        <p:cxnSp>
+          <p:nvCxnSpPr>
+            <p:cNvPr id="23" name="直接连接符 22">
+              <a:extLst>
+                <a:ext uri="{FF2B5EF4-FFF2-40B4-BE49-F238E27FC236}">
+                  <a16:creationId xmlns:a16="http://schemas.microsoft.com/office/drawing/2014/main" id="{0B7CCD7C-65F2-45E3-A793-2439E6AA5963}"/>
+                </a:ext>
+              </a:extLst>
+            </p:cNvPr>
+            <p:cNvCxnSpPr>
+              <a:cxnSpLocks/>
+            </p:cNvCxnSpPr>
+            <p:nvPr/>
+          </p:nvCxnSpPr>
+          <p:spPr>
+            <a:xfrm flipV="1">
+              <a:off x="3198212" y="1863801"/>
+              <a:ext cx="0" cy="206361"/>
+            </a:xfrm>
+            <a:prstGeom prst="line">
+              <a:avLst/>
+            </a:prstGeom>
+            <a:ln w="28575">
+              <a:solidFill>
+                <a:schemeClr val="tx1"/>
+              </a:solidFill>
+            </a:ln>
+          </p:spPr>
+          <p:style>
+            <a:lnRef idx="1">
+              <a:schemeClr val="accent1"/>
+            </a:lnRef>
+            <a:fillRef idx="0">
+              <a:schemeClr val="accent1"/>
+            </a:fillRef>
+            <a:effectRef idx="0">
+              <a:schemeClr val="accent1"/>
+            </a:effectRef>
+            <a:fontRef idx="minor">
+              <a:schemeClr val="tx1"/>
+            </a:fontRef>
+          </p:style>
+        </p:cxnSp>
+      </p:grpSp>
+      <p:cxnSp>
+        <p:nvCxnSpPr>
+          <p:cNvPr id="24" name="直接连接符 23">
+            <a:extLst>
+              <a:ext uri="{FF2B5EF4-FFF2-40B4-BE49-F238E27FC236}">
+                <a16:creationId xmlns:a16="http://schemas.microsoft.com/office/drawing/2014/main" id="{2BD1A2E6-4B5D-45C8-9A9C-93A49A67B1BD}"/>
+              </a:ext>
+            </a:extLst>
+          </p:cNvPr>
+          <p:cNvCxnSpPr>
+            <a:cxnSpLocks/>
+          </p:cNvCxnSpPr>
+          <p:nvPr/>
+        </p:nvCxnSpPr>
+        <p:spPr>
+          <a:xfrm>
+            <a:off x="5118098" y="4280649"/>
+            <a:ext cx="1106906" cy="0"/>
+          </a:xfrm>
+          <a:prstGeom prst="line">
+            <a:avLst/>
+          </a:prstGeom>
+          <a:ln w="28575">
+            <a:solidFill>
+              <a:schemeClr val="tx1"/>
+            </a:solidFill>
+            <a:headEnd type="none" w="med" len="med"/>
+            <a:tailEnd type="triangle" w="med" len="med"/>
+          </a:ln>
+        </p:spPr>
+        <p:style>
+          <a:lnRef idx="1">
+            <a:schemeClr val="accent1"/>
+          </a:lnRef>
+          <a:fillRef idx="0">
+            <a:schemeClr val="accent1"/>
+          </a:fillRef>
+          <a:effectRef idx="0">
+            <a:schemeClr val="accent1"/>
+          </a:effectRef>
+          <a:fontRef idx="minor">
+            <a:schemeClr val="tx1"/>
+          </a:fontRef>
+        </p:style>
+      </p:cxnSp>
+      <p:cxnSp>
+        <p:nvCxnSpPr>
+          <p:cNvPr id="25" name="直接连接符 24">
+            <a:extLst>
+              <a:ext uri="{FF2B5EF4-FFF2-40B4-BE49-F238E27FC236}">
+                <a16:creationId xmlns:a16="http://schemas.microsoft.com/office/drawing/2014/main" id="{255C940A-8C51-46C5-A4D2-6D09F9CFF7D5}"/>
+              </a:ext>
+            </a:extLst>
+          </p:cNvPr>
+          <p:cNvCxnSpPr>
+            <a:cxnSpLocks/>
+          </p:cNvCxnSpPr>
+          <p:nvPr/>
+        </p:nvCxnSpPr>
+        <p:spPr>
+          <a:xfrm flipV="1">
+            <a:off x="5118098" y="3620007"/>
+            <a:ext cx="0" cy="1369411"/>
+          </a:xfrm>
+          <a:prstGeom prst="line">
+            <a:avLst/>
+          </a:prstGeom>
+          <a:ln w="28575">
+            <a:solidFill>
+              <a:schemeClr val="tx1"/>
+            </a:solidFill>
+            <a:headEnd type="none" w="med" len="med"/>
+            <a:tailEnd type="triangle" w="med" len="med"/>
+          </a:ln>
+        </p:spPr>
+        <p:style>
+          <a:lnRef idx="1">
+            <a:schemeClr val="accent1"/>
+          </a:lnRef>
+          <a:fillRef idx="0">
+            <a:schemeClr val="accent1"/>
+          </a:fillRef>
+          <a:effectRef idx="0">
+            <a:schemeClr val="accent1"/>
+          </a:effectRef>
+          <a:fontRef idx="minor">
+            <a:schemeClr val="tx1"/>
+          </a:fontRef>
+        </p:style>
+      </p:cxnSp>
+      <p:cxnSp>
+        <p:nvCxnSpPr>
+          <p:cNvPr id="26" name="直接连接符 25">
+            <a:extLst>
+              <a:ext uri="{FF2B5EF4-FFF2-40B4-BE49-F238E27FC236}">
+                <a16:creationId xmlns:a16="http://schemas.microsoft.com/office/drawing/2014/main" id="{9187FD97-2BF7-4004-BB07-55E34372EB36}"/>
+              </a:ext>
+            </a:extLst>
+          </p:cNvPr>
+          <p:cNvCxnSpPr>
+            <a:cxnSpLocks/>
+          </p:cNvCxnSpPr>
+          <p:nvPr/>
+        </p:nvCxnSpPr>
+        <p:spPr>
+          <a:xfrm>
+            <a:off x="5118098" y="3934832"/>
+            <a:ext cx="720000" cy="720000"/>
+          </a:xfrm>
+          <a:prstGeom prst="line">
+            <a:avLst/>
+          </a:prstGeom>
+          <a:ln w="57150">
+            <a:solidFill>
+              <a:schemeClr val="bg1">
+                <a:lumMod val="50000"/>
+              </a:schemeClr>
+            </a:solidFill>
+          </a:ln>
+        </p:spPr>
+        <p:style>
+          <a:lnRef idx="1">
+            <a:schemeClr val="accent1"/>
+          </a:lnRef>
+          <a:fillRef idx="0">
+            <a:schemeClr val="accent1"/>
+          </a:fillRef>
+          <a:effectRef idx="0">
+            <a:schemeClr val="accent1"/>
+          </a:effectRef>
+          <a:fontRef idx="minor">
+            <a:schemeClr val="tx1"/>
+          </a:fontRef>
+        </p:style>
+      </p:cxnSp>
+      <p:grpSp>
+        <p:nvGrpSpPr>
+          <p:cNvPr id="27" name="组合 26">
+            <a:extLst>
+              <a:ext uri="{FF2B5EF4-FFF2-40B4-BE49-F238E27FC236}">
+                <a16:creationId xmlns:a16="http://schemas.microsoft.com/office/drawing/2014/main" id="{06995259-3E0D-49D4-BF35-973BB0F56ACC}"/>
+              </a:ext>
+            </a:extLst>
+          </p:cNvPr>
+          <p:cNvGrpSpPr/>
+          <p:nvPr/>
+        </p:nvGrpSpPr>
+        <p:grpSpPr>
+          <a:xfrm>
+            <a:off x="6395054" y="4236798"/>
+            <a:ext cx="201255" cy="101557"/>
+            <a:chOff x="4956281" y="1960053"/>
+            <a:chExt cx="201255" cy="101557"/>
+          </a:xfrm>
+        </p:grpSpPr>
+        <p:cxnSp>
+          <p:nvCxnSpPr>
+            <p:cNvPr id="28" name="直接连接符 27">
+              <a:extLst>
+                <a:ext uri="{FF2B5EF4-FFF2-40B4-BE49-F238E27FC236}">
+                  <a16:creationId xmlns:a16="http://schemas.microsoft.com/office/drawing/2014/main" id="{17E9BE47-2421-4E16-995C-25F0FA7D669B}"/>
+                </a:ext>
+              </a:extLst>
+            </p:cNvPr>
+            <p:cNvCxnSpPr>
+              <a:cxnSpLocks/>
+            </p:cNvCxnSpPr>
+            <p:nvPr/>
+          </p:nvCxnSpPr>
+          <p:spPr>
+            <a:xfrm>
+              <a:off x="4956281" y="1960053"/>
+              <a:ext cx="201255" cy="0"/>
+            </a:xfrm>
+            <a:prstGeom prst="line">
+              <a:avLst/>
+            </a:prstGeom>
+            <a:ln w="28575">
+              <a:solidFill>
+                <a:schemeClr val="tx1"/>
+              </a:solidFill>
+            </a:ln>
+          </p:spPr>
+          <p:style>
+            <a:lnRef idx="1">
+              <a:schemeClr val="accent1"/>
+            </a:lnRef>
+            <a:fillRef idx="0">
+              <a:schemeClr val="accent1"/>
+            </a:fillRef>
+            <a:effectRef idx="0">
+              <a:schemeClr val="accent1"/>
+            </a:effectRef>
+            <a:fontRef idx="minor">
+              <a:schemeClr val="tx1"/>
+            </a:fontRef>
+          </p:style>
+        </p:cxnSp>
+        <p:cxnSp>
+          <p:nvCxnSpPr>
+            <p:cNvPr id="29" name="直接连接符 28">
+              <a:extLst>
+                <a:ext uri="{FF2B5EF4-FFF2-40B4-BE49-F238E27FC236}">
+                  <a16:creationId xmlns:a16="http://schemas.microsoft.com/office/drawing/2014/main" id="{36FD6944-7E5C-453F-8BE9-5D8828FDCDDF}"/>
+                </a:ext>
+              </a:extLst>
+            </p:cNvPr>
+            <p:cNvCxnSpPr>
+              <a:cxnSpLocks/>
+            </p:cNvCxnSpPr>
+            <p:nvPr/>
+          </p:nvCxnSpPr>
+          <p:spPr>
+            <a:xfrm>
+              <a:off x="4956281" y="2061610"/>
+              <a:ext cx="201255" cy="0"/>
+            </a:xfrm>
+            <a:prstGeom prst="line">
+              <a:avLst/>
+            </a:prstGeom>
+            <a:ln w="28575">
+              <a:solidFill>
+                <a:schemeClr val="tx1"/>
+              </a:solidFill>
+            </a:ln>
+          </p:spPr>
+          <p:style>
+            <a:lnRef idx="1">
+              <a:schemeClr val="accent1"/>
+            </a:lnRef>
+            <a:fillRef idx="0">
+              <a:schemeClr val="accent1"/>
+            </a:fillRef>
+            <a:effectRef idx="0">
+              <a:schemeClr val="accent1"/>
+            </a:effectRef>
+            <a:fontRef idx="minor">
+              <a:schemeClr val="tx1"/>
+            </a:fontRef>
+          </p:style>
+        </p:cxnSp>
+      </p:grpSp>
+      <p:cxnSp>
+        <p:nvCxnSpPr>
+          <p:cNvPr id="30" name="直接连接符 29">
+            <a:extLst>
+              <a:ext uri="{FF2B5EF4-FFF2-40B4-BE49-F238E27FC236}">
+                <a16:creationId xmlns:a16="http://schemas.microsoft.com/office/drawing/2014/main" id="{3A741D71-BB8B-4594-BDEE-A433437C19A9}"/>
+              </a:ext>
+            </a:extLst>
+          </p:cNvPr>
+          <p:cNvCxnSpPr>
+            <a:cxnSpLocks/>
+          </p:cNvCxnSpPr>
+          <p:nvPr/>
+        </p:nvCxnSpPr>
+        <p:spPr>
+          <a:xfrm flipV="1">
+            <a:off x="3424705" y="3934831"/>
+            <a:ext cx="234000" cy="234000"/>
+          </a:xfrm>
+          <a:prstGeom prst="line">
+            <a:avLst/>
+          </a:prstGeom>
+          <a:ln w="57150">
+            <a:solidFill>
+              <a:srgbClr val="0070C0"/>
+            </a:solidFill>
+          </a:ln>
+        </p:spPr>
+        <p:style>
+          <a:lnRef idx="1">
+            <a:schemeClr val="accent1"/>
+          </a:lnRef>
+          <a:fillRef idx="0">
+            <a:schemeClr val="accent1"/>
+          </a:fillRef>
+          <a:effectRef idx="0">
+            <a:schemeClr val="accent1"/>
+          </a:effectRef>
+          <a:fontRef idx="minor">
+            <a:schemeClr val="tx1"/>
+          </a:fontRef>
+        </p:style>
+      </p:cxnSp>
+      <p:cxnSp>
+        <p:nvCxnSpPr>
+          <p:cNvPr id="31" name="直接连接符 30">
+            <a:extLst>
+              <a:ext uri="{FF2B5EF4-FFF2-40B4-BE49-F238E27FC236}">
+                <a16:creationId xmlns:a16="http://schemas.microsoft.com/office/drawing/2014/main" id="{F7688C4B-DEEF-416C-879A-2E8068BE1975}"/>
+              </a:ext>
+            </a:extLst>
+          </p:cNvPr>
+          <p:cNvCxnSpPr>
+            <a:cxnSpLocks/>
+          </p:cNvCxnSpPr>
+          <p:nvPr/>
+        </p:nvCxnSpPr>
+        <p:spPr>
+          <a:xfrm flipV="1">
+            <a:off x="3651616" y="4184396"/>
+            <a:ext cx="487478" cy="487478"/>
+          </a:xfrm>
+          <a:prstGeom prst="line">
+            <a:avLst/>
+          </a:prstGeom>
+          <a:ln w="57150">
+            <a:solidFill>
+              <a:srgbClr val="0070C0"/>
+            </a:solidFill>
+          </a:ln>
+        </p:spPr>
+        <p:style>
+          <a:lnRef idx="1">
+            <a:schemeClr val="accent1"/>
+          </a:lnRef>
+          <a:fillRef idx="0">
+            <a:schemeClr val="accent1"/>
+          </a:fillRef>
+          <a:effectRef idx="0">
+            <a:schemeClr val="accent1"/>
+          </a:effectRef>
+          <a:fontRef idx="minor">
+            <a:schemeClr val="tx1"/>
+          </a:fontRef>
+        </p:style>
+      </p:cxnSp>
+      <p:cxnSp>
+        <p:nvCxnSpPr>
+          <p:cNvPr id="32" name="直接连接符 31">
+            <a:extLst>
+              <a:ext uri="{FF2B5EF4-FFF2-40B4-BE49-F238E27FC236}">
+                <a16:creationId xmlns:a16="http://schemas.microsoft.com/office/drawing/2014/main" id="{7E85ED4D-5F3A-4F7B-81AD-960BB716F2A5}"/>
+              </a:ext>
+            </a:extLst>
+          </p:cNvPr>
+          <p:cNvCxnSpPr>
+            <a:cxnSpLocks/>
+          </p:cNvCxnSpPr>
+          <p:nvPr/>
+        </p:nvCxnSpPr>
+        <p:spPr>
+          <a:xfrm flipH="1" flipV="1">
+            <a:off x="3646041" y="3661834"/>
+            <a:ext cx="11041" cy="1225435"/>
+          </a:xfrm>
+          <a:prstGeom prst="line">
+            <a:avLst/>
+          </a:prstGeom>
+          <a:ln w="19050">
+            <a:prstDash val="sysDot"/>
+          </a:ln>
+        </p:spPr>
+        <p:style>
+          <a:lnRef idx="1">
+            <a:schemeClr val="dk1"/>
+          </a:lnRef>
+          <a:fillRef idx="0">
+            <a:schemeClr val="dk1"/>
+          </a:fillRef>
+          <a:effectRef idx="0">
+            <a:schemeClr val="dk1"/>
+          </a:effectRef>
+          <a:fontRef idx="minor">
+            <a:schemeClr val="tx1"/>
+          </a:fontRef>
+        </p:style>
+      </p:cxnSp>
+      <p:sp>
+        <p:nvSpPr>
+          <p:cNvPr id="33" name="文本框 32">
+            <a:extLst>
+              <a:ext uri="{FF2B5EF4-FFF2-40B4-BE49-F238E27FC236}">
+                <a16:creationId xmlns:a16="http://schemas.microsoft.com/office/drawing/2014/main" id="{2FD99E7B-4DEA-4CF2-8C10-32ABCA30823E}"/>
+              </a:ext>
+            </a:extLst>
+          </p:cNvPr>
+          <p:cNvSpPr txBox="1"/>
+          <p:nvPr/>
+        </p:nvSpPr>
+        <p:spPr>
+          <a:xfrm>
+            <a:off x="3646041" y="3567983"/>
+            <a:ext cx="1149726" cy="307777"/>
+          </a:xfrm>
+          <a:prstGeom prst="rect">
+            <a:avLst/>
+          </a:prstGeom>
+          <a:noFill/>
+        </p:spPr>
+        <p:txBody>
+          <a:bodyPr wrap="square" rtlCol="0">
+            <a:spAutoFit/>
+          </a:bodyPr>
+          <a:lstStyle/>
+          <a:p>
+            <a:r>
+              <a:rPr lang="zh-CN" altLang="en-US" sz="1400" i="1" dirty="0">
+                <a:latin typeface="Times New Roman" panose="02020603050405020304" pitchFamily="18" charset="0"/>
+                <a:ea typeface="华文中宋" panose="02010600040101010101" pitchFamily="2" charset="-122"/>
+                <a:cs typeface="Times New Roman" panose="02020603050405020304" pitchFamily="18" charset="0"/>
+              </a:rPr>
+              <a:t>频率卷绕</a:t>
+            </a:r>
+          </a:p>
+        </p:txBody>
+      </p:sp>
+      <p:cxnSp>
+        <p:nvCxnSpPr>
+          <p:cNvPr id="34" name="直接连接符 33">
+            <a:extLst>
+              <a:ext uri="{FF2B5EF4-FFF2-40B4-BE49-F238E27FC236}">
+                <a16:creationId xmlns:a16="http://schemas.microsoft.com/office/drawing/2014/main" id="{6BDB10A0-45B6-4828-BCA0-C4068F0E9FF7}"/>
+              </a:ext>
+            </a:extLst>
+          </p:cNvPr>
+          <p:cNvCxnSpPr>
+            <a:cxnSpLocks/>
+          </p:cNvCxnSpPr>
+          <p:nvPr/>
+        </p:nvCxnSpPr>
+        <p:spPr>
+          <a:xfrm flipH="1">
+            <a:off x="3428405" y="2272422"/>
+            <a:ext cx="706217" cy="0"/>
+          </a:xfrm>
+          <a:prstGeom prst="line">
+            <a:avLst/>
+          </a:prstGeom>
+          <a:ln w="19050">
+            <a:prstDash val="lgDash"/>
+          </a:ln>
+        </p:spPr>
+        <p:style>
+          <a:lnRef idx="1">
+            <a:schemeClr val="dk1"/>
+          </a:lnRef>
+          <a:fillRef idx="0">
+            <a:schemeClr val="dk1"/>
+          </a:fillRef>
+          <a:effectRef idx="0">
+            <a:schemeClr val="dk1"/>
+          </a:effectRef>
+          <a:fontRef idx="minor">
+            <a:schemeClr val="tx1"/>
+          </a:fontRef>
+        </p:style>
+      </p:cxnSp>
+      <p:cxnSp>
+        <p:nvCxnSpPr>
+          <p:cNvPr id="35" name="直接连接符 34">
+            <a:extLst>
+              <a:ext uri="{FF2B5EF4-FFF2-40B4-BE49-F238E27FC236}">
+                <a16:creationId xmlns:a16="http://schemas.microsoft.com/office/drawing/2014/main" id="{657A1B78-16E1-45F3-8F43-5FD059C25176}"/>
+              </a:ext>
+            </a:extLst>
+          </p:cNvPr>
+          <p:cNvCxnSpPr>
+            <a:cxnSpLocks/>
+          </p:cNvCxnSpPr>
+          <p:nvPr/>
+        </p:nvCxnSpPr>
+        <p:spPr>
+          <a:xfrm flipH="1">
+            <a:off x="3428405" y="2992422"/>
+            <a:ext cx="724124" cy="0"/>
+          </a:xfrm>
+          <a:prstGeom prst="line">
+            <a:avLst/>
+          </a:prstGeom>
+          <a:ln w="19050">
+            <a:prstDash val="lgDash"/>
+          </a:ln>
+        </p:spPr>
+        <p:style>
+          <a:lnRef idx="1">
+            <a:schemeClr val="dk1"/>
+          </a:lnRef>
+          <a:fillRef idx="0">
+            <a:schemeClr val="dk1"/>
+          </a:fillRef>
+          <a:effectRef idx="0">
+            <a:schemeClr val="dk1"/>
+          </a:effectRef>
+          <a:fontRef idx="minor">
+            <a:schemeClr val="tx1"/>
+          </a:fontRef>
+        </p:style>
+      </p:cxnSp>
+      <p:cxnSp>
+        <p:nvCxnSpPr>
+          <p:cNvPr id="36" name="直接连接符 35">
+            <a:extLst>
+              <a:ext uri="{FF2B5EF4-FFF2-40B4-BE49-F238E27FC236}">
+                <a16:creationId xmlns:a16="http://schemas.microsoft.com/office/drawing/2014/main" id="{510B8361-BC90-44FC-B7AA-6619081DD432}"/>
+              </a:ext>
+            </a:extLst>
+          </p:cNvPr>
+          <p:cNvCxnSpPr>
+            <a:cxnSpLocks/>
+          </p:cNvCxnSpPr>
+          <p:nvPr/>
+        </p:nvCxnSpPr>
+        <p:spPr>
+          <a:xfrm flipH="1">
+            <a:off x="3428405" y="3934831"/>
+            <a:ext cx="724124" cy="0"/>
+          </a:xfrm>
+          <a:prstGeom prst="line">
+            <a:avLst/>
+          </a:prstGeom>
+          <a:ln w="19050">
+            <a:prstDash val="lgDash"/>
+          </a:ln>
+        </p:spPr>
+        <p:style>
+          <a:lnRef idx="1">
+            <a:schemeClr val="dk1"/>
+          </a:lnRef>
+          <a:fillRef idx="0">
+            <a:schemeClr val="dk1"/>
+          </a:fillRef>
+          <a:effectRef idx="0">
+            <a:schemeClr val="dk1"/>
+          </a:effectRef>
+          <a:fontRef idx="minor">
+            <a:schemeClr val="tx1"/>
+          </a:fontRef>
+        </p:style>
+      </p:cxnSp>
+      <p:cxnSp>
+        <p:nvCxnSpPr>
+          <p:cNvPr id="37" name="直接连接符 36">
+            <a:extLst>
+              <a:ext uri="{FF2B5EF4-FFF2-40B4-BE49-F238E27FC236}">
+                <a16:creationId xmlns:a16="http://schemas.microsoft.com/office/drawing/2014/main" id="{9CB0A605-2AF0-4943-87F2-362840C66D45}"/>
+              </a:ext>
+            </a:extLst>
+          </p:cNvPr>
+          <p:cNvCxnSpPr>
+            <a:cxnSpLocks/>
+          </p:cNvCxnSpPr>
+          <p:nvPr/>
+        </p:nvCxnSpPr>
+        <p:spPr>
+          <a:xfrm flipH="1">
+            <a:off x="3424705" y="4671874"/>
+            <a:ext cx="709917" cy="0"/>
+          </a:xfrm>
+          <a:prstGeom prst="line">
+            <a:avLst/>
+          </a:prstGeom>
+          <a:ln w="19050">
+            <a:prstDash val="lgDash"/>
+          </a:ln>
+        </p:spPr>
+        <p:style>
+          <a:lnRef idx="1">
+            <a:schemeClr val="dk1"/>
+          </a:lnRef>
+          <a:fillRef idx="0">
+            <a:schemeClr val="dk1"/>
+          </a:fillRef>
+          <a:effectRef idx="0">
+            <a:schemeClr val="dk1"/>
+          </a:effectRef>
+          <a:fontRef idx="minor">
+            <a:schemeClr val="tx1"/>
+          </a:fontRef>
+        </p:style>
+      </p:cxnSp>
+      <p:cxnSp>
+        <p:nvCxnSpPr>
+          <p:cNvPr id="38" name="直接连接符 37">
+            <a:extLst>
+              <a:ext uri="{FF2B5EF4-FFF2-40B4-BE49-F238E27FC236}">
+                <a16:creationId xmlns:a16="http://schemas.microsoft.com/office/drawing/2014/main" id="{5B89FA50-F4E2-41F2-B960-1BF68A0FE5B8}"/>
+              </a:ext>
+            </a:extLst>
+          </p:cNvPr>
+          <p:cNvCxnSpPr>
+            <a:cxnSpLocks/>
+          </p:cNvCxnSpPr>
+          <p:nvPr/>
+        </p:nvCxnSpPr>
+        <p:spPr>
+          <a:xfrm flipV="1">
+            <a:off x="4134622" y="3944044"/>
+            <a:ext cx="0" cy="727830"/>
+          </a:xfrm>
+          <a:prstGeom prst="line">
+            <a:avLst/>
+          </a:prstGeom>
+          <a:ln w="19050">
+            <a:prstDash val="lgDash"/>
+          </a:ln>
+        </p:spPr>
+        <p:style>
+          <a:lnRef idx="1">
+            <a:schemeClr val="dk1"/>
+          </a:lnRef>
+          <a:fillRef idx="0">
+            <a:schemeClr val="dk1"/>
+          </a:fillRef>
+          <a:effectRef idx="0">
+            <a:schemeClr val="dk1"/>
+          </a:effectRef>
+          <a:fontRef idx="minor">
+            <a:schemeClr val="tx1"/>
+          </a:fontRef>
+        </p:style>
+      </p:cxnSp>
+      <p:cxnSp>
+        <p:nvCxnSpPr>
+          <p:cNvPr id="39" name="直接连接符 38">
+            <a:extLst>
+              <a:ext uri="{FF2B5EF4-FFF2-40B4-BE49-F238E27FC236}">
+                <a16:creationId xmlns:a16="http://schemas.microsoft.com/office/drawing/2014/main" id="{C791CAB2-C2FF-4E89-9D04-C80BC0C53835}"/>
+              </a:ext>
+            </a:extLst>
+          </p:cNvPr>
+          <p:cNvCxnSpPr>
+            <a:cxnSpLocks/>
+          </p:cNvCxnSpPr>
+          <p:nvPr/>
+        </p:nvCxnSpPr>
+        <p:spPr>
+          <a:xfrm flipV="1">
+            <a:off x="5838098" y="3944044"/>
+            <a:ext cx="0" cy="727830"/>
+          </a:xfrm>
+          <a:prstGeom prst="line">
+            <a:avLst/>
+          </a:prstGeom>
+          <a:ln w="19050">
+            <a:prstDash val="lgDash"/>
+          </a:ln>
+        </p:spPr>
+        <p:style>
+          <a:lnRef idx="1">
+            <a:schemeClr val="dk1"/>
+          </a:lnRef>
+          <a:fillRef idx="0">
+            <a:schemeClr val="dk1"/>
+          </a:fillRef>
+          <a:effectRef idx="0">
+            <a:schemeClr val="dk1"/>
+          </a:effectRef>
+          <a:fontRef idx="minor">
+            <a:schemeClr val="tx1"/>
+          </a:fontRef>
+        </p:style>
+      </p:cxnSp>
+      <p:cxnSp>
+        <p:nvCxnSpPr>
+          <p:cNvPr id="40" name="直接连接符 39">
+            <a:extLst>
+              <a:ext uri="{FF2B5EF4-FFF2-40B4-BE49-F238E27FC236}">
+                <a16:creationId xmlns:a16="http://schemas.microsoft.com/office/drawing/2014/main" id="{120D6D91-91AA-451D-A980-EF95BD81AFDE}"/>
+              </a:ext>
+            </a:extLst>
+          </p:cNvPr>
+          <p:cNvCxnSpPr>
+            <a:cxnSpLocks/>
+          </p:cNvCxnSpPr>
+          <p:nvPr/>
+        </p:nvCxnSpPr>
+        <p:spPr>
+          <a:xfrm flipV="1">
+            <a:off x="5838098" y="2272422"/>
+            <a:ext cx="0" cy="727830"/>
+          </a:xfrm>
+          <a:prstGeom prst="line">
+            <a:avLst/>
+          </a:prstGeom>
+          <a:ln w="19050">
+            <a:prstDash val="lgDash"/>
+          </a:ln>
+        </p:spPr>
+        <p:style>
+          <a:lnRef idx="1">
+            <a:schemeClr val="dk1"/>
+          </a:lnRef>
+          <a:fillRef idx="0">
+            <a:schemeClr val="dk1"/>
+          </a:fillRef>
+          <a:effectRef idx="0">
+            <a:schemeClr val="dk1"/>
+          </a:effectRef>
+          <a:fontRef idx="minor">
+            <a:schemeClr val="tx1"/>
+          </a:fontRef>
+        </p:style>
+      </p:cxnSp>
+      <p:cxnSp>
+        <p:nvCxnSpPr>
+          <p:cNvPr id="41" name="直接连接符 40">
+            <a:extLst>
+              <a:ext uri="{FF2B5EF4-FFF2-40B4-BE49-F238E27FC236}">
+                <a16:creationId xmlns:a16="http://schemas.microsoft.com/office/drawing/2014/main" id="{B64E59A6-CB6D-4F78-A47F-0C7A1A7D041F}"/>
+              </a:ext>
+            </a:extLst>
+          </p:cNvPr>
+          <p:cNvCxnSpPr>
+            <a:cxnSpLocks/>
+          </p:cNvCxnSpPr>
+          <p:nvPr/>
+        </p:nvCxnSpPr>
+        <p:spPr>
+          <a:xfrm flipV="1">
+            <a:off x="4134622" y="2272422"/>
+            <a:ext cx="0" cy="727830"/>
+          </a:xfrm>
+          <a:prstGeom prst="line">
+            <a:avLst/>
+          </a:prstGeom>
+          <a:ln w="19050">
+            <a:prstDash val="lgDash"/>
+          </a:ln>
+        </p:spPr>
+        <p:style>
+          <a:lnRef idx="1">
+            <a:schemeClr val="dk1"/>
+          </a:lnRef>
+          <a:fillRef idx="0">
+            <a:schemeClr val="dk1"/>
+          </a:fillRef>
+          <a:effectRef idx="0">
+            <a:schemeClr val="dk1"/>
+          </a:effectRef>
+          <a:fontRef idx="minor">
+            <a:schemeClr val="tx1"/>
+          </a:fontRef>
+        </p:style>
+      </p:cxnSp>
+      <mc:AlternateContent xmlns:mc="http://schemas.openxmlformats.org/markup-compatibility/2006">
+        <mc:Choice xmlns:a14="http://schemas.microsoft.com/office/drawing/2010/main" Requires="a14">
+          <p:sp>
+            <p:nvSpPr>
+              <p:cNvPr id="42" name="文本框 41">
+                <a:extLst>
+                  <a:ext uri="{FF2B5EF4-FFF2-40B4-BE49-F238E27FC236}">
+                    <a16:creationId xmlns:a16="http://schemas.microsoft.com/office/drawing/2014/main" id="{97BD4995-D1EB-490F-979E-76A3E2085C43}"/>
+                  </a:ext>
+                </a:extLst>
+              </p:cNvPr>
+              <p:cNvSpPr txBox="1"/>
+              <p:nvPr/>
+            </p:nvSpPr>
+            <p:spPr>
+              <a:xfrm>
+                <a:off x="2877797" y="4424755"/>
+                <a:ext cx="582702" cy="436851"/>
+              </a:xfrm>
+              <a:prstGeom prst="rect">
+                <a:avLst/>
+              </a:prstGeom>
+              <a:noFill/>
+            </p:spPr>
+            <p:txBody>
+              <a:bodyPr wrap="square" rtlCol="0">
+                <a:spAutoFit/>
+              </a:bodyPr>
+              <a:lstStyle/>
+              <a:p>
+                <a:pPr algn="r"/>
+                <a14:m>
+                  <m:oMathPara xmlns:m="http://schemas.openxmlformats.org/officeDocument/2006/math">
+                    <m:oMathParaPr>
+                      <m:jc m:val="centerGroup"/>
+                    </m:oMathParaPr>
+                    <m:oMath xmlns:m="http://schemas.openxmlformats.org/officeDocument/2006/math">
+                      <m:r>
+                        <a:rPr lang="en-US" altLang="zh-CN" sz="1200" b="0" i="1" smtClean="0">
+                          <a:latin typeface="Cambria Math" panose="02040503050406030204" pitchFamily="18" charset="0"/>
+                        </a:rPr>
+                        <m:t>−</m:t>
+                      </m:r>
+                      <m:f>
+                        <m:fPr>
+                          <m:ctrlPr>
+                            <a:rPr lang="en-US" altLang="zh-CN" sz="1200" i="1" smtClean="0">
+                              <a:latin typeface="Cambria Math" panose="02040503050406030204" pitchFamily="18" charset="0"/>
+                            </a:rPr>
+                          </m:ctrlPr>
+                        </m:fPr>
+                        <m:num>
+                          <m:r>
+                            <a:rPr lang="en-US" altLang="zh-CN" sz="1200" b="0" i="1" smtClean="0">
+                              <a:latin typeface="Cambria Math" panose="02040503050406030204" pitchFamily="18" charset="0"/>
+                            </a:rPr>
+                            <m:t>𝐵𝑊</m:t>
+                          </m:r>
+                        </m:num>
+                        <m:den>
+                          <m:r>
+                            <a:rPr lang="en-US" altLang="zh-CN" sz="1200" b="0" i="1" smtClean="0">
+                              <a:latin typeface="Cambria Math" panose="02040503050406030204" pitchFamily="18" charset="0"/>
+                            </a:rPr>
+                            <m:t>2</m:t>
+                          </m:r>
+                        </m:den>
+                      </m:f>
+                    </m:oMath>
+                  </m:oMathPara>
+                </a14:m>
+                <a:endParaRPr lang="zh-CN" altLang="en-US" sz="1200" dirty="0"/>
+              </a:p>
+            </p:txBody>
+          </p:sp>
+        </mc:Choice>
+        <mc:Fallback>
+          <p:sp>
+            <p:nvSpPr>
+              <p:cNvPr id="42" name="文本框 41">
+                <a:extLst>
+                  <a:ext uri="{FF2B5EF4-FFF2-40B4-BE49-F238E27FC236}">
+                    <a16:creationId xmlns:a16="http://schemas.microsoft.com/office/drawing/2014/main" id="{97BD4995-D1EB-490F-979E-76A3E2085C43}"/>
+                  </a:ext>
+                </a:extLst>
+              </p:cNvPr>
+              <p:cNvSpPr txBox="1">
+                <a:spLocks noRot="1" noChangeAspect="1" noMove="1" noResize="1" noEditPoints="1" noAdjustHandles="1" noChangeArrowheads="1" noChangeShapeType="1" noTextEdit="1"/>
+              </p:cNvSpPr>
+              <p:nvPr/>
+            </p:nvSpPr>
+            <p:spPr>
+              <a:xfrm>
+                <a:off x="2877797" y="4424755"/>
+                <a:ext cx="582702" cy="436851"/>
+              </a:xfrm>
+              <a:prstGeom prst="rect">
+                <a:avLst/>
+              </a:prstGeom>
+              <a:blipFill>
+                <a:blip r:embed="rId5"/>
+                <a:stretch>
+                  <a:fillRect/>
+                </a:stretch>
+              </a:blipFill>
+            </p:spPr>
+            <p:txBody>
+              <a:bodyPr/>
+              <a:lstStyle/>
+              <a:p>
+                <a:r>
+                  <a:rPr lang="zh-CN" altLang="en-US">
+                    <a:noFill/>
+                  </a:rPr>
+                  <a:t> </a:t>
+                </a:r>
+              </a:p>
+            </p:txBody>
+          </p:sp>
+        </mc:Fallback>
+      </mc:AlternateContent>
+      <mc:AlternateContent xmlns:mc="http://schemas.openxmlformats.org/markup-compatibility/2006">
+        <mc:Choice xmlns:a14="http://schemas.microsoft.com/office/drawing/2010/main" Requires="a14">
+          <p:sp>
+            <p:nvSpPr>
+              <p:cNvPr id="43" name="文本框 42">
+                <a:extLst>
+                  <a:ext uri="{FF2B5EF4-FFF2-40B4-BE49-F238E27FC236}">
+                    <a16:creationId xmlns:a16="http://schemas.microsoft.com/office/drawing/2014/main" id="{014E7C98-EAA8-48CD-9F67-5A2773A692CB}"/>
+                  </a:ext>
+                </a:extLst>
+              </p:cNvPr>
+              <p:cNvSpPr txBox="1"/>
+              <p:nvPr/>
+            </p:nvSpPr>
+            <p:spPr>
+              <a:xfrm>
+                <a:off x="2877797" y="3705925"/>
+                <a:ext cx="582702" cy="436851"/>
+              </a:xfrm>
+              <a:prstGeom prst="rect">
+                <a:avLst/>
+              </a:prstGeom>
+              <a:noFill/>
+            </p:spPr>
+            <p:txBody>
+              <a:bodyPr wrap="square" rtlCol="0">
+                <a:spAutoFit/>
+              </a:bodyPr>
+              <a:lstStyle/>
+              <a:p>
+                <a:pPr algn="r"/>
+                <a14:m>
+                  <m:oMathPara xmlns:m="http://schemas.openxmlformats.org/officeDocument/2006/math">
+                    <m:oMathParaPr>
+                      <m:jc m:val="centerGroup"/>
+                    </m:oMathParaPr>
+                    <m:oMath xmlns:m="http://schemas.openxmlformats.org/officeDocument/2006/math">
+                      <m:f>
+                        <m:fPr>
+                          <m:ctrlPr>
+                            <a:rPr lang="en-US" altLang="zh-CN" sz="1200" i="1" smtClean="0">
+                              <a:latin typeface="Cambria Math" panose="02040503050406030204" pitchFamily="18" charset="0"/>
+                            </a:rPr>
+                          </m:ctrlPr>
+                        </m:fPr>
+                        <m:num>
+                          <m:r>
+                            <a:rPr lang="en-US" altLang="zh-CN" sz="1200" b="0" i="1" smtClean="0">
+                              <a:latin typeface="Cambria Math" panose="02040503050406030204" pitchFamily="18" charset="0"/>
+                            </a:rPr>
+                            <m:t>𝐵𝑊</m:t>
+                          </m:r>
+                        </m:num>
+                        <m:den>
+                          <m:r>
+                            <a:rPr lang="en-US" altLang="zh-CN" sz="1200" b="0" i="1" smtClean="0">
+                              <a:latin typeface="Cambria Math" panose="02040503050406030204" pitchFamily="18" charset="0"/>
+                            </a:rPr>
+                            <m:t>2</m:t>
+                          </m:r>
+                        </m:den>
+                      </m:f>
+                    </m:oMath>
+                  </m:oMathPara>
+                </a14:m>
+                <a:endParaRPr lang="zh-CN" altLang="en-US" sz="1200" dirty="0"/>
+              </a:p>
+            </p:txBody>
+          </p:sp>
+        </mc:Choice>
+        <mc:Fallback>
+          <p:sp>
+            <p:nvSpPr>
+              <p:cNvPr id="43" name="文本框 42">
+                <a:extLst>
+                  <a:ext uri="{FF2B5EF4-FFF2-40B4-BE49-F238E27FC236}">
+                    <a16:creationId xmlns:a16="http://schemas.microsoft.com/office/drawing/2014/main" id="{014E7C98-EAA8-48CD-9F67-5A2773A692CB}"/>
+                  </a:ext>
+                </a:extLst>
+              </p:cNvPr>
+              <p:cNvSpPr txBox="1">
+                <a:spLocks noRot="1" noChangeAspect="1" noMove="1" noResize="1" noEditPoints="1" noAdjustHandles="1" noChangeArrowheads="1" noChangeShapeType="1" noTextEdit="1"/>
+              </p:cNvSpPr>
+              <p:nvPr/>
+            </p:nvSpPr>
+            <p:spPr>
+              <a:xfrm>
+                <a:off x="2877797" y="3705925"/>
+                <a:ext cx="582702" cy="436851"/>
+              </a:xfrm>
+              <a:prstGeom prst="rect">
+                <a:avLst/>
+              </a:prstGeom>
+              <a:blipFill>
+                <a:blip r:embed="rId6"/>
+                <a:stretch>
+                  <a:fillRect/>
+                </a:stretch>
+              </a:blipFill>
+            </p:spPr>
+            <p:txBody>
+              <a:bodyPr/>
+              <a:lstStyle/>
+              <a:p>
+                <a:r>
+                  <a:rPr lang="zh-CN" altLang="en-US">
+                    <a:noFill/>
+                  </a:rPr>
+                  <a:t> </a:t>
+                </a:r>
+              </a:p>
+            </p:txBody>
+          </p:sp>
+        </mc:Fallback>
+      </mc:AlternateContent>
+      <p:cxnSp>
+        <p:nvCxnSpPr>
+          <p:cNvPr id="44" name="直接连接符 43">
+            <a:extLst>
+              <a:ext uri="{FF2B5EF4-FFF2-40B4-BE49-F238E27FC236}">
+                <a16:creationId xmlns:a16="http://schemas.microsoft.com/office/drawing/2014/main" id="{DC322CF1-6E89-44ED-BE27-B7B7455282E0}"/>
+              </a:ext>
+            </a:extLst>
+          </p:cNvPr>
+          <p:cNvCxnSpPr>
+            <a:cxnSpLocks/>
+          </p:cNvCxnSpPr>
+          <p:nvPr/>
+        </p:nvCxnSpPr>
+        <p:spPr>
+          <a:xfrm flipH="1">
+            <a:off x="5118098" y="2272422"/>
+            <a:ext cx="706217" cy="0"/>
+          </a:xfrm>
+          <a:prstGeom prst="line">
+            <a:avLst/>
+          </a:prstGeom>
+          <a:ln w="19050">
+            <a:prstDash val="lgDash"/>
+          </a:ln>
+        </p:spPr>
+        <p:style>
+          <a:lnRef idx="1">
+            <a:schemeClr val="dk1"/>
+          </a:lnRef>
+          <a:fillRef idx="0">
+            <a:schemeClr val="dk1"/>
+          </a:fillRef>
+          <a:effectRef idx="0">
+            <a:schemeClr val="dk1"/>
+          </a:effectRef>
+          <a:fontRef idx="minor">
+            <a:schemeClr val="tx1"/>
+          </a:fontRef>
+        </p:style>
+      </p:cxnSp>
+      <p:cxnSp>
+        <p:nvCxnSpPr>
+          <p:cNvPr id="45" name="直接连接符 44">
+            <a:extLst>
+              <a:ext uri="{FF2B5EF4-FFF2-40B4-BE49-F238E27FC236}">
+                <a16:creationId xmlns:a16="http://schemas.microsoft.com/office/drawing/2014/main" id="{EAB4171B-A94F-4414-AAC8-9E803B215CDB}"/>
+              </a:ext>
+            </a:extLst>
+          </p:cNvPr>
+          <p:cNvCxnSpPr>
+            <a:cxnSpLocks/>
+          </p:cNvCxnSpPr>
+          <p:nvPr/>
+        </p:nvCxnSpPr>
+        <p:spPr>
+          <a:xfrm flipH="1">
+            <a:off x="5118098" y="2992422"/>
+            <a:ext cx="724124" cy="0"/>
+          </a:xfrm>
+          <a:prstGeom prst="line">
+            <a:avLst/>
+          </a:prstGeom>
+          <a:ln w="19050">
+            <a:prstDash val="lgDash"/>
+          </a:ln>
+        </p:spPr>
+        <p:style>
+          <a:lnRef idx="1">
+            <a:schemeClr val="dk1"/>
+          </a:lnRef>
+          <a:fillRef idx="0">
+            <a:schemeClr val="dk1"/>
+          </a:fillRef>
+          <a:effectRef idx="0">
+            <a:schemeClr val="dk1"/>
+          </a:effectRef>
+          <a:fontRef idx="minor">
+            <a:schemeClr val="tx1"/>
+          </a:fontRef>
+        </p:style>
+      </p:cxnSp>
+      <p:cxnSp>
+        <p:nvCxnSpPr>
+          <p:cNvPr id="46" name="直接连接符 45">
+            <a:extLst>
+              <a:ext uri="{FF2B5EF4-FFF2-40B4-BE49-F238E27FC236}">
+                <a16:creationId xmlns:a16="http://schemas.microsoft.com/office/drawing/2014/main" id="{6A90324C-9709-4121-B5E3-573F72D7844A}"/>
+              </a:ext>
+            </a:extLst>
+          </p:cNvPr>
+          <p:cNvCxnSpPr>
+            <a:cxnSpLocks/>
+          </p:cNvCxnSpPr>
+          <p:nvPr/>
+        </p:nvCxnSpPr>
+        <p:spPr>
+          <a:xfrm flipH="1">
+            <a:off x="5118098" y="3934831"/>
+            <a:ext cx="724124" cy="0"/>
+          </a:xfrm>
+          <a:prstGeom prst="line">
+            <a:avLst/>
+          </a:prstGeom>
+          <a:ln w="19050">
+            <a:prstDash val="lgDash"/>
+          </a:ln>
+        </p:spPr>
+        <p:style>
+          <a:lnRef idx="1">
+            <a:schemeClr val="dk1"/>
+          </a:lnRef>
+          <a:fillRef idx="0">
+            <a:schemeClr val="dk1"/>
+          </a:fillRef>
+          <a:effectRef idx="0">
+            <a:schemeClr val="dk1"/>
+          </a:effectRef>
+          <a:fontRef idx="minor">
+            <a:schemeClr val="tx1"/>
+          </a:fontRef>
+        </p:style>
+      </p:cxnSp>
+      <p:cxnSp>
+        <p:nvCxnSpPr>
+          <p:cNvPr id="47" name="直接连接符 46">
+            <a:extLst>
+              <a:ext uri="{FF2B5EF4-FFF2-40B4-BE49-F238E27FC236}">
+                <a16:creationId xmlns:a16="http://schemas.microsoft.com/office/drawing/2014/main" id="{7E202E1C-4512-4BA1-8C91-AD97D0290414}"/>
+              </a:ext>
+            </a:extLst>
+          </p:cNvPr>
+          <p:cNvCxnSpPr>
+            <a:cxnSpLocks/>
+          </p:cNvCxnSpPr>
+          <p:nvPr/>
+        </p:nvCxnSpPr>
+        <p:spPr>
+          <a:xfrm flipH="1">
+            <a:off x="5128181" y="4671874"/>
+            <a:ext cx="709917" cy="0"/>
+          </a:xfrm>
+          <a:prstGeom prst="line">
+            <a:avLst/>
+          </a:prstGeom>
+          <a:ln w="19050">
+            <a:prstDash val="lgDash"/>
+          </a:ln>
+        </p:spPr>
+        <p:style>
+          <a:lnRef idx="1">
+            <a:schemeClr val="dk1"/>
+          </a:lnRef>
+          <a:fillRef idx="0">
+            <a:schemeClr val="dk1"/>
+          </a:fillRef>
+          <a:effectRef idx="0">
+            <a:schemeClr val="dk1"/>
+          </a:effectRef>
+          <a:fontRef idx="minor">
+            <a:schemeClr val="tx1"/>
+          </a:fontRef>
+        </p:style>
+      </p:cxnSp>
+      <mc:AlternateContent xmlns:mc="http://schemas.openxmlformats.org/markup-compatibility/2006">
+        <mc:Choice xmlns:a14="http://schemas.microsoft.com/office/drawing/2010/main" Requires="a14">
+          <p:sp>
+            <p:nvSpPr>
+              <p:cNvPr id="48" name="文本框 47">
+                <a:extLst>
+                  <a:ext uri="{FF2B5EF4-FFF2-40B4-BE49-F238E27FC236}">
+                    <a16:creationId xmlns:a16="http://schemas.microsoft.com/office/drawing/2014/main" id="{89C08691-D475-4950-9418-1DC28BC0E5EB}"/>
+                  </a:ext>
+                </a:extLst>
+              </p:cNvPr>
+              <p:cNvSpPr txBox="1"/>
+              <p:nvPr/>
+            </p:nvSpPr>
+            <p:spPr>
+              <a:xfrm>
+                <a:off x="4593110" y="2750469"/>
+                <a:ext cx="582702" cy="436851"/>
+              </a:xfrm>
+              <a:prstGeom prst="rect">
+                <a:avLst/>
+              </a:prstGeom>
+              <a:noFill/>
+            </p:spPr>
+            <p:txBody>
+              <a:bodyPr wrap="square" rtlCol="0">
+                <a:spAutoFit/>
+              </a:bodyPr>
+              <a:lstStyle/>
+              <a:p>
+                <a:pPr/>
+                <a14:m>
+                  <m:oMathPara xmlns:m="http://schemas.openxmlformats.org/officeDocument/2006/math">
+                    <m:oMathParaPr>
+                      <m:jc m:val="centerGroup"/>
+                    </m:oMathParaPr>
+                    <m:oMath xmlns:m="http://schemas.openxmlformats.org/officeDocument/2006/math">
+                      <m:r>
+                        <a:rPr lang="en-US" altLang="zh-CN" sz="1200" b="0" i="1" smtClean="0">
+                          <a:latin typeface="Cambria Math" panose="02040503050406030204" pitchFamily="18" charset="0"/>
+                        </a:rPr>
+                        <m:t>−</m:t>
+                      </m:r>
+                      <m:f>
+                        <m:fPr>
+                          <m:ctrlPr>
+                            <a:rPr lang="en-US" altLang="zh-CN" sz="1200" i="1" smtClean="0">
+                              <a:latin typeface="Cambria Math" panose="02040503050406030204" pitchFamily="18" charset="0"/>
+                            </a:rPr>
+                          </m:ctrlPr>
+                        </m:fPr>
+                        <m:num>
+                          <m:r>
+                            <a:rPr lang="en-US" altLang="zh-CN" sz="1200" b="0" i="1" smtClean="0">
+                              <a:latin typeface="Cambria Math" panose="02040503050406030204" pitchFamily="18" charset="0"/>
+                            </a:rPr>
+                            <m:t>𝐵𝑊</m:t>
+                          </m:r>
+                        </m:num>
+                        <m:den>
+                          <m:r>
+                            <a:rPr lang="en-US" altLang="zh-CN" sz="1200" b="0" i="1" smtClean="0">
+                              <a:latin typeface="Cambria Math" panose="02040503050406030204" pitchFamily="18" charset="0"/>
+                            </a:rPr>
+                            <m:t>2</m:t>
+                          </m:r>
+                        </m:den>
+                      </m:f>
+                    </m:oMath>
+                  </m:oMathPara>
+                </a14:m>
+                <a:endParaRPr lang="zh-CN" altLang="en-US" sz="1200" dirty="0"/>
+              </a:p>
+            </p:txBody>
+          </p:sp>
+        </mc:Choice>
+        <mc:Fallback>
+          <p:sp>
+            <p:nvSpPr>
+              <p:cNvPr id="48" name="文本框 47">
+                <a:extLst>
+                  <a:ext uri="{FF2B5EF4-FFF2-40B4-BE49-F238E27FC236}">
+                    <a16:creationId xmlns:a16="http://schemas.microsoft.com/office/drawing/2014/main" id="{89C08691-D475-4950-9418-1DC28BC0E5EB}"/>
+                  </a:ext>
+                </a:extLst>
+              </p:cNvPr>
+              <p:cNvSpPr txBox="1">
+                <a:spLocks noRot="1" noChangeAspect="1" noMove="1" noResize="1" noEditPoints="1" noAdjustHandles="1" noChangeArrowheads="1" noChangeShapeType="1" noTextEdit="1"/>
+              </p:cNvSpPr>
+              <p:nvPr/>
+            </p:nvSpPr>
+            <p:spPr>
+              <a:xfrm>
+                <a:off x="4593110" y="2750469"/>
+                <a:ext cx="582702" cy="436851"/>
+              </a:xfrm>
+              <a:prstGeom prst="rect">
+                <a:avLst/>
+              </a:prstGeom>
+              <a:blipFill>
+                <a:blip r:embed="rId2"/>
+                <a:stretch>
+                  <a:fillRect b="-1389"/>
+                </a:stretch>
+              </a:blipFill>
+            </p:spPr>
+            <p:txBody>
+              <a:bodyPr/>
+              <a:lstStyle/>
+              <a:p>
+                <a:r>
+                  <a:rPr lang="zh-CN" altLang="en-US">
+                    <a:noFill/>
+                  </a:rPr>
+                  <a:t> </a:t>
+                </a:r>
+              </a:p>
+            </p:txBody>
+          </p:sp>
+        </mc:Fallback>
+      </mc:AlternateContent>
+      <mc:AlternateContent xmlns:mc="http://schemas.openxmlformats.org/markup-compatibility/2006">
+        <mc:Choice xmlns:a14="http://schemas.microsoft.com/office/drawing/2010/main" Requires="a14">
+          <p:sp>
+            <p:nvSpPr>
+              <p:cNvPr id="49" name="文本框 48">
+                <a:extLst>
+                  <a:ext uri="{FF2B5EF4-FFF2-40B4-BE49-F238E27FC236}">
+                    <a16:creationId xmlns:a16="http://schemas.microsoft.com/office/drawing/2014/main" id="{4A8B9268-A8AF-44B4-AA81-2542D09B88D8}"/>
+                  </a:ext>
+                </a:extLst>
+              </p:cNvPr>
+              <p:cNvSpPr txBox="1"/>
+              <p:nvPr/>
+            </p:nvSpPr>
+            <p:spPr>
+              <a:xfrm>
+                <a:off x="4593110" y="2031639"/>
+                <a:ext cx="582702" cy="436851"/>
+              </a:xfrm>
+              <a:prstGeom prst="rect">
+                <a:avLst/>
+              </a:prstGeom>
+              <a:noFill/>
+            </p:spPr>
+            <p:txBody>
+              <a:bodyPr wrap="square" rtlCol="0">
+                <a:spAutoFit/>
+              </a:bodyPr>
+              <a:lstStyle/>
+              <a:p>
+                <a:pPr/>
+                <a14:m>
+                  <m:oMathPara xmlns:m="http://schemas.openxmlformats.org/officeDocument/2006/math">
+                    <m:oMathParaPr>
+                      <m:jc m:val="centerGroup"/>
+                    </m:oMathParaPr>
+                    <m:oMath xmlns:m="http://schemas.openxmlformats.org/officeDocument/2006/math">
+                      <m:f>
+                        <m:fPr>
+                          <m:ctrlPr>
+                            <a:rPr lang="en-US" altLang="zh-CN" sz="1200" i="1" smtClean="0">
+                              <a:latin typeface="Cambria Math" panose="02040503050406030204" pitchFamily="18" charset="0"/>
+                            </a:rPr>
+                          </m:ctrlPr>
+                        </m:fPr>
+                        <m:num>
+                          <m:r>
+                            <a:rPr lang="en-US" altLang="zh-CN" sz="1200" b="0" i="1" smtClean="0">
+                              <a:latin typeface="Cambria Math" panose="02040503050406030204" pitchFamily="18" charset="0"/>
+                            </a:rPr>
+                            <m:t>𝐵𝑊</m:t>
+                          </m:r>
+                        </m:num>
+                        <m:den>
+                          <m:r>
+                            <a:rPr lang="en-US" altLang="zh-CN" sz="1200" b="0" i="1" smtClean="0">
+                              <a:latin typeface="Cambria Math" panose="02040503050406030204" pitchFamily="18" charset="0"/>
+                            </a:rPr>
+                            <m:t>2</m:t>
+                          </m:r>
+                        </m:den>
+                      </m:f>
+                    </m:oMath>
+                  </m:oMathPara>
+                </a14:m>
+                <a:endParaRPr lang="zh-CN" altLang="en-US" sz="1200" dirty="0"/>
+              </a:p>
+            </p:txBody>
+          </p:sp>
+        </mc:Choice>
+        <mc:Fallback>
+          <p:sp>
+            <p:nvSpPr>
+              <p:cNvPr id="49" name="文本框 48">
+                <a:extLst>
+                  <a:ext uri="{FF2B5EF4-FFF2-40B4-BE49-F238E27FC236}">
+                    <a16:creationId xmlns:a16="http://schemas.microsoft.com/office/drawing/2014/main" id="{4A8B9268-A8AF-44B4-AA81-2542D09B88D8}"/>
+                  </a:ext>
+                </a:extLst>
+              </p:cNvPr>
+              <p:cNvSpPr txBox="1">
+                <a:spLocks noRot="1" noChangeAspect="1" noMove="1" noResize="1" noEditPoints="1" noAdjustHandles="1" noChangeArrowheads="1" noChangeShapeType="1" noTextEdit="1"/>
+              </p:cNvSpPr>
+              <p:nvPr/>
+            </p:nvSpPr>
+            <p:spPr>
+              <a:xfrm>
+                <a:off x="4593110" y="2031639"/>
+                <a:ext cx="582702" cy="436851"/>
+              </a:xfrm>
+              <a:prstGeom prst="rect">
+                <a:avLst/>
+              </a:prstGeom>
+              <a:blipFill>
+                <a:blip r:embed="rId3"/>
+                <a:stretch>
+                  <a:fillRect b="-1389"/>
+                </a:stretch>
+              </a:blipFill>
+            </p:spPr>
+            <p:txBody>
+              <a:bodyPr/>
+              <a:lstStyle/>
+              <a:p>
+                <a:r>
+                  <a:rPr lang="zh-CN" altLang="en-US">
+                    <a:noFill/>
+                  </a:rPr>
+                  <a:t> </a:t>
+                </a:r>
+              </a:p>
+            </p:txBody>
+          </p:sp>
+        </mc:Fallback>
+      </mc:AlternateContent>
+      <mc:AlternateContent xmlns:mc="http://schemas.openxmlformats.org/markup-compatibility/2006">
+        <mc:Choice xmlns:a14="http://schemas.microsoft.com/office/drawing/2010/main" Requires="a14">
+          <p:sp>
+            <p:nvSpPr>
+              <p:cNvPr id="50" name="文本框 49">
+                <a:extLst>
+                  <a:ext uri="{FF2B5EF4-FFF2-40B4-BE49-F238E27FC236}">
+                    <a16:creationId xmlns:a16="http://schemas.microsoft.com/office/drawing/2014/main" id="{47A5063B-AF1B-4835-B752-12BEADDA2A32}"/>
+                  </a:ext>
+                </a:extLst>
+              </p:cNvPr>
+              <p:cNvSpPr txBox="1"/>
+              <p:nvPr/>
+            </p:nvSpPr>
+            <p:spPr>
+              <a:xfrm>
+                <a:off x="4593110" y="4424755"/>
+                <a:ext cx="582702" cy="436851"/>
+              </a:xfrm>
+              <a:prstGeom prst="rect">
+                <a:avLst/>
+              </a:prstGeom>
+              <a:noFill/>
+            </p:spPr>
+            <p:txBody>
+              <a:bodyPr wrap="square" rtlCol="0">
+                <a:spAutoFit/>
+              </a:bodyPr>
+              <a:lstStyle/>
+              <a:p>
+                <a:pPr/>
+                <a14:m>
+                  <m:oMathPara xmlns:m="http://schemas.openxmlformats.org/officeDocument/2006/math">
+                    <m:oMathParaPr>
+                      <m:jc m:val="centerGroup"/>
+                    </m:oMathParaPr>
+                    <m:oMath xmlns:m="http://schemas.openxmlformats.org/officeDocument/2006/math">
+                      <m:r>
+                        <a:rPr lang="en-US" altLang="zh-CN" sz="1200" b="0" i="1" smtClean="0">
+                          <a:latin typeface="Cambria Math" panose="02040503050406030204" pitchFamily="18" charset="0"/>
+                        </a:rPr>
+                        <m:t>−</m:t>
+                      </m:r>
+                      <m:f>
+                        <m:fPr>
+                          <m:ctrlPr>
+                            <a:rPr lang="en-US" altLang="zh-CN" sz="1200" i="1" smtClean="0">
+                              <a:latin typeface="Cambria Math" panose="02040503050406030204" pitchFamily="18" charset="0"/>
+                            </a:rPr>
+                          </m:ctrlPr>
+                        </m:fPr>
+                        <m:num>
+                          <m:r>
+                            <a:rPr lang="en-US" altLang="zh-CN" sz="1200" b="0" i="1" smtClean="0">
+                              <a:latin typeface="Cambria Math" panose="02040503050406030204" pitchFamily="18" charset="0"/>
+                            </a:rPr>
+                            <m:t>𝐵𝑊</m:t>
+                          </m:r>
+                        </m:num>
+                        <m:den>
+                          <m:r>
+                            <a:rPr lang="en-US" altLang="zh-CN" sz="1200" b="0" i="1" smtClean="0">
+                              <a:latin typeface="Cambria Math" panose="02040503050406030204" pitchFamily="18" charset="0"/>
+                            </a:rPr>
+                            <m:t>2</m:t>
+                          </m:r>
+                        </m:den>
+                      </m:f>
+                    </m:oMath>
+                  </m:oMathPara>
+                </a14:m>
+                <a:endParaRPr lang="zh-CN" altLang="en-US" sz="1200" dirty="0"/>
+              </a:p>
+            </p:txBody>
+          </p:sp>
+        </mc:Choice>
+        <mc:Fallback>
+          <p:sp>
+            <p:nvSpPr>
+              <p:cNvPr id="50" name="文本框 49">
+                <a:extLst>
+                  <a:ext uri="{FF2B5EF4-FFF2-40B4-BE49-F238E27FC236}">
+                    <a16:creationId xmlns:a16="http://schemas.microsoft.com/office/drawing/2014/main" id="{47A5063B-AF1B-4835-B752-12BEADDA2A32}"/>
+                  </a:ext>
+                </a:extLst>
+              </p:cNvPr>
+              <p:cNvSpPr txBox="1">
+                <a:spLocks noRot="1" noChangeAspect="1" noMove="1" noResize="1" noEditPoints="1" noAdjustHandles="1" noChangeArrowheads="1" noChangeShapeType="1" noTextEdit="1"/>
+              </p:cNvSpPr>
+              <p:nvPr/>
+            </p:nvSpPr>
+            <p:spPr>
+              <a:xfrm>
+                <a:off x="4593110" y="4424755"/>
+                <a:ext cx="582702" cy="436851"/>
+              </a:xfrm>
+              <a:prstGeom prst="rect">
+                <a:avLst/>
+              </a:prstGeom>
+              <a:blipFill>
+                <a:blip r:embed="rId5"/>
+                <a:stretch>
+                  <a:fillRect/>
+                </a:stretch>
+              </a:blipFill>
+            </p:spPr>
+            <p:txBody>
+              <a:bodyPr/>
+              <a:lstStyle/>
+              <a:p>
+                <a:r>
+                  <a:rPr lang="zh-CN" altLang="en-US">
+                    <a:noFill/>
+                  </a:rPr>
+                  <a:t> </a:t>
+                </a:r>
+              </a:p>
+            </p:txBody>
+          </p:sp>
+        </mc:Fallback>
+      </mc:AlternateContent>
+      <mc:AlternateContent xmlns:mc="http://schemas.openxmlformats.org/markup-compatibility/2006">
+        <mc:Choice xmlns:a14="http://schemas.microsoft.com/office/drawing/2010/main" Requires="a14">
+          <p:sp>
+            <p:nvSpPr>
+              <p:cNvPr id="51" name="文本框 50">
+                <a:extLst>
+                  <a:ext uri="{FF2B5EF4-FFF2-40B4-BE49-F238E27FC236}">
+                    <a16:creationId xmlns:a16="http://schemas.microsoft.com/office/drawing/2014/main" id="{1066BA2A-AEF6-4B8B-A13A-818E0D2C6AC4}"/>
+                  </a:ext>
+                </a:extLst>
+              </p:cNvPr>
+              <p:cNvSpPr txBox="1"/>
+              <p:nvPr/>
+            </p:nvSpPr>
+            <p:spPr>
+              <a:xfrm>
+                <a:off x="4593110" y="3705925"/>
+                <a:ext cx="582702" cy="436851"/>
+              </a:xfrm>
+              <a:prstGeom prst="rect">
+                <a:avLst/>
+              </a:prstGeom>
+              <a:noFill/>
+            </p:spPr>
+            <p:txBody>
+              <a:bodyPr wrap="square" rtlCol="0">
+                <a:spAutoFit/>
+              </a:bodyPr>
+              <a:lstStyle/>
+              <a:p>
+                <a:pPr/>
+                <a14:m>
+                  <m:oMathPara xmlns:m="http://schemas.openxmlformats.org/officeDocument/2006/math">
+                    <m:oMathParaPr>
+                      <m:jc m:val="centerGroup"/>
+                    </m:oMathParaPr>
+                    <m:oMath xmlns:m="http://schemas.openxmlformats.org/officeDocument/2006/math">
+                      <m:f>
+                        <m:fPr>
+                          <m:ctrlPr>
+                            <a:rPr lang="en-US" altLang="zh-CN" sz="1200" i="1" smtClean="0">
+                              <a:latin typeface="Cambria Math" panose="02040503050406030204" pitchFamily="18" charset="0"/>
+                            </a:rPr>
+                          </m:ctrlPr>
+                        </m:fPr>
+                        <m:num>
+                          <m:r>
+                            <a:rPr lang="en-US" altLang="zh-CN" sz="1200" b="0" i="1" smtClean="0">
+                              <a:latin typeface="Cambria Math" panose="02040503050406030204" pitchFamily="18" charset="0"/>
+                            </a:rPr>
+                            <m:t>𝐵𝑊</m:t>
+                          </m:r>
+                        </m:num>
+                        <m:den>
+                          <m:r>
+                            <a:rPr lang="en-US" altLang="zh-CN" sz="1200" b="0" i="1" smtClean="0">
+                              <a:latin typeface="Cambria Math" panose="02040503050406030204" pitchFamily="18" charset="0"/>
+                            </a:rPr>
+                            <m:t>2</m:t>
+                          </m:r>
+                        </m:den>
+                      </m:f>
+                    </m:oMath>
+                  </m:oMathPara>
+                </a14:m>
+                <a:endParaRPr lang="zh-CN" altLang="en-US" sz="1200" dirty="0"/>
+              </a:p>
+            </p:txBody>
+          </p:sp>
+        </mc:Choice>
+        <mc:Fallback>
+          <p:sp>
+            <p:nvSpPr>
+              <p:cNvPr id="51" name="文本框 50">
+                <a:extLst>
+                  <a:ext uri="{FF2B5EF4-FFF2-40B4-BE49-F238E27FC236}">
+                    <a16:creationId xmlns:a16="http://schemas.microsoft.com/office/drawing/2014/main" id="{1066BA2A-AEF6-4B8B-A13A-818E0D2C6AC4}"/>
+                  </a:ext>
+                </a:extLst>
+              </p:cNvPr>
+              <p:cNvSpPr txBox="1">
+                <a:spLocks noRot="1" noChangeAspect="1" noMove="1" noResize="1" noEditPoints="1" noAdjustHandles="1" noChangeArrowheads="1" noChangeShapeType="1" noTextEdit="1"/>
+              </p:cNvSpPr>
+              <p:nvPr/>
+            </p:nvSpPr>
+            <p:spPr>
+              <a:xfrm>
+                <a:off x="4593110" y="3705925"/>
+                <a:ext cx="582702" cy="436851"/>
+              </a:xfrm>
+              <a:prstGeom prst="rect">
+                <a:avLst/>
+              </a:prstGeom>
+              <a:blipFill>
+                <a:blip r:embed="rId6"/>
+                <a:stretch>
+                  <a:fillRect/>
+                </a:stretch>
+              </a:blipFill>
+            </p:spPr>
+            <p:txBody>
+              <a:bodyPr/>
+              <a:lstStyle/>
+              <a:p>
+                <a:r>
+                  <a:rPr lang="zh-CN" altLang="en-US">
+                    <a:noFill/>
+                  </a:rPr>
+                  <a:t> </a:t>
+                </a:r>
+              </a:p>
+            </p:txBody>
+          </p:sp>
+        </mc:Fallback>
+      </mc:AlternateContent>
+      <mc:AlternateContent xmlns:mc="http://schemas.openxmlformats.org/markup-compatibility/2006">
+        <mc:Choice xmlns:a14="http://schemas.microsoft.com/office/drawing/2010/main" Requires="a14">
+          <p:sp>
+            <p:nvSpPr>
+              <p:cNvPr id="52" name="文本框 51">
+                <a:extLst>
+                  <a:ext uri="{FF2B5EF4-FFF2-40B4-BE49-F238E27FC236}">
+                    <a16:creationId xmlns:a16="http://schemas.microsoft.com/office/drawing/2014/main" id="{72422EBE-4910-4B12-AD75-7ACF390DB9E4}"/>
+                  </a:ext>
+                </a:extLst>
+              </p:cNvPr>
+              <p:cNvSpPr txBox="1"/>
+              <p:nvPr/>
+            </p:nvSpPr>
+            <p:spPr>
+              <a:xfrm>
+                <a:off x="3018361" y="1716057"/>
+                <a:ext cx="582702" cy="369332"/>
+              </a:xfrm>
+              <a:prstGeom prst="rect">
+                <a:avLst/>
+              </a:prstGeom>
+              <a:noFill/>
+            </p:spPr>
+            <p:txBody>
+              <a:bodyPr wrap="square" rtlCol="0">
+                <a:spAutoFit/>
+              </a:bodyPr>
+              <a:lstStyle/>
+              <a:p>
+                <a:pPr/>
+                <a14:m>
+                  <m:oMathPara xmlns:m="http://schemas.openxmlformats.org/officeDocument/2006/math">
+                    <m:oMathParaPr>
+                      <m:jc m:val="centerGroup"/>
+                    </m:oMathParaPr>
+                    <m:oMath xmlns:m="http://schemas.openxmlformats.org/officeDocument/2006/math">
+                      <m:r>
+                        <a:rPr lang="en-US" altLang="zh-CN" b="1" i="1" smtClean="0">
+                          <a:latin typeface="Cambria Math" panose="02040503050406030204" pitchFamily="18" charset="0"/>
+                        </a:rPr>
+                        <m:t>𝒇</m:t>
+                      </m:r>
+                    </m:oMath>
+                  </m:oMathPara>
+                </a14:m>
+                <a:endParaRPr lang="zh-CN" altLang="en-US" b="1" dirty="0"/>
+              </a:p>
+            </p:txBody>
+          </p:sp>
+        </mc:Choice>
+        <mc:Fallback>
+          <p:sp>
+            <p:nvSpPr>
+              <p:cNvPr id="52" name="文本框 51">
+                <a:extLst>
+                  <a:ext uri="{FF2B5EF4-FFF2-40B4-BE49-F238E27FC236}">
+                    <a16:creationId xmlns:a16="http://schemas.microsoft.com/office/drawing/2014/main" id="{72422EBE-4910-4B12-AD75-7ACF390DB9E4}"/>
+                  </a:ext>
+                </a:extLst>
+              </p:cNvPr>
+              <p:cNvSpPr txBox="1">
+                <a:spLocks noRot="1" noChangeAspect="1" noMove="1" noResize="1" noEditPoints="1" noAdjustHandles="1" noChangeArrowheads="1" noChangeShapeType="1" noTextEdit="1"/>
+              </p:cNvSpPr>
+              <p:nvPr/>
+            </p:nvSpPr>
+            <p:spPr>
+              <a:xfrm>
+                <a:off x="3018361" y="1716057"/>
+                <a:ext cx="582702" cy="369332"/>
+              </a:xfrm>
+              <a:prstGeom prst="rect">
+                <a:avLst/>
+              </a:prstGeom>
+              <a:blipFill>
+                <a:blip r:embed="rId7"/>
+                <a:stretch>
+                  <a:fillRect b="-13333"/>
+                </a:stretch>
+              </a:blipFill>
+            </p:spPr>
+            <p:txBody>
+              <a:bodyPr/>
+              <a:lstStyle/>
+              <a:p>
+                <a:r>
+                  <a:rPr lang="zh-CN" altLang="en-US">
+                    <a:noFill/>
+                  </a:rPr>
+                  <a:t> </a:t>
+                </a:r>
+              </a:p>
+            </p:txBody>
+          </p:sp>
+        </mc:Fallback>
+      </mc:AlternateContent>
+      <mc:AlternateContent xmlns:mc="http://schemas.openxmlformats.org/markup-compatibility/2006">
+        <mc:Choice xmlns:a14="http://schemas.microsoft.com/office/drawing/2010/main" Requires="a14">
+          <p:sp>
+            <p:nvSpPr>
+              <p:cNvPr id="53" name="文本框 52">
+                <a:extLst>
+                  <a:ext uri="{FF2B5EF4-FFF2-40B4-BE49-F238E27FC236}">
+                    <a16:creationId xmlns:a16="http://schemas.microsoft.com/office/drawing/2014/main" id="{1E90EDCF-218A-4FCF-8F9C-F4F1BB206357}"/>
+                  </a:ext>
+                </a:extLst>
+              </p:cNvPr>
+              <p:cNvSpPr txBox="1"/>
+              <p:nvPr/>
+            </p:nvSpPr>
+            <p:spPr>
+              <a:xfrm>
+                <a:off x="4676643" y="1716057"/>
+                <a:ext cx="582702" cy="369332"/>
+              </a:xfrm>
+              <a:prstGeom prst="rect">
+                <a:avLst/>
+              </a:prstGeom>
+              <a:noFill/>
+            </p:spPr>
+            <p:txBody>
+              <a:bodyPr wrap="square" rtlCol="0">
+                <a:spAutoFit/>
+              </a:bodyPr>
+              <a:lstStyle/>
+              <a:p>
+                <a:pPr/>
+                <a14:m>
+                  <m:oMathPara xmlns:m="http://schemas.openxmlformats.org/officeDocument/2006/math">
+                    <m:oMathParaPr>
+                      <m:jc m:val="centerGroup"/>
+                    </m:oMathParaPr>
+                    <m:oMath xmlns:m="http://schemas.openxmlformats.org/officeDocument/2006/math">
+                      <m:r>
+                        <a:rPr lang="en-US" altLang="zh-CN" b="1" i="1" smtClean="0">
+                          <a:latin typeface="Cambria Math" panose="02040503050406030204" pitchFamily="18" charset="0"/>
+                        </a:rPr>
+                        <m:t>𝒇</m:t>
+                      </m:r>
+                    </m:oMath>
+                  </m:oMathPara>
+                </a14:m>
+                <a:endParaRPr lang="zh-CN" altLang="en-US" b="1" dirty="0"/>
+              </a:p>
+            </p:txBody>
+          </p:sp>
+        </mc:Choice>
+        <mc:Fallback>
+          <p:sp>
+            <p:nvSpPr>
+              <p:cNvPr id="53" name="文本框 52">
+                <a:extLst>
+                  <a:ext uri="{FF2B5EF4-FFF2-40B4-BE49-F238E27FC236}">
+                    <a16:creationId xmlns:a16="http://schemas.microsoft.com/office/drawing/2014/main" id="{1E90EDCF-218A-4FCF-8F9C-F4F1BB206357}"/>
+                  </a:ext>
+                </a:extLst>
+              </p:cNvPr>
+              <p:cNvSpPr txBox="1">
+                <a:spLocks noRot="1" noChangeAspect="1" noMove="1" noResize="1" noEditPoints="1" noAdjustHandles="1" noChangeArrowheads="1" noChangeShapeType="1" noTextEdit="1"/>
+              </p:cNvSpPr>
+              <p:nvPr/>
+            </p:nvSpPr>
+            <p:spPr>
+              <a:xfrm>
+                <a:off x="4676643" y="1716057"/>
+                <a:ext cx="582702" cy="369332"/>
+              </a:xfrm>
+              <a:prstGeom prst="rect">
+                <a:avLst/>
+              </a:prstGeom>
+              <a:blipFill>
+                <a:blip r:embed="rId8"/>
+                <a:stretch>
+                  <a:fillRect b="-13333"/>
+                </a:stretch>
+              </a:blipFill>
+            </p:spPr>
+            <p:txBody>
+              <a:bodyPr/>
+              <a:lstStyle/>
+              <a:p>
+                <a:r>
+                  <a:rPr lang="zh-CN" altLang="en-US">
+                    <a:noFill/>
+                  </a:rPr>
+                  <a:t> </a:t>
+                </a:r>
+              </a:p>
+            </p:txBody>
+          </p:sp>
+        </mc:Fallback>
+      </mc:AlternateContent>
+      <p:cxnSp>
+        <p:nvCxnSpPr>
+          <p:cNvPr id="54" name="直接连接符 53">
+            <a:extLst>
+              <a:ext uri="{FF2B5EF4-FFF2-40B4-BE49-F238E27FC236}">
+                <a16:creationId xmlns:a16="http://schemas.microsoft.com/office/drawing/2014/main" id="{4CD5C906-F5CF-420F-95C6-D1A00C0861A7}"/>
+              </a:ext>
+            </a:extLst>
+          </p:cNvPr>
+          <p:cNvCxnSpPr>
+            <a:cxnSpLocks/>
+          </p:cNvCxnSpPr>
+          <p:nvPr/>
+        </p:nvCxnSpPr>
+        <p:spPr>
+          <a:xfrm>
+            <a:off x="6808939" y="4712426"/>
+            <a:ext cx="1106906" cy="0"/>
+          </a:xfrm>
+          <a:prstGeom prst="line">
+            <a:avLst/>
+          </a:prstGeom>
+          <a:ln w="28575">
+            <a:solidFill>
+              <a:schemeClr val="tx1"/>
+            </a:solidFill>
+            <a:headEnd type="none" w="med" len="med"/>
+            <a:tailEnd type="triangle" w="med" len="med"/>
+          </a:ln>
+        </p:spPr>
+        <p:style>
+          <a:lnRef idx="1">
+            <a:schemeClr val="accent1"/>
+          </a:lnRef>
+          <a:fillRef idx="0">
+            <a:schemeClr val="accent1"/>
+          </a:fillRef>
+          <a:effectRef idx="0">
+            <a:schemeClr val="accent1"/>
+          </a:effectRef>
+          <a:fontRef idx="minor">
+            <a:schemeClr val="tx1"/>
+          </a:fontRef>
+        </p:style>
+      </p:cxnSp>
+      <p:cxnSp>
+        <p:nvCxnSpPr>
+          <p:cNvPr id="55" name="直接连接符 54">
+            <a:extLst>
+              <a:ext uri="{FF2B5EF4-FFF2-40B4-BE49-F238E27FC236}">
+                <a16:creationId xmlns:a16="http://schemas.microsoft.com/office/drawing/2014/main" id="{6D9F42E4-7D01-443A-82B4-EFE654B48F5A}"/>
+              </a:ext>
+            </a:extLst>
+          </p:cNvPr>
+          <p:cNvCxnSpPr>
+            <a:cxnSpLocks/>
+          </p:cNvCxnSpPr>
+          <p:nvPr/>
+        </p:nvCxnSpPr>
+        <p:spPr>
+          <a:xfrm flipV="1">
+            <a:off x="6816959" y="3651779"/>
+            <a:ext cx="0" cy="1060648"/>
+          </a:xfrm>
+          <a:prstGeom prst="line">
+            <a:avLst/>
+          </a:prstGeom>
+          <a:ln w="28575">
+            <a:solidFill>
+              <a:schemeClr val="tx1"/>
+            </a:solidFill>
+            <a:headEnd type="none" w="med" len="med"/>
+            <a:tailEnd type="triangle" w="med" len="med"/>
+          </a:ln>
+        </p:spPr>
+        <p:style>
+          <a:lnRef idx="1">
+            <a:schemeClr val="accent1"/>
+          </a:lnRef>
+          <a:fillRef idx="0">
+            <a:schemeClr val="accent1"/>
+          </a:fillRef>
+          <a:effectRef idx="0">
+            <a:schemeClr val="accent1"/>
+          </a:effectRef>
+          <a:fontRef idx="minor">
+            <a:schemeClr val="tx1"/>
+          </a:fontRef>
+        </p:style>
+      </p:cxnSp>
+      <mc:AlternateContent xmlns:mc="http://schemas.openxmlformats.org/markup-compatibility/2006">
+        <mc:Choice xmlns:a14="http://schemas.microsoft.com/office/drawing/2010/main" Requires="a14">
+          <p:sp>
+            <p:nvSpPr>
+              <p:cNvPr id="56" name="文本框 55">
+                <a:extLst>
+                  <a:ext uri="{FF2B5EF4-FFF2-40B4-BE49-F238E27FC236}">
+                    <a16:creationId xmlns:a16="http://schemas.microsoft.com/office/drawing/2014/main" id="{83E894D5-CADA-4A6C-AA2E-B5528149F7AA}"/>
+                  </a:ext>
+                </a:extLst>
+              </p:cNvPr>
+              <p:cNvSpPr txBox="1"/>
+              <p:nvPr/>
+            </p:nvSpPr>
+            <p:spPr>
+              <a:xfrm>
+                <a:off x="6896812" y="4720156"/>
+                <a:ext cx="342709" cy="312269"/>
+              </a:xfrm>
+              <a:prstGeom prst="rect">
+                <a:avLst/>
+              </a:prstGeom>
+              <a:noFill/>
+            </p:spPr>
+            <p:txBody>
+              <a:bodyPr wrap="square" rtlCol="0">
+                <a:spAutoFit/>
+              </a:bodyPr>
+              <a:lstStyle/>
+              <a:p>
+                <a:pPr/>
+                <a14:m>
+                  <m:oMathPara xmlns:m="http://schemas.openxmlformats.org/officeDocument/2006/math">
+                    <m:oMathParaPr>
+                      <m:jc m:val="centerGroup"/>
+                    </m:oMathParaPr>
+                    <m:oMath xmlns:m="http://schemas.openxmlformats.org/officeDocument/2006/math">
+                      <m:r>
+                        <a:rPr lang="en-US" altLang="zh-CN" sz="1600" b="0" i="1" smtClean="0">
+                          <a:latin typeface="Cambria Math" panose="02040503050406030204" pitchFamily="18" charset="0"/>
+                        </a:rPr>
+                        <m:t>0</m:t>
+                      </m:r>
+                    </m:oMath>
+                  </m:oMathPara>
+                </a14:m>
+                <a:endParaRPr lang="zh-CN" altLang="en-US" sz="1600" dirty="0"/>
+              </a:p>
+            </p:txBody>
+          </p:sp>
+        </mc:Choice>
+        <mc:Fallback>
+          <p:sp>
+            <p:nvSpPr>
+              <p:cNvPr id="56" name="文本框 55">
+                <a:extLst>
+                  <a:ext uri="{FF2B5EF4-FFF2-40B4-BE49-F238E27FC236}">
+                    <a16:creationId xmlns:a16="http://schemas.microsoft.com/office/drawing/2014/main" id="{83E894D5-CADA-4A6C-AA2E-B5528149F7AA}"/>
+                  </a:ext>
+                </a:extLst>
+              </p:cNvPr>
+              <p:cNvSpPr txBox="1">
+                <a:spLocks noRot="1" noChangeAspect="1" noMove="1" noResize="1" noEditPoints="1" noAdjustHandles="1" noChangeArrowheads="1" noChangeShapeType="1" noTextEdit="1"/>
+              </p:cNvSpPr>
+              <p:nvPr/>
+            </p:nvSpPr>
+            <p:spPr>
+              <a:xfrm>
+                <a:off x="6896812" y="4720156"/>
+                <a:ext cx="342709" cy="312269"/>
+              </a:xfrm>
+              <a:prstGeom prst="rect">
+                <a:avLst/>
+              </a:prstGeom>
+              <a:blipFill>
+                <a:blip r:embed="rId9"/>
+                <a:stretch>
+                  <a:fillRect/>
+                </a:stretch>
+              </a:blipFill>
+            </p:spPr>
+            <p:txBody>
+              <a:bodyPr/>
+              <a:lstStyle/>
+              <a:p>
+                <a:r>
+                  <a:rPr lang="zh-CN" altLang="en-US">
+                    <a:noFill/>
+                  </a:rPr>
+                  <a:t> </a:t>
+                </a:r>
+              </a:p>
+            </p:txBody>
+          </p:sp>
+        </mc:Fallback>
+      </mc:AlternateContent>
+      <p:cxnSp>
+        <p:nvCxnSpPr>
+          <p:cNvPr id="57" name="直接箭头连接符 56">
+            <a:extLst>
+              <a:ext uri="{FF2B5EF4-FFF2-40B4-BE49-F238E27FC236}">
+                <a16:creationId xmlns:a16="http://schemas.microsoft.com/office/drawing/2014/main" id="{499C2AB5-F3D9-4548-B840-0B471BD99451}"/>
+              </a:ext>
+            </a:extLst>
+          </p:cNvPr>
+          <p:cNvCxnSpPr>
+            <a:cxnSpLocks/>
+          </p:cNvCxnSpPr>
+          <p:nvPr/>
+        </p:nvCxnSpPr>
+        <p:spPr>
+          <a:xfrm flipV="1">
+            <a:off x="7530195" y="4046613"/>
+            <a:ext cx="0" cy="665814"/>
+          </a:xfrm>
+          <a:prstGeom prst="straightConnector1">
+            <a:avLst/>
+          </a:prstGeom>
+          <a:ln w="57150">
+            <a:solidFill>
+              <a:srgbClr val="0070C0"/>
+            </a:solidFill>
+            <a:tailEnd type="triangle"/>
+          </a:ln>
+        </p:spPr>
+        <p:style>
+          <a:lnRef idx="1">
+            <a:schemeClr val="accent1"/>
+          </a:lnRef>
+          <a:fillRef idx="0">
+            <a:schemeClr val="accent1"/>
+          </a:fillRef>
+          <a:effectRef idx="0">
+            <a:schemeClr val="accent1"/>
+          </a:effectRef>
+          <a:fontRef idx="minor">
+            <a:schemeClr val="tx1"/>
+          </a:fontRef>
+        </p:style>
+      </p:cxnSp>
+      <mc:AlternateContent xmlns:mc="http://schemas.openxmlformats.org/markup-compatibility/2006">
+        <mc:Choice xmlns:a14="http://schemas.microsoft.com/office/drawing/2010/main" Requires="a14">
+          <p:sp>
+            <p:nvSpPr>
+              <p:cNvPr id="58" name="文本框 57">
+                <a:extLst>
+                  <a:ext uri="{FF2B5EF4-FFF2-40B4-BE49-F238E27FC236}">
+                    <a16:creationId xmlns:a16="http://schemas.microsoft.com/office/drawing/2014/main" id="{A4309C3C-0495-4653-A2B8-A07C15CD8E76}"/>
+                  </a:ext>
+                </a:extLst>
+              </p:cNvPr>
+              <p:cNvSpPr txBox="1"/>
+              <p:nvPr/>
+            </p:nvSpPr>
+            <p:spPr>
+              <a:xfrm>
+                <a:off x="6976745" y="4726801"/>
+                <a:ext cx="1106899" cy="402934"/>
+              </a:xfrm>
+              <a:prstGeom prst="rect">
+                <a:avLst/>
+              </a:prstGeom>
+              <a:noFill/>
+            </p:spPr>
+            <p:txBody>
+              <a:bodyPr wrap="square" rtlCol="0">
+                <a:spAutoFit/>
+              </a:bodyPr>
+              <a:lstStyle/>
+              <a:p>
+                <a:pPr/>
+                <a14:m>
+                  <m:oMathPara xmlns:m="http://schemas.openxmlformats.org/officeDocument/2006/math">
+                    <m:oMathParaPr>
+                      <m:jc m:val="centerGroup"/>
+                    </m:oMathParaPr>
+                    <m:oMath xmlns:m="http://schemas.openxmlformats.org/officeDocument/2006/math">
+                      <m:sSub>
+                        <m:sSubPr>
+                          <m:ctrlPr>
+                            <a:rPr lang="en-US" altLang="zh-CN" sz="1200" i="1" smtClean="0">
+                              <a:latin typeface="Cambria Math" panose="02040503050406030204" pitchFamily="18" charset="0"/>
+                            </a:rPr>
+                          </m:ctrlPr>
+                        </m:sSubPr>
+                        <m:e>
+                          <m:r>
+                            <a:rPr lang="en-US" altLang="zh-CN" sz="1200" b="0" i="1" smtClean="0">
+                              <a:latin typeface="Cambria Math" panose="02040503050406030204" pitchFamily="18" charset="0"/>
+                            </a:rPr>
+                            <m:t>𝑓</m:t>
+                          </m:r>
+                        </m:e>
+                        <m:sub>
+                          <m:r>
+                            <a:rPr lang="en-US" altLang="zh-CN" sz="1200" b="0" i="1" smtClean="0">
+                              <a:latin typeface="Cambria Math" panose="02040503050406030204" pitchFamily="18" charset="0"/>
+                            </a:rPr>
+                            <m:t>0</m:t>
+                          </m:r>
+                        </m:sub>
+                      </m:sSub>
+                      <m:r>
+                        <a:rPr lang="en-US" altLang="zh-CN" sz="1200" b="0" i="0" smtClean="0">
+                          <a:latin typeface="Cambria Math" panose="02040503050406030204" pitchFamily="18" charset="0"/>
+                        </a:rPr>
+                        <m:t>+</m:t>
+                      </m:r>
+                      <m:f>
+                        <m:fPr>
+                          <m:ctrlPr>
+                            <a:rPr lang="en-US" altLang="zh-CN" sz="1200" i="1" smtClean="0">
+                              <a:latin typeface="Cambria Math" panose="02040503050406030204" pitchFamily="18" charset="0"/>
+                            </a:rPr>
+                          </m:ctrlPr>
+                        </m:fPr>
+                        <m:num>
+                          <m:r>
+                            <a:rPr lang="en-US" altLang="zh-CN" sz="1200" b="0" i="1" smtClean="0">
+                              <a:latin typeface="Cambria Math" panose="02040503050406030204" pitchFamily="18" charset="0"/>
+                            </a:rPr>
+                            <m:t>𝐵𝑊</m:t>
+                          </m:r>
+                        </m:num>
+                        <m:den>
+                          <m:r>
+                            <a:rPr lang="en-US" altLang="zh-CN" sz="1200" b="0" i="1" smtClean="0">
+                              <a:latin typeface="Cambria Math" panose="02040503050406030204" pitchFamily="18" charset="0"/>
+                            </a:rPr>
+                            <m:t>2</m:t>
+                          </m:r>
+                        </m:den>
+                      </m:f>
+                    </m:oMath>
+                  </m:oMathPara>
+                </a14:m>
+                <a:endParaRPr lang="zh-CN" altLang="en-US" sz="1200" dirty="0"/>
+              </a:p>
+            </p:txBody>
+          </p:sp>
+        </mc:Choice>
+        <mc:Fallback>
+          <p:sp>
+            <p:nvSpPr>
+              <p:cNvPr id="58" name="文本框 57">
+                <a:extLst>
+                  <a:ext uri="{FF2B5EF4-FFF2-40B4-BE49-F238E27FC236}">
+                    <a16:creationId xmlns:a16="http://schemas.microsoft.com/office/drawing/2014/main" id="{A4309C3C-0495-4653-A2B8-A07C15CD8E76}"/>
+                  </a:ext>
+                </a:extLst>
+              </p:cNvPr>
+              <p:cNvSpPr txBox="1">
+                <a:spLocks noRot="1" noChangeAspect="1" noMove="1" noResize="1" noEditPoints="1" noAdjustHandles="1" noChangeArrowheads="1" noChangeShapeType="1" noTextEdit="1"/>
+              </p:cNvSpPr>
+              <p:nvPr/>
+            </p:nvSpPr>
+            <p:spPr>
+              <a:xfrm>
+                <a:off x="6976745" y="4726801"/>
+                <a:ext cx="1106899" cy="402934"/>
+              </a:xfrm>
+              <a:prstGeom prst="rect">
+                <a:avLst/>
+              </a:prstGeom>
+              <a:blipFill>
+                <a:blip r:embed="rId10"/>
+                <a:stretch>
+                  <a:fillRect b="-10606"/>
+                </a:stretch>
+              </a:blipFill>
+            </p:spPr>
+            <p:txBody>
+              <a:bodyPr/>
+              <a:lstStyle/>
+              <a:p>
+                <a:r>
+                  <a:rPr lang="zh-CN" altLang="en-US">
+                    <a:noFill/>
+                  </a:rPr>
+                  <a:t> </a:t>
+                </a:r>
+              </a:p>
+            </p:txBody>
+          </p:sp>
+        </mc:Fallback>
+      </mc:AlternateContent>
+      <mc:AlternateContent xmlns:mc="http://schemas.openxmlformats.org/markup-compatibility/2006">
+        <mc:Choice xmlns:a14="http://schemas.microsoft.com/office/drawing/2010/main" Requires="a14">
+          <p:sp>
+            <p:nvSpPr>
+              <p:cNvPr id="59" name="文本框 58">
+                <a:extLst>
+                  <a:ext uri="{FF2B5EF4-FFF2-40B4-BE49-F238E27FC236}">
+                    <a16:creationId xmlns:a16="http://schemas.microsoft.com/office/drawing/2014/main" id="{801E909F-2F32-472B-9DAD-FE567C30B9E5}"/>
+                  </a:ext>
+                </a:extLst>
+              </p:cNvPr>
+              <p:cNvSpPr txBox="1"/>
+              <p:nvPr/>
+            </p:nvSpPr>
+            <p:spPr>
+              <a:xfrm>
+                <a:off x="7750098" y="4641005"/>
+                <a:ext cx="582702" cy="340657"/>
+              </a:xfrm>
+              <a:prstGeom prst="rect">
+                <a:avLst/>
+              </a:prstGeom>
+              <a:noFill/>
+            </p:spPr>
+            <p:txBody>
+              <a:bodyPr wrap="square" rtlCol="0">
+                <a:spAutoFit/>
+              </a:bodyPr>
+              <a:lstStyle/>
+              <a:p>
+                <a:pPr/>
+                <a14:m>
+                  <m:oMathPara xmlns:m="http://schemas.openxmlformats.org/officeDocument/2006/math">
+                    <m:oMathParaPr>
+                      <m:jc m:val="centerGroup"/>
+                    </m:oMathParaPr>
+                    <m:oMath xmlns:m="http://schemas.openxmlformats.org/officeDocument/2006/math">
+                      <m:r>
+                        <a:rPr lang="en-US" altLang="zh-CN" b="1" i="1" smtClean="0">
+                          <a:latin typeface="Cambria Math" panose="02040503050406030204" pitchFamily="18" charset="0"/>
+                        </a:rPr>
+                        <m:t>𝒇</m:t>
+                      </m:r>
+                    </m:oMath>
+                  </m:oMathPara>
+                </a14:m>
+                <a:endParaRPr lang="zh-CN" altLang="en-US" b="1" dirty="0"/>
+              </a:p>
+            </p:txBody>
+          </p:sp>
+        </mc:Choice>
+        <mc:Fallback>
+          <p:sp>
+            <p:nvSpPr>
+              <p:cNvPr id="59" name="文本框 58">
+                <a:extLst>
+                  <a:ext uri="{FF2B5EF4-FFF2-40B4-BE49-F238E27FC236}">
+                    <a16:creationId xmlns:a16="http://schemas.microsoft.com/office/drawing/2014/main" id="{801E909F-2F32-472B-9DAD-FE567C30B9E5}"/>
+                  </a:ext>
+                </a:extLst>
+              </p:cNvPr>
+              <p:cNvSpPr txBox="1">
+                <a:spLocks noRot="1" noChangeAspect="1" noMove="1" noResize="1" noEditPoints="1" noAdjustHandles="1" noChangeArrowheads="1" noChangeShapeType="1" noTextEdit="1"/>
+              </p:cNvSpPr>
+              <p:nvPr/>
+            </p:nvSpPr>
+            <p:spPr>
+              <a:xfrm>
+                <a:off x="7750098" y="4641005"/>
+                <a:ext cx="582702" cy="340657"/>
+              </a:xfrm>
+              <a:prstGeom prst="rect">
+                <a:avLst/>
+              </a:prstGeom>
+              <a:blipFill>
+                <a:blip r:embed="rId11"/>
+                <a:stretch>
+                  <a:fillRect b="-23214"/>
+                </a:stretch>
+              </a:blipFill>
+            </p:spPr>
+            <p:txBody>
+              <a:bodyPr/>
+              <a:lstStyle/>
+              <a:p>
+                <a:r>
+                  <a:rPr lang="zh-CN" altLang="en-US">
+                    <a:noFill/>
+                  </a:rPr>
+                  <a:t> </a:t>
+                </a:r>
+              </a:p>
+            </p:txBody>
+          </p:sp>
+        </mc:Fallback>
+      </mc:AlternateContent>
+      <mc:AlternateContent xmlns:mc="http://schemas.openxmlformats.org/markup-compatibility/2006">
+        <mc:Choice xmlns:a14="http://schemas.microsoft.com/office/drawing/2010/main" Requires="a14">
+          <p:sp>
+            <p:nvSpPr>
+              <p:cNvPr id="60" name="文本框 59">
+                <a:extLst>
+                  <a:ext uri="{FF2B5EF4-FFF2-40B4-BE49-F238E27FC236}">
+                    <a16:creationId xmlns:a16="http://schemas.microsoft.com/office/drawing/2014/main" id="{CC2A1DCF-9EDF-4884-8F9B-4574B11A3D8A}"/>
+                  </a:ext>
+                </a:extLst>
+              </p:cNvPr>
+              <p:cNvSpPr txBox="1"/>
+              <p:nvPr/>
+            </p:nvSpPr>
+            <p:spPr>
+              <a:xfrm>
+                <a:off x="4676643" y="3360559"/>
+                <a:ext cx="582702" cy="369332"/>
+              </a:xfrm>
+              <a:prstGeom prst="rect">
+                <a:avLst/>
+              </a:prstGeom>
+              <a:noFill/>
+            </p:spPr>
+            <p:txBody>
+              <a:bodyPr wrap="square" rtlCol="0">
+                <a:spAutoFit/>
+              </a:bodyPr>
+              <a:lstStyle/>
+              <a:p>
+                <a:pPr/>
+                <a14:m>
+                  <m:oMathPara xmlns:m="http://schemas.openxmlformats.org/officeDocument/2006/math">
+                    <m:oMathParaPr>
+                      <m:jc m:val="centerGroup"/>
+                    </m:oMathParaPr>
+                    <m:oMath xmlns:m="http://schemas.openxmlformats.org/officeDocument/2006/math">
+                      <m:r>
+                        <a:rPr lang="en-US" altLang="zh-CN" b="1" i="1" smtClean="0">
+                          <a:latin typeface="Cambria Math" panose="02040503050406030204" pitchFamily="18" charset="0"/>
+                        </a:rPr>
+                        <m:t>𝒇</m:t>
+                      </m:r>
+                    </m:oMath>
+                  </m:oMathPara>
+                </a14:m>
+                <a:endParaRPr lang="zh-CN" altLang="en-US" b="1" dirty="0"/>
+              </a:p>
+            </p:txBody>
+          </p:sp>
+        </mc:Choice>
+        <mc:Fallback>
+          <p:sp>
+            <p:nvSpPr>
+              <p:cNvPr id="60" name="文本框 59">
+                <a:extLst>
+                  <a:ext uri="{FF2B5EF4-FFF2-40B4-BE49-F238E27FC236}">
+                    <a16:creationId xmlns:a16="http://schemas.microsoft.com/office/drawing/2014/main" id="{CC2A1DCF-9EDF-4884-8F9B-4574B11A3D8A}"/>
+                  </a:ext>
+                </a:extLst>
+              </p:cNvPr>
+              <p:cNvSpPr txBox="1">
+                <a:spLocks noRot="1" noChangeAspect="1" noMove="1" noResize="1" noEditPoints="1" noAdjustHandles="1" noChangeArrowheads="1" noChangeShapeType="1" noTextEdit="1"/>
+              </p:cNvSpPr>
+              <p:nvPr/>
+            </p:nvSpPr>
+            <p:spPr>
+              <a:xfrm>
+                <a:off x="4676643" y="3360559"/>
+                <a:ext cx="582702" cy="369332"/>
+              </a:xfrm>
+              <a:prstGeom prst="rect">
+                <a:avLst/>
+              </a:prstGeom>
+              <a:blipFill>
+                <a:blip r:embed="rId12"/>
+                <a:stretch>
+                  <a:fillRect b="-13115"/>
+                </a:stretch>
+              </a:blipFill>
+            </p:spPr>
+            <p:txBody>
+              <a:bodyPr/>
+              <a:lstStyle/>
+              <a:p>
+                <a:r>
+                  <a:rPr lang="zh-CN" altLang="en-US">
+                    <a:noFill/>
+                  </a:rPr>
+                  <a:t> </a:t>
+                </a:r>
+              </a:p>
+            </p:txBody>
+          </p:sp>
+        </mc:Fallback>
+      </mc:AlternateContent>
+      <mc:AlternateContent xmlns:mc="http://schemas.openxmlformats.org/markup-compatibility/2006">
+        <mc:Choice xmlns:a14="http://schemas.microsoft.com/office/drawing/2010/main" Requires="a14">
+          <p:sp>
+            <p:nvSpPr>
+              <p:cNvPr id="61" name="文本框 60">
+                <a:extLst>
+                  <a:ext uri="{FF2B5EF4-FFF2-40B4-BE49-F238E27FC236}">
+                    <a16:creationId xmlns:a16="http://schemas.microsoft.com/office/drawing/2014/main" id="{040061DD-F1C2-4B64-B8AF-38BB63FE906B}"/>
+                  </a:ext>
+                </a:extLst>
+              </p:cNvPr>
+              <p:cNvSpPr txBox="1"/>
+              <p:nvPr/>
+            </p:nvSpPr>
+            <p:spPr>
+              <a:xfrm>
+                <a:off x="2981626" y="3360559"/>
+                <a:ext cx="582702" cy="369332"/>
+              </a:xfrm>
+              <a:prstGeom prst="rect">
+                <a:avLst/>
+              </a:prstGeom>
+              <a:noFill/>
+            </p:spPr>
+            <p:txBody>
+              <a:bodyPr wrap="square" rtlCol="0">
+                <a:spAutoFit/>
+              </a:bodyPr>
+              <a:lstStyle/>
+              <a:p>
+                <a:pPr/>
+                <a14:m>
+                  <m:oMathPara xmlns:m="http://schemas.openxmlformats.org/officeDocument/2006/math">
+                    <m:oMathParaPr>
+                      <m:jc m:val="centerGroup"/>
+                    </m:oMathParaPr>
+                    <m:oMath xmlns:m="http://schemas.openxmlformats.org/officeDocument/2006/math">
+                      <m:r>
+                        <a:rPr lang="en-US" altLang="zh-CN" b="1" i="1" smtClean="0">
+                          <a:latin typeface="Cambria Math" panose="02040503050406030204" pitchFamily="18" charset="0"/>
+                        </a:rPr>
+                        <m:t>𝒇</m:t>
+                      </m:r>
+                    </m:oMath>
+                  </m:oMathPara>
+                </a14:m>
+                <a:endParaRPr lang="zh-CN" altLang="en-US" b="1" dirty="0"/>
+              </a:p>
+            </p:txBody>
+          </p:sp>
+        </mc:Choice>
+        <mc:Fallback>
+          <p:sp>
+            <p:nvSpPr>
+              <p:cNvPr id="61" name="文本框 60">
+                <a:extLst>
+                  <a:ext uri="{FF2B5EF4-FFF2-40B4-BE49-F238E27FC236}">
+                    <a16:creationId xmlns:a16="http://schemas.microsoft.com/office/drawing/2014/main" id="{040061DD-F1C2-4B64-B8AF-38BB63FE906B}"/>
+                  </a:ext>
+                </a:extLst>
+              </p:cNvPr>
+              <p:cNvSpPr txBox="1">
+                <a:spLocks noRot="1" noChangeAspect="1" noMove="1" noResize="1" noEditPoints="1" noAdjustHandles="1" noChangeArrowheads="1" noChangeShapeType="1" noTextEdit="1"/>
+              </p:cNvSpPr>
+              <p:nvPr/>
+            </p:nvSpPr>
+            <p:spPr>
+              <a:xfrm>
+                <a:off x="2981626" y="3360559"/>
+                <a:ext cx="582702" cy="369332"/>
+              </a:xfrm>
+              <a:prstGeom prst="rect">
+                <a:avLst/>
+              </a:prstGeom>
+              <a:blipFill>
+                <a:blip r:embed="rId13"/>
+                <a:stretch>
+                  <a:fillRect b="-13115"/>
+                </a:stretch>
+              </a:blipFill>
+            </p:spPr>
+            <p:txBody>
+              <a:bodyPr/>
+              <a:lstStyle/>
+              <a:p>
+                <a:r>
+                  <a:rPr lang="zh-CN" altLang="en-US">
+                    <a:noFill/>
+                  </a:rPr>
+                  <a:t> </a:t>
+                </a:r>
+              </a:p>
+            </p:txBody>
+          </p:sp>
+        </mc:Fallback>
+      </mc:AlternateContent>
+      <mc:AlternateContent xmlns:mc="http://schemas.openxmlformats.org/markup-compatibility/2006">
+        <mc:Choice xmlns:a14="http://schemas.microsoft.com/office/drawing/2010/main" Requires="a14">
+          <p:sp>
+            <p:nvSpPr>
+              <p:cNvPr id="62" name="文本框 61">
+                <a:extLst>
+                  <a:ext uri="{FF2B5EF4-FFF2-40B4-BE49-F238E27FC236}">
+                    <a16:creationId xmlns:a16="http://schemas.microsoft.com/office/drawing/2014/main" id="{72ED4B3B-4ED4-466F-95DF-81D9239FBC58}"/>
+                  </a:ext>
+                </a:extLst>
+              </p:cNvPr>
+              <p:cNvSpPr txBox="1"/>
+              <p:nvPr/>
+            </p:nvSpPr>
+            <p:spPr>
+              <a:xfrm>
+                <a:off x="4231479" y="2622654"/>
+                <a:ext cx="582702" cy="338554"/>
+              </a:xfrm>
+              <a:prstGeom prst="rect">
+                <a:avLst/>
+              </a:prstGeom>
+              <a:noFill/>
+            </p:spPr>
+            <p:txBody>
+              <a:bodyPr wrap="square" rtlCol="0">
+                <a:spAutoFit/>
+              </a:bodyPr>
+              <a:lstStyle/>
+              <a:p>
+                <a:pPr/>
+                <a14:m>
+                  <m:oMathPara xmlns:m="http://schemas.openxmlformats.org/officeDocument/2006/math">
+                    <m:oMathParaPr>
+                      <m:jc m:val="centerGroup"/>
+                    </m:oMathParaPr>
+                    <m:oMath xmlns:m="http://schemas.openxmlformats.org/officeDocument/2006/math">
+                      <m:r>
+                        <a:rPr lang="en-US" altLang="zh-CN" sz="1600" b="1" i="1" smtClean="0">
+                          <a:latin typeface="Cambria Math" panose="02040503050406030204" pitchFamily="18" charset="0"/>
+                        </a:rPr>
+                        <m:t>𝒕</m:t>
+                      </m:r>
+                    </m:oMath>
+                  </m:oMathPara>
+                </a14:m>
+                <a:endParaRPr lang="zh-CN" altLang="en-US" sz="1600" b="1" dirty="0"/>
+              </a:p>
+            </p:txBody>
+          </p:sp>
+        </mc:Choice>
+        <mc:Fallback>
+          <p:sp>
+            <p:nvSpPr>
+              <p:cNvPr id="62" name="文本框 61">
+                <a:extLst>
+                  <a:ext uri="{FF2B5EF4-FFF2-40B4-BE49-F238E27FC236}">
+                    <a16:creationId xmlns:a16="http://schemas.microsoft.com/office/drawing/2014/main" id="{72ED4B3B-4ED4-466F-95DF-81D9239FBC58}"/>
+                  </a:ext>
+                </a:extLst>
+              </p:cNvPr>
+              <p:cNvSpPr txBox="1">
+                <a:spLocks noRot="1" noChangeAspect="1" noMove="1" noResize="1" noEditPoints="1" noAdjustHandles="1" noChangeArrowheads="1" noChangeShapeType="1" noTextEdit="1"/>
+              </p:cNvSpPr>
+              <p:nvPr/>
+            </p:nvSpPr>
+            <p:spPr>
+              <a:xfrm>
+                <a:off x="4231479" y="2622654"/>
+                <a:ext cx="582702" cy="338554"/>
+              </a:xfrm>
+              <a:prstGeom prst="rect">
+                <a:avLst/>
+              </a:prstGeom>
+              <a:blipFill>
+                <a:blip r:embed="rId14"/>
+                <a:stretch>
+                  <a:fillRect/>
+                </a:stretch>
+              </a:blipFill>
+            </p:spPr>
+            <p:txBody>
+              <a:bodyPr/>
+              <a:lstStyle/>
+              <a:p>
+                <a:r>
+                  <a:rPr lang="zh-CN" altLang="en-US">
+                    <a:noFill/>
+                  </a:rPr>
+                  <a:t> </a:t>
+                </a:r>
+              </a:p>
+            </p:txBody>
+          </p:sp>
+        </mc:Fallback>
+      </mc:AlternateContent>
+      <mc:AlternateContent xmlns:mc="http://schemas.openxmlformats.org/markup-compatibility/2006">
+        <mc:Choice xmlns:a14="http://schemas.microsoft.com/office/drawing/2010/main" Requires="a14">
+          <p:sp>
+            <p:nvSpPr>
+              <p:cNvPr id="63" name="文本框 62">
+                <a:extLst>
+                  <a:ext uri="{FF2B5EF4-FFF2-40B4-BE49-F238E27FC236}">
+                    <a16:creationId xmlns:a16="http://schemas.microsoft.com/office/drawing/2014/main" id="{F32D1B0A-4DB4-45E3-ABAA-6D9565804B6B}"/>
+                  </a:ext>
+                </a:extLst>
+              </p:cNvPr>
+              <p:cNvSpPr txBox="1"/>
+              <p:nvPr/>
+            </p:nvSpPr>
+            <p:spPr>
+              <a:xfrm>
+                <a:off x="5908100" y="2622654"/>
+                <a:ext cx="582702" cy="338554"/>
+              </a:xfrm>
+              <a:prstGeom prst="rect">
+                <a:avLst/>
+              </a:prstGeom>
+              <a:noFill/>
+            </p:spPr>
+            <p:txBody>
+              <a:bodyPr wrap="square" rtlCol="0">
+                <a:spAutoFit/>
+              </a:bodyPr>
+              <a:lstStyle/>
+              <a:p>
+                <a:pPr/>
+                <a14:m>
+                  <m:oMathPara xmlns:m="http://schemas.openxmlformats.org/officeDocument/2006/math">
+                    <m:oMathParaPr>
+                      <m:jc m:val="centerGroup"/>
+                    </m:oMathParaPr>
+                    <m:oMath xmlns:m="http://schemas.openxmlformats.org/officeDocument/2006/math">
+                      <m:r>
+                        <a:rPr lang="en-US" altLang="zh-CN" sz="1600" b="1" i="1" smtClean="0">
+                          <a:latin typeface="Cambria Math" panose="02040503050406030204" pitchFamily="18" charset="0"/>
+                        </a:rPr>
+                        <m:t>𝒕</m:t>
+                      </m:r>
+                    </m:oMath>
+                  </m:oMathPara>
+                </a14:m>
+                <a:endParaRPr lang="zh-CN" altLang="en-US" sz="1600" b="1" dirty="0"/>
+              </a:p>
+            </p:txBody>
+          </p:sp>
+        </mc:Choice>
+        <mc:Fallback>
+          <p:sp>
+            <p:nvSpPr>
+              <p:cNvPr id="63" name="文本框 62">
+                <a:extLst>
+                  <a:ext uri="{FF2B5EF4-FFF2-40B4-BE49-F238E27FC236}">
+                    <a16:creationId xmlns:a16="http://schemas.microsoft.com/office/drawing/2014/main" id="{F32D1B0A-4DB4-45E3-ABAA-6D9565804B6B}"/>
+                  </a:ext>
+                </a:extLst>
+              </p:cNvPr>
+              <p:cNvSpPr txBox="1">
+                <a:spLocks noRot="1" noChangeAspect="1" noMove="1" noResize="1" noEditPoints="1" noAdjustHandles="1" noChangeArrowheads="1" noChangeShapeType="1" noTextEdit="1"/>
+              </p:cNvSpPr>
+              <p:nvPr/>
+            </p:nvSpPr>
+            <p:spPr>
+              <a:xfrm>
+                <a:off x="5908100" y="2622654"/>
+                <a:ext cx="582702" cy="338554"/>
+              </a:xfrm>
+              <a:prstGeom prst="rect">
+                <a:avLst/>
+              </a:prstGeom>
+              <a:blipFill>
+                <a:blip r:embed="rId15"/>
+                <a:stretch>
+                  <a:fillRect/>
+                </a:stretch>
+              </a:blipFill>
+            </p:spPr>
+            <p:txBody>
+              <a:bodyPr/>
+              <a:lstStyle/>
+              <a:p>
+                <a:r>
+                  <a:rPr lang="zh-CN" altLang="en-US">
+                    <a:noFill/>
+                  </a:rPr>
+                  <a:t> </a:t>
+                </a:r>
+              </a:p>
+            </p:txBody>
+          </p:sp>
+        </mc:Fallback>
+      </mc:AlternateContent>
+      <p:grpSp>
+        <p:nvGrpSpPr>
+          <p:cNvPr id="64" name="组合 63">
+            <a:extLst>
+              <a:ext uri="{FF2B5EF4-FFF2-40B4-BE49-F238E27FC236}">
+                <a16:creationId xmlns:a16="http://schemas.microsoft.com/office/drawing/2014/main" id="{EE4FA0BA-BC0B-468E-8988-5CF4ABB17C76}"/>
+              </a:ext>
+            </a:extLst>
+          </p:cNvPr>
+          <p:cNvGrpSpPr/>
+          <p:nvPr/>
+        </p:nvGrpSpPr>
+        <p:grpSpPr>
+          <a:xfrm>
+            <a:off x="6395054" y="4236798"/>
+            <a:ext cx="201255" cy="101557"/>
+            <a:chOff x="4956281" y="1960053"/>
+            <a:chExt cx="201255" cy="101557"/>
+          </a:xfrm>
+        </p:grpSpPr>
+        <p:cxnSp>
+          <p:nvCxnSpPr>
+            <p:cNvPr id="65" name="直接连接符 64">
+              <a:extLst>
+                <a:ext uri="{FF2B5EF4-FFF2-40B4-BE49-F238E27FC236}">
+                  <a16:creationId xmlns:a16="http://schemas.microsoft.com/office/drawing/2014/main" id="{9BB3005D-7FF8-4509-B64D-7B10EBF043BB}"/>
+                </a:ext>
+              </a:extLst>
+            </p:cNvPr>
+            <p:cNvCxnSpPr>
+              <a:cxnSpLocks/>
+            </p:cNvCxnSpPr>
+            <p:nvPr/>
+          </p:nvCxnSpPr>
+          <p:spPr>
+            <a:xfrm>
+              <a:off x="4956281" y="1960053"/>
+              <a:ext cx="201255" cy="0"/>
+            </a:xfrm>
+            <a:prstGeom prst="line">
+              <a:avLst/>
+            </a:prstGeom>
+            <a:ln w="28575">
+              <a:solidFill>
+                <a:schemeClr val="tx1"/>
+              </a:solidFill>
+            </a:ln>
+          </p:spPr>
+          <p:style>
+            <a:lnRef idx="1">
+              <a:schemeClr val="accent1"/>
+            </a:lnRef>
+            <a:fillRef idx="0">
+              <a:schemeClr val="accent1"/>
+            </a:fillRef>
+            <a:effectRef idx="0">
+              <a:schemeClr val="accent1"/>
+            </a:effectRef>
+            <a:fontRef idx="minor">
+              <a:schemeClr val="tx1"/>
+            </a:fontRef>
+          </p:style>
+        </p:cxnSp>
+        <p:cxnSp>
+          <p:nvCxnSpPr>
+            <p:cNvPr id="66" name="直接连接符 65">
+              <a:extLst>
+                <a:ext uri="{FF2B5EF4-FFF2-40B4-BE49-F238E27FC236}">
+                  <a16:creationId xmlns:a16="http://schemas.microsoft.com/office/drawing/2014/main" id="{22860124-173A-4BDC-BA7A-F9608BCFFC04}"/>
+                </a:ext>
+              </a:extLst>
+            </p:cNvPr>
+            <p:cNvCxnSpPr>
+              <a:cxnSpLocks/>
+            </p:cNvCxnSpPr>
+            <p:nvPr/>
+          </p:nvCxnSpPr>
+          <p:spPr>
+            <a:xfrm>
+              <a:off x="4956281" y="2061610"/>
+              <a:ext cx="201255" cy="0"/>
+            </a:xfrm>
+            <a:prstGeom prst="line">
+              <a:avLst/>
+            </a:prstGeom>
+            <a:ln w="28575">
+              <a:solidFill>
+                <a:schemeClr val="tx1"/>
+              </a:solidFill>
+            </a:ln>
+          </p:spPr>
+          <p:style>
+            <a:lnRef idx="1">
+              <a:schemeClr val="accent1"/>
+            </a:lnRef>
+            <a:fillRef idx="0">
+              <a:schemeClr val="accent1"/>
+            </a:fillRef>
+            <a:effectRef idx="0">
+              <a:schemeClr val="accent1"/>
+            </a:effectRef>
+            <a:fontRef idx="minor">
+              <a:schemeClr val="tx1"/>
+            </a:fontRef>
+          </p:style>
+        </p:cxnSp>
+      </p:grpSp>
+      <mc:AlternateContent xmlns:mc="http://schemas.openxmlformats.org/markup-compatibility/2006">
+        <mc:Choice xmlns:a14="http://schemas.microsoft.com/office/drawing/2010/main" Requires="a14">
+          <p:sp>
+            <p:nvSpPr>
+              <p:cNvPr id="67" name="文本框 66">
+                <a:extLst>
+                  <a:ext uri="{FF2B5EF4-FFF2-40B4-BE49-F238E27FC236}">
+                    <a16:creationId xmlns:a16="http://schemas.microsoft.com/office/drawing/2014/main" id="{4DFC8A66-FD20-4E26-B6C5-B07A1ABDC11C}"/>
+                  </a:ext>
+                </a:extLst>
+              </p:cNvPr>
+              <p:cNvSpPr txBox="1"/>
+              <p:nvPr/>
+            </p:nvSpPr>
+            <p:spPr>
+              <a:xfrm>
+                <a:off x="5908100" y="4282346"/>
+                <a:ext cx="582702" cy="338554"/>
+              </a:xfrm>
+              <a:prstGeom prst="rect">
+                <a:avLst/>
+              </a:prstGeom>
+              <a:noFill/>
+            </p:spPr>
+            <p:txBody>
+              <a:bodyPr wrap="square" rtlCol="0">
+                <a:spAutoFit/>
+              </a:bodyPr>
+              <a:lstStyle/>
+              <a:p>
+                <a:pPr/>
+                <a14:m>
+                  <m:oMathPara xmlns:m="http://schemas.openxmlformats.org/officeDocument/2006/math">
+                    <m:oMathParaPr>
+                      <m:jc m:val="centerGroup"/>
+                    </m:oMathParaPr>
+                    <m:oMath xmlns:m="http://schemas.openxmlformats.org/officeDocument/2006/math">
+                      <m:r>
+                        <a:rPr lang="en-US" altLang="zh-CN" sz="1600" b="1" i="1" smtClean="0">
+                          <a:latin typeface="Cambria Math" panose="02040503050406030204" pitchFamily="18" charset="0"/>
+                        </a:rPr>
+                        <m:t>𝒕</m:t>
+                      </m:r>
+                    </m:oMath>
+                  </m:oMathPara>
+                </a14:m>
+                <a:endParaRPr lang="zh-CN" altLang="en-US" sz="1600" b="1" dirty="0"/>
+              </a:p>
+            </p:txBody>
+          </p:sp>
+        </mc:Choice>
+        <mc:Fallback>
+          <p:sp>
+            <p:nvSpPr>
+              <p:cNvPr id="67" name="文本框 66">
+                <a:extLst>
+                  <a:ext uri="{FF2B5EF4-FFF2-40B4-BE49-F238E27FC236}">
+                    <a16:creationId xmlns:a16="http://schemas.microsoft.com/office/drawing/2014/main" id="{4DFC8A66-FD20-4E26-B6C5-B07A1ABDC11C}"/>
+                  </a:ext>
+                </a:extLst>
+              </p:cNvPr>
+              <p:cNvSpPr txBox="1">
+                <a:spLocks noRot="1" noChangeAspect="1" noMove="1" noResize="1" noEditPoints="1" noAdjustHandles="1" noChangeArrowheads="1" noChangeShapeType="1" noTextEdit="1"/>
+              </p:cNvSpPr>
+              <p:nvPr/>
+            </p:nvSpPr>
+            <p:spPr>
+              <a:xfrm>
+                <a:off x="5908100" y="4282346"/>
+                <a:ext cx="582702" cy="338554"/>
+              </a:xfrm>
+              <a:prstGeom prst="rect">
+                <a:avLst/>
+              </a:prstGeom>
+              <a:blipFill>
+                <a:blip r:embed="rId16"/>
+                <a:stretch>
+                  <a:fillRect/>
+                </a:stretch>
+              </a:blipFill>
+            </p:spPr>
+            <p:txBody>
+              <a:bodyPr/>
+              <a:lstStyle/>
+              <a:p>
+                <a:r>
+                  <a:rPr lang="zh-CN" altLang="en-US">
+                    <a:noFill/>
+                  </a:rPr>
+                  <a:t> </a:t>
+                </a:r>
+              </a:p>
+            </p:txBody>
+          </p:sp>
+        </mc:Fallback>
+      </mc:AlternateContent>
+      <mc:AlternateContent xmlns:mc="http://schemas.openxmlformats.org/markup-compatibility/2006">
+        <mc:Choice xmlns:a14="http://schemas.microsoft.com/office/drawing/2010/main" Requires="a14">
+          <p:sp>
+            <p:nvSpPr>
+              <p:cNvPr id="68" name="文本框 67">
+                <a:extLst>
+                  <a:ext uri="{FF2B5EF4-FFF2-40B4-BE49-F238E27FC236}">
+                    <a16:creationId xmlns:a16="http://schemas.microsoft.com/office/drawing/2014/main" id="{64C3CAA5-137E-4685-93DB-B115FB221E9F}"/>
+                  </a:ext>
+                </a:extLst>
+              </p:cNvPr>
+              <p:cNvSpPr txBox="1"/>
+              <p:nvPr/>
+            </p:nvSpPr>
+            <p:spPr>
+              <a:xfrm>
+                <a:off x="4207373" y="4282346"/>
+                <a:ext cx="582702" cy="338554"/>
+              </a:xfrm>
+              <a:prstGeom prst="rect">
+                <a:avLst/>
+              </a:prstGeom>
+              <a:noFill/>
+            </p:spPr>
+            <p:txBody>
+              <a:bodyPr wrap="square" rtlCol="0">
+                <a:spAutoFit/>
+              </a:bodyPr>
+              <a:lstStyle/>
+              <a:p>
+                <a:pPr/>
+                <a14:m>
+                  <m:oMathPara xmlns:m="http://schemas.openxmlformats.org/officeDocument/2006/math">
+                    <m:oMathParaPr>
+                      <m:jc m:val="centerGroup"/>
+                    </m:oMathParaPr>
+                    <m:oMath xmlns:m="http://schemas.openxmlformats.org/officeDocument/2006/math">
+                      <m:r>
+                        <a:rPr lang="en-US" altLang="zh-CN" sz="1600" b="1" i="1" smtClean="0">
+                          <a:latin typeface="Cambria Math" panose="02040503050406030204" pitchFamily="18" charset="0"/>
+                        </a:rPr>
+                        <m:t>𝒕</m:t>
+                      </m:r>
+                    </m:oMath>
+                  </m:oMathPara>
+                </a14:m>
+                <a:endParaRPr lang="zh-CN" altLang="en-US" sz="1600" b="1" dirty="0"/>
+              </a:p>
+            </p:txBody>
+          </p:sp>
+        </mc:Choice>
+        <mc:Fallback>
+          <p:sp>
+            <p:nvSpPr>
+              <p:cNvPr id="68" name="文本框 67">
+                <a:extLst>
+                  <a:ext uri="{FF2B5EF4-FFF2-40B4-BE49-F238E27FC236}">
+                    <a16:creationId xmlns:a16="http://schemas.microsoft.com/office/drawing/2014/main" id="{64C3CAA5-137E-4685-93DB-B115FB221E9F}"/>
+                  </a:ext>
+                </a:extLst>
+              </p:cNvPr>
+              <p:cNvSpPr txBox="1">
+                <a:spLocks noRot="1" noChangeAspect="1" noMove="1" noResize="1" noEditPoints="1" noAdjustHandles="1" noChangeArrowheads="1" noChangeShapeType="1" noTextEdit="1"/>
+              </p:cNvSpPr>
+              <p:nvPr/>
+            </p:nvSpPr>
+            <p:spPr>
+              <a:xfrm>
+                <a:off x="4207373" y="4282346"/>
+                <a:ext cx="582702" cy="338554"/>
+              </a:xfrm>
+              <a:prstGeom prst="rect">
+                <a:avLst/>
+              </a:prstGeom>
+              <a:blipFill>
+                <a:blip r:embed="rId17"/>
+                <a:stretch>
+                  <a:fillRect/>
+                </a:stretch>
+              </a:blipFill>
+            </p:spPr>
+            <p:txBody>
+              <a:bodyPr/>
+              <a:lstStyle/>
+              <a:p>
+                <a:r>
+                  <a:rPr lang="zh-CN" altLang="en-US">
+                    <a:noFill/>
+                  </a:rPr>
+                  <a:t> </a:t>
+                </a:r>
+              </a:p>
+            </p:txBody>
+          </p:sp>
+        </mc:Fallback>
+      </mc:AlternateContent>
+      <mc:AlternateContent xmlns:mc="http://schemas.openxmlformats.org/markup-compatibility/2006">
+        <mc:Choice xmlns:a14="http://schemas.microsoft.com/office/drawing/2010/main" Requires="a14">
+          <p:sp>
+            <p:nvSpPr>
+              <p:cNvPr id="69" name="文本框 68">
+                <a:extLst>
+                  <a:ext uri="{FF2B5EF4-FFF2-40B4-BE49-F238E27FC236}">
+                    <a16:creationId xmlns:a16="http://schemas.microsoft.com/office/drawing/2014/main" id="{04966052-55A4-4148-AB5B-7B1210A55CC8}"/>
+                  </a:ext>
+                </a:extLst>
+              </p:cNvPr>
+              <p:cNvSpPr txBox="1"/>
+              <p:nvPr/>
+            </p:nvSpPr>
+            <p:spPr>
+              <a:xfrm>
+                <a:off x="3980878" y="2616040"/>
+                <a:ext cx="582702" cy="307777"/>
+              </a:xfrm>
+              <a:prstGeom prst="rect">
+                <a:avLst/>
+              </a:prstGeom>
+              <a:noFill/>
+            </p:spPr>
+            <p:txBody>
+              <a:bodyPr wrap="square" rtlCol="0">
+                <a:spAutoFit/>
+              </a:bodyPr>
+              <a:lstStyle/>
+              <a:p>
+                <a:pPr/>
+                <a14:m>
+                  <m:oMathPara xmlns:m="http://schemas.openxmlformats.org/officeDocument/2006/math">
+                    <m:oMathParaPr>
+                      <m:jc m:val="centerGroup"/>
+                    </m:oMathParaPr>
+                    <m:oMath xmlns:m="http://schemas.openxmlformats.org/officeDocument/2006/math">
+                      <m:r>
+                        <a:rPr lang="en-US" altLang="zh-CN" sz="1400" b="0" i="1" smtClean="0">
+                          <a:latin typeface="Cambria Math" panose="02040503050406030204" pitchFamily="18" charset="0"/>
+                        </a:rPr>
+                        <m:t>𝑇</m:t>
+                      </m:r>
+                    </m:oMath>
+                  </m:oMathPara>
+                </a14:m>
+                <a:endParaRPr lang="zh-CN" altLang="en-US" sz="1400" dirty="0"/>
+              </a:p>
+            </p:txBody>
+          </p:sp>
+        </mc:Choice>
+        <mc:Fallback>
+          <p:sp>
+            <p:nvSpPr>
+              <p:cNvPr id="69" name="文本框 68">
+                <a:extLst>
+                  <a:ext uri="{FF2B5EF4-FFF2-40B4-BE49-F238E27FC236}">
+                    <a16:creationId xmlns:a16="http://schemas.microsoft.com/office/drawing/2014/main" id="{04966052-55A4-4148-AB5B-7B1210A55CC8}"/>
+                  </a:ext>
+                </a:extLst>
+              </p:cNvPr>
+              <p:cNvSpPr txBox="1">
+                <a:spLocks noRot="1" noChangeAspect="1" noMove="1" noResize="1" noEditPoints="1" noAdjustHandles="1" noChangeArrowheads="1" noChangeShapeType="1" noTextEdit="1"/>
+              </p:cNvSpPr>
+              <p:nvPr/>
+            </p:nvSpPr>
+            <p:spPr>
+              <a:xfrm>
+                <a:off x="3980878" y="2616040"/>
+                <a:ext cx="582702" cy="307777"/>
+              </a:xfrm>
+              <a:prstGeom prst="rect">
+                <a:avLst/>
+              </a:prstGeom>
+              <a:blipFill>
+                <a:blip r:embed="rId18"/>
+                <a:stretch>
+                  <a:fillRect/>
+                </a:stretch>
+              </a:blipFill>
+            </p:spPr>
+            <p:txBody>
+              <a:bodyPr/>
+              <a:lstStyle/>
+              <a:p>
+                <a:r>
+                  <a:rPr lang="zh-CN" altLang="en-US">
+                    <a:noFill/>
+                  </a:rPr>
+                  <a:t> </a:t>
+                </a:r>
+              </a:p>
+            </p:txBody>
+          </p:sp>
+        </mc:Fallback>
+      </mc:AlternateContent>
+      <mc:AlternateContent xmlns:mc="http://schemas.openxmlformats.org/markup-compatibility/2006">
+        <mc:Choice xmlns:a14="http://schemas.microsoft.com/office/drawing/2010/main" Requires="a14">
+          <p:sp>
+            <p:nvSpPr>
+              <p:cNvPr id="70" name="文本框 69">
+                <a:extLst>
+                  <a:ext uri="{FF2B5EF4-FFF2-40B4-BE49-F238E27FC236}">
+                    <a16:creationId xmlns:a16="http://schemas.microsoft.com/office/drawing/2014/main" id="{D300A8AC-BEA8-4DA6-8260-5C8FB00206F4}"/>
+                  </a:ext>
+                </a:extLst>
+              </p:cNvPr>
+              <p:cNvSpPr txBox="1"/>
+              <p:nvPr/>
+            </p:nvSpPr>
+            <p:spPr>
+              <a:xfrm>
+                <a:off x="5704983" y="2616040"/>
+                <a:ext cx="582702" cy="307777"/>
+              </a:xfrm>
+              <a:prstGeom prst="rect">
+                <a:avLst/>
+              </a:prstGeom>
+              <a:noFill/>
+            </p:spPr>
+            <p:txBody>
+              <a:bodyPr wrap="square" rtlCol="0">
+                <a:spAutoFit/>
+              </a:bodyPr>
+              <a:lstStyle/>
+              <a:p>
+                <a:pPr/>
+                <a14:m>
+                  <m:oMathPara xmlns:m="http://schemas.openxmlformats.org/officeDocument/2006/math">
+                    <m:oMathParaPr>
+                      <m:jc m:val="centerGroup"/>
+                    </m:oMathParaPr>
+                    <m:oMath xmlns:m="http://schemas.openxmlformats.org/officeDocument/2006/math">
+                      <m:r>
+                        <a:rPr lang="en-US" altLang="zh-CN" sz="1400" b="0" i="1" smtClean="0">
+                          <a:latin typeface="Cambria Math" panose="02040503050406030204" pitchFamily="18" charset="0"/>
+                        </a:rPr>
+                        <m:t>𝑇</m:t>
+                      </m:r>
+                    </m:oMath>
+                  </m:oMathPara>
+                </a14:m>
+                <a:endParaRPr lang="zh-CN" altLang="en-US" sz="1400" dirty="0"/>
+              </a:p>
+            </p:txBody>
+          </p:sp>
+        </mc:Choice>
+        <mc:Fallback>
+          <p:sp>
+            <p:nvSpPr>
+              <p:cNvPr id="70" name="文本框 69">
+                <a:extLst>
+                  <a:ext uri="{FF2B5EF4-FFF2-40B4-BE49-F238E27FC236}">
+                    <a16:creationId xmlns:a16="http://schemas.microsoft.com/office/drawing/2014/main" id="{D300A8AC-BEA8-4DA6-8260-5C8FB00206F4}"/>
+                  </a:ext>
+                </a:extLst>
+              </p:cNvPr>
+              <p:cNvSpPr txBox="1">
+                <a:spLocks noRot="1" noChangeAspect="1" noMove="1" noResize="1" noEditPoints="1" noAdjustHandles="1" noChangeArrowheads="1" noChangeShapeType="1" noTextEdit="1"/>
+              </p:cNvSpPr>
+              <p:nvPr/>
+            </p:nvSpPr>
+            <p:spPr>
+              <a:xfrm>
+                <a:off x="5704983" y="2616040"/>
+                <a:ext cx="582702" cy="307777"/>
+              </a:xfrm>
+              <a:prstGeom prst="rect">
+                <a:avLst/>
+              </a:prstGeom>
+              <a:blipFill>
+                <a:blip r:embed="rId19"/>
+                <a:stretch>
+                  <a:fillRect/>
+                </a:stretch>
+              </a:blipFill>
+            </p:spPr>
+            <p:txBody>
+              <a:bodyPr/>
+              <a:lstStyle/>
+              <a:p>
+                <a:r>
+                  <a:rPr lang="zh-CN" altLang="en-US">
+                    <a:noFill/>
+                  </a:rPr>
+                  <a:t> </a:t>
+                </a:r>
+              </a:p>
+            </p:txBody>
+          </p:sp>
+        </mc:Fallback>
+      </mc:AlternateContent>
+      <mc:AlternateContent xmlns:mc="http://schemas.openxmlformats.org/markup-compatibility/2006">
+        <mc:Choice xmlns:a14="http://schemas.microsoft.com/office/drawing/2010/main" Requires="a14">
+          <p:sp>
+            <p:nvSpPr>
+              <p:cNvPr id="71" name="文本框 70">
+                <a:extLst>
+                  <a:ext uri="{FF2B5EF4-FFF2-40B4-BE49-F238E27FC236}">
+                    <a16:creationId xmlns:a16="http://schemas.microsoft.com/office/drawing/2014/main" id="{2196187F-F3A9-4AF5-8EF8-6E00BE9D3A42}"/>
+                  </a:ext>
+                </a:extLst>
+              </p:cNvPr>
+              <p:cNvSpPr txBox="1"/>
+              <p:nvPr/>
+            </p:nvSpPr>
+            <p:spPr>
+              <a:xfrm>
+                <a:off x="5704983" y="4294054"/>
+                <a:ext cx="582702" cy="307777"/>
+              </a:xfrm>
+              <a:prstGeom prst="rect">
+                <a:avLst/>
+              </a:prstGeom>
+              <a:noFill/>
+            </p:spPr>
+            <p:txBody>
+              <a:bodyPr wrap="square" rtlCol="0">
+                <a:spAutoFit/>
+              </a:bodyPr>
+              <a:lstStyle/>
+              <a:p>
+                <a:pPr/>
+                <a14:m>
+                  <m:oMathPara xmlns:m="http://schemas.openxmlformats.org/officeDocument/2006/math">
+                    <m:oMathParaPr>
+                      <m:jc m:val="centerGroup"/>
+                    </m:oMathParaPr>
+                    <m:oMath xmlns:m="http://schemas.openxmlformats.org/officeDocument/2006/math">
+                      <m:r>
+                        <a:rPr lang="en-US" altLang="zh-CN" sz="1400" b="0" i="1" smtClean="0">
+                          <a:latin typeface="Cambria Math" panose="02040503050406030204" pitchFamily="18" charset="0"/>
+                        </a:rPr>
+                        <m:t>𝑇</m:t>
+                      </m:r>
+                    </m:oMath>
+                  </m:oMathPara>
+                </a14:m>
+                <a:endParaRPr lang="zh-CN" altLang="en-US" sz="1400" dirty="0"/>
+              </a:p>
+            </p:txBody>
+          </p:sp>
+        </mc:Choice>
+        <mc:Fallback>
+          <p:sp>
+            <p:nvSpPr>
+              <p:cNvPr id="71" name="文本框 70">
+                <a:extLst>
+                  <a:ext uri="{FF2B5EF4-FFF2-40B4-BE49-F238E27FC236}">
+                    <a16:creationId xmlns:a16="http://schemas.microsoft.com/office/drawing/2014/main" id="{2196187F-F3A9-4AF5-8EF8-6E00BE9D3A42}"/>
+                  </a:ext>
+                </a:extLst>
+              </p:cNvPr>
+              <p:cNvSpPr txBox="1">
+                <a:spLocks noRot="1" noChangeAspect="1" noMove="1" noResize="1" noEditPoints="1" noAdjustHandles="1" noChangeArrowheads="1" noChangeShapeType="1" noTextEdit="1"/>
+              </p:cNvSpPr>
+              <p:nvPr/>
+            </p:nvSpPr>
+            <p:spPr>
+              <a:xfrm>
+                <a:off x="5704983" y="4294054"/>
+                <a:ext cx="582702" cy="307777"/>
+              </a:xfrm>
+              <a:prstGeom prst="rect">
+                <a:avLst/>
+              </a:prstGeom>
+              <a:blipFill>
+                <a:blip r:embed="rId19"/>
+                <a:stretch>
+                  <a:fillRect/>
+                </a:stretch>
+              </a:blipFill>
+            </p:spPr>
+            <p:txBody>
+              <a:bodyPr/>
+              <a:lstStyle/>
+              <a:p>
+                <a:r>
+                  <a:rPr lang="zh-CN" altLang="en-US">
+                    <a:noFill/>
+                  </a:rPr>
+                  <a:t> </a:t>
+                </a:r>
+              </a:p>
+            </p:txBody>
+          </p:sp>
+        </mc:Fallback>
+      </mc:AlternateContent>
+      <mc:AlternateContent xmlns:mc="http://schemas.openxmlformats.org/markup-compatibility/2006">
+        <mc:Choice xmlns:a14="http://schemas.microsoft.com/office/drawing/2010/main" Requires="a14">
+          <p:sp>
+            <p:nvSpPr>
+              <p:cNvPr id="72" name="文本框 71">
+                <a:extLst>
+                  <a:ext uri="{FF2B5EF4-FFF2-40B4-BE49-F238E27FC236}">
+                    <a16:creationId xmlns:a16="http://schemas.microsoft.com/office/drawing/2014/main" id="{091BCB52-F07E-465B-908E-0B415BBABFCF}"/>
+                  </a:ext>
+                </a:extLst>
+              </p:cNvPr>
+              <p:cNvSpPr txBox="1"/>
+              <p:nvPr/>
+            </p:nvSpPr>
+            <p:spPr>
+              <a:xfrm>
+                <a:off x="3980878" y="4294054"/>
+                <a:ext cx="582702" cy="307777"/>
+              </a:xfrm>
+              <a:prstGeom prst="rect">
+                <a:avLst/>
+              </a:prstGeom>
+              <a:noFill/>
+            </p:spPr>
+            <p:txBody>
+              <a:bodyPr wrap="square" rtlCol="0">
+                <a:spAutoFit/>
+              </a:bodyPr>
+              <a:lstStyle/>
+              <a:p>
+                <a:pPr/>
+                <a14:m>
+                  <m:oMathPara xmlns:m="http://schemas.openxmlformats.org/officeDocument/2006/math">
+                    <m:oMathParaPr>
+                      <m:jc m:val="centerGroup"/>
+                    </m:oMathParaPr>
+                    <m:oMath xmlns:m="http://schemas.openxmlformats.org/officeDocument/2006/math">
+                      <m:r>
+                        <a:rPr lang="en-US" altLang="zh-CN" sz="1400" b="0" i="1" smtClean="0">
+                          <a:latin typeface="Cambria Math" panose="02040503050406030204" pitchFamily="18" charset="0"/>
+                        </a:rPr>
+                        <m:t>𝑇</m:t>
+                      </m:r>
+                    </m:oMath>
+                  </m:oMathPara>
+                </a14:m>
+                <a:endParaRPr lang="zh-CN" altLang="en-US" sz="1400" dirty="0"/>
+              </a:p>
+            </p:txBody>
+          </p:sp>
+        </mc:Choice>
+        <mc:Fallback>
+          <p:sp>
+            <p:nvSpPr>
+              <p:cNvPr id="72" name="文本框 71">
+                <a:extLst>
+                  <a:ext uri="{FF2B5EF4-FFF2-40B4-BE49-F238E27FC236}">
+                    <a16:creationId xmlns:a16="http://schemas.microsoft.com/office/drawing/2014/main" id="{091BCB52-F07E-465B-908E-0B415BBABFCF}"/>
+                  </a:ext>
+                </a:extLst>
+              </p:cNvPr>
+              <p:cNvSpPr txBox="1">
+                <a:spLocks noRot="1" noChangeAspect="1" noMove="1" noResize="1" noEditPoints="1" noAdjustHandles="1" noChangeArrowheads="1" noChangeShapeType="1" noTextEdit="1"/>
+              </p:cNvSpPr>
+              <p:nvPr/>
+            </p:nvSpPr>
+            <p:spPr>
+              <a:xfrm>
+                <a:off x="3980878" y="4294054"/>
+                <a:ext cx="582702" cy="307777"/>
+              </a:xfrm>
+              <a:prstGeom prst="rect">
+                <a:avLst/>
+              </a:prstGeom>
+              <a:blipFill>
+                <a:blip r:embed="rId18"/>
+                <a:stretch>
+                  <a:fillRect/>
+                </a:stretch>
+              </a:blipFill>
+            </p:spPr>
+            <p:txBody>
+              <a:bodyPr/>
+              <a:lstStyle/>
+              <a:p>
+                <a:r>
+                  <a:rPr lang="zh-CN" altLang="en-US">
+                    <a:noFill/>
+                  </a:rPr>
+                  <a:t> </a:t>
+                </a:r>
+              </a:p>
+            </p:txBody>
+          </p:sp>
+        </mc:Fallback>
+      </mc:AlternateContent>
+      <p:cxnSp>
+        <p:nvCxnSpPr>
+          <p:cNvPr id="73" name="直接连接符 72">
+            <a:extLst>
+              <a:ext uri="{FF2B5EF4-FFF2-40B4-BE49-F238E27FC236}">
+                <a16:creationId xmlns:a16="http://schemas.microsoft.com/office/drawing/2014/main" id="{9CC6E3C3-82A7-4E1E-9F56-961728AB930C}"/>
+              </a:ext>
+            </a:extLst>
+          </p:cNvPr>
+          <p:cNvCxnSpPr>
+            <a:cxnSpLocks/>
+          </p:cNvCxnSpPr>
+          <p:nvPr/>
+        </p:nvCxnSpPr>
+        <p:spPr>
+          <a:xfrm>
+            <a:off x="6808939" y="3070965"/>
+            <a:ext cx="1106906" cy="0"/>
+          </a:xfrm>
+          <a:prstGeom prst="line">
+            <a:avLst/>
+          </a:prstGeom>
+          <a:ln w="28575">
+            <a:solidFill>
+              <a:schemeClr val="tx1"/>
+            </a:solidFill>
+            <a:headEnd type="none" w="med" len="med"/>
+            <a:tailEnd type="triangle" w="med" len="med"/>
+          </a:ln>
+        </p:spPr>
+        <p:style>
+          <a:lnRef idx="1">
+            <a:schemeClr val="accent1"/>
+          </a:lnRef>
+          <a:fillRef idx="0">
+            <a:schemeClr val="accent1"/>
+          </a:fillRef>
+          <a:effectRef idx="0">
+            <a:schemeClr val="accent1"/>
+          </a:effectRef>
+          <a:fontRef idx="minor">
+            <a:schemeClr val="tx1"/>
+          </a:fontRef>
+        </p:style>
+      </p:cxnSp>
+      <p:cxnSp>
+        <p:nvCxnSpPr>
+          <p:cNvPr id="74" name="直接连接符 73">
+            <a:extLst>
+              <a:ext uri="{FF2B5EF4-FFF2-40B4-BE49-F238E27FC236}">
+                <a16:creationId xmlns:a16="http://schemas.microsoft.com/office/drawing/2014/main" id="{7814B094-89BB-40D9-9A3C-D92771AED0E3}"/>
+              </a:ext>
+            </a:extLst>
+          </p:cNvPr>
+          <p:cNvCxnSpPr>
+            <a:cxnSpLocks/>
+          </p:cNvCxnSpPr>
+          <p:nvPr/>
+        </p:nvCxnSpPr>
+        <p:spPr>
+          <a:xfrm flipV="1">
+            <a:off x="6816959" y="2010318"/>
+            <a:ext cx="0" cy="1060648"/>
+          </a:xfrm>
+          <a:prstGeom prst="line">
+            <a:avLst/>
+          </a:prstGeom>
+          <a:ln w="28575">
+            <a:solidFill>
+              <a:schemeClr val="tx1"/>
+            </a:solidFill>
+            <a:headEnd type="none" w="med" len="med"/>
+            <a:tailEnd type="triangle" w="med" len="med"/>
+          </a:ln>
+        </p:spPr>
+        <p:style>
+          <a:lnRef idx="1">
+            <a:schemeClr val="accent1"/>
+          </a:lnRef>
+          <a:fillRef idx="0">
+            <a:schemeClr val="accent1"/>
+          </a:fillRef>
+          <a:effectRef idx="0">
+            <a:schemeClr val="accent1"/>
+          </a:effectRef>
+          <a:fontRef idx="minor">
+            <a:schemeClr val="tx1"/>
+          </a:fontRef>
+        </p:style>
+      </p:cxnSp>
+      <p:cxnSp>
+        <p:nvCxnSpPr>
+          <p:cNvPr id="75" name="直接箭头连接符 74">
+            <a:extLst>
+              <a:ext uri="{FF2B5EF4-FFF2-40B4-BE49-F238E27FC236}">
+                <a16:creationId xmlns:a16="http://schemas.microsoft.com/office/drawing/2014/main" id="{01A50EAD-7944-47B0-9E3A-5E7F9DE4FDC6}"/>
+              </a:ext>
+            </a:extLst>
+          </p:cNvPr>
+          <p:cNvCxnSpPr>
+            <a:cxnSpLocks/>
+          </p:cNvCxnSpPr>
+          <p:nvPr/>
+        </p:nvCxnSpPr>
+        <p:spPr>
+          <a:xfrm flipV="1">
+            <a:off x="7064613" y="2270617"/>
+            <a:ext cx="0" cy="800348"/>
+          </a:xfrm>
+          <a:prstGeom prst="straightConnector1">
+            <a:avLst/>
+          </a:prstGeom>
+          <a:ln w="57150">
+            <a:solidFill>
+              <a:srgbClr val="C00000"/>
+            </a:solidFill>
+            <a:tailEnd type="triangle"/>
+          </a:ln>
+        </p:spPr>
+        <p:style>
+          <a:lnRef idx="1">
+            <a:schemeClr val="accent1"/>
+          </a:lnRef>
+          <a:fillRef idx="0">
+            <a:schemeClr val="accent1"/>
+          </a:fillRef>
+          <a:effectRef idx="0">
+            <a:schemeClr val="accent1"/>
+          </a:effectRef>
+          <a:fontRef idx="minor">
+            <a:schemeClr val="tx1"/>
+          </a:fontRef>
+        </p:style>
+      </p:cxnSp>
+      <mc:AlternateContent xmlns:mc="http://schemas.openxmlformats.org/markup-compatibility/2006">
+        <mc:Choice xmlns:a14="http://schemas.microsoft.com/office/drawing/2010/main" Requires="a14">
+          <p:sp>
+            <p:nvSpPr>
+              <p:cNvPr id="76" name="文本框 75">
+                <a:extLst>
+                  <a:ext uri="{FF2B5EF4-FFF2-40B4-BE49-F238E27FC236}">
+                    <a16:creationId xmlns:a16="http://schemas.microsoft.com/office/drawing/2014/main" id="{3A05F60E-CE71-4791-BD05-51EEA4802C91}"/>
+                  </a:ext>
+                </a:extLst>
+              </p:cNvPr>
+              <p:cNvSpPr txBox="1"/>
+              <p:nvPr/>
+            </p:nvSpPr>
+            <p:spPr>
+              <a:xfrm>
+                <a:off x="6745435" y="3078553"/>
+                <a:ext cx="342709" cy="312269"/>
+              </a:xfrm>
+              <a:prstGeom prst="rect">
+                <a:avLst/>
+              </a:prstGeom>
+              <a:noFill/>
+            </p:spPr>
+            <p:txBody>
+              <a:bodyPr wrap="square" rtlCol="0">
+                <a:spAutoFit/>
+              </a:bodyPr>
+              <a:lstStyle/>
+              <a:p>
+                <a:pPr/>
+                <a14:m>
+                  <m:oMathPara xmlns:m="http://schemas.openxmlformats.org/officeDocument/2006/math">
+                    <m:oMathParaPr>
+                      <m:jc m:val="centerGroup"/>
+                    </m:oMathParaPr>
+                    <m:oMath xmlns:m="http://schemas.openxmlformats.org/officeDocument/2006/math">
+                      <m:r>
+                        <a:rPr lang="en-US" altLang="zh-CN" sz="1600" b="0" i="1" smtClean="0">
+                          <a:latin typeface="Cambria Math" panose="02040503050406030204" pitchFamily="18" charset="0"/>
+                        </a:rPr>
+                        <m:t>0</m:t>
+                      </m:r>
+                    </m:oMath>
+                  </m:oMathPara>
+                </a14:m>
+                <a:endParaRPr lang="zh-CN" altLang="en-US" sz="1600" dirty="0"/>
+              </a:p>
+            </p:txBody>
+          </p:sp>
+        </mc:Choice>
+        <mc:Fallback>
+          <p:sp>
+            <p:nvSpPr>
+              <p:cNvPr id="76" name="文本框 75">
+                <a:extLst>
+                  <a:ext uri="{FF2B5EF4-FFF2-40B4-BE49-F238E27FC236}">
+                    <a16:creationId xmlns:a16="http://schemas.microsoft.com/office/drawing/2014/main" id="{3A05F60E-CE71-4791-BD05-51EEA4802C91}"/>
+                  </a:ext>
+                </a:extLst>
+              </p:cNvPr>
+              <p:cNvSpPr txBox="1">
+                <a:spLocks noRot="1" noChangeAspect="1" noMove="1" noResize="1" noEditPoints="1" noAdjustHandles="1" noChangeArrowheads="1" noChangeShapeType="1" noTextEdit="1"/>
+              </p:cNvSpPr>
+              <p:nvPr/>
+            </p:nvSpPr>
+            <p:spPr>
+              <a:xfrm>
+                <a:off x="6745435" y="3078553"/>
+                <a:ext cx="342709" cy="312269"/>
+              </a:xfrm>
+              <a:prstGeom prst="rect">
+                <a:avLst/>
+              </a:prstGeom>
+              <a:blipFill>
+                <a:blip r:embed="rId20"/>
+                <a:stretch>
+                  <a:fillRect/>
+                </a:stretch>
+              </a:blipFill>
+            </p:spPr>
+            <p:txBody>
+              <a:bodyPr/>
+              <a:lstStyle/>
+              <a:p>
+                <a:r>
+                  <a:rPr lang="zh-CN" altLang="en-US">
+                    <a:noFill/>
+                  </a:rPr>
+                  <a:t> </a:t>
+                </a:r>
+              </a:p>
+            </p:txBody>
+          </p:sp>
+        </mc:Fallback>
+      </mc:AlternateContent>
+      <mc:AlternateContent xmlns:mc="http://schemas.openxmlformats.org/markup-compatibility/2006">
+        <mc:Choice xmlns:a14="http://schemas.microsoft.com/office/drawing/2010/main" Requires="a14">
+          <p:sp>
+            <p:nvSpPr>
+              <p:cNvPr id="77" name="文本框 76">
+                <a:extLst>
+                  <a:ext uri="{FF2B5EF4-FFF2-40B4-BE49-F238E27FC236}">
+                    <a16:creationId xmlns:a16="http://schemas.microsoft.com/office/drawing/2014/main" id="{419F6487-4307-4350-8FCF-E9C3C14654EA}"/>
+                  </a:ext>
+                </a:extLst>
+              </p:cNvPr>
+              <p:cNvSpPr txBox="1"/>
+              <p:nvPr/>
+            </p:nvSpPr>
+            <p:spPr>
+              <a:xfrm>
+                <a:off x="7750098" y="2999544"/>
+                <a:ext cx="582702" cy="340657"/>
+              </a:xfrm>
+              <a:prstGeom prst="rect">
+                <a:avLst/>
+              </a:prstGeom>
+              <a:noFill/>
+            </p:spPr>
+            <p:txBody>
+              <a:bodyPr wrap="square" rtlCol="0">
+                <a:spAutoFit/>
+              </a:bodyPr>
+              <a:lstStyle/>
+              <a:p>
+                <a:pPr/>
+                <a14:m>
+                  <m:oMathPara xmlns:m="http://schemas.openxmlformats.org/officeDocument/2006/math">
+                    <m:oMathParaPr>
+                      <m:jc m:val="centerGroup"/>
+                    </m:oMathParaPr>
+                    <m:oMath xmlns:m="http://schemas.openxmlformats.org/officeDocument/2006/math">
+                      <m:r>
+                        <a:rPr lang="en-US" altLang="zh-CN" b="1" i="1" smtClean="0">
+                          <a:latin typeface="Cambria Math" panose="02040503050406030204" pitchFamily="18" charset="0"/>
+                        </a:rPr>
+                        <m:t>𝒇</m:t>
+                      </m:r>
+                    </m:oMath>
+                  </m:oMathPara>
+                </a14:m>
+                <a:endParaRPr lang="zh-CN" altLang="en-US" b="1" dirty="0"/>
+              </a:p>
+            </p:txBody>
+          </p:sp>
+        </mc:Choice>
+        <mc:Fallback>
+          <p:sp>
+            <p:nvSpPr>
+              <p:cNvPr id="77" name="文本框 76">
+                <a:extLst>
+                  <a:ext uri="{FF2B5EF4-FFF2-40B4-BE49-F238E27FC236}">
+                    <a16:creationId xmlns:a16="http://schemas.microsoft.com/office/drawing/2014/main" id="{419F6487-4307-4350-8FCF-E9C3C14654EA}"/>
+                  </a:ext>
+                </a:extLst>
+              </p:cNvPr>
+              <p:cNvSpPr txBox="1">
+                <a:spLocks noRot="1" noChangeAspect="1" noMove="1" noResize="1" noEditPoints="1" noAdjustHandles="1" noChangeArrowheads="1" noChangeShapeType="1" noTextEdit="1"/>
+              </p:cNvSpPr>
+              <p:nvPr/>
+            </p:nvSpPr>
+            <p:spPr>
+              <a:xfrm>
+                <a:off x="7750098" y="2999544"/>
+                <a:ext cx="582702" cy="340657"/>
+              </a:xfrm>
+              <a:prstGeom prst="rect">
+                <a:avLst/>
+              </a:prstGeom>
+              <a:blipFill>
+                <a:blip r:embed="rId21"/>
+                <a:stretch>
+                  <a:fillRect b="-23214"/>
+                </a:stretch>
+              </a:blipFill>
+            </p:spPr>
+            <p:txBody>
+              <a:bodyPr/>
+              <a:lstStyle/>
+              <a:p>
+                <a:r>
+                  <a:rPr lang="zh-CN" altLang="en-US">
+                    <a:noFill/>
+                  </a:rPr>
+                  <a:t> </a:t>
+                </a:r>
+              </a:p>
+            </p:txBody>
+          </p:sp>
+        </mc:Fallback>
+      </mc:AlternateContent>
+      <p:sp>
+        <p:nvSpPr>
+          <p:cNvPr id="78" name="文本框 77">
+            <a:extLst>
+              <a:ext uri="{FF2B5EF4-FFF2-40B4-BE49-F238E27FC236}">
+                <a16:creationId xmlns:a16="http://schemas.microsoft.com/office/drawing/2014/main" id="{62C5EA96-19FD-4F9E-842D-E48644DE41F6}"/>
+              </a:ext>
+            </a:extLst>
+          </p:cNvPr>
+          <p:cNvSpPr txBox="1"/>
+          <p:nvPr/>
+        </p:nvSpPr>
+        <p:spPr>
+          <a:xfrm>
+            <a:off x="6204027" y="2237802"/>
+            <a:ext cx="657785" cy="338554"/>
+          </a:xfrm>
+          <a:prstGeom prst="rect">
+            <a:avLst/>
+          </a:prstGeom>
+          <a:noFill/>
+        </p:spPr>
+        <p:txBody>
+          <a:bodyPr wrap="square" rtlCol="0">
+            <a:spAutoFit/>
+          </a:bodyPr>
+          <a:lstStyle/>
+          <a:p>
+            <a:r>
+              <a:rPr lang="en-US" altLang="zh-CN" sz="1600" b="1" i="1" dirty="0">
+                <a:latin typeface="Times New Roman" panose="02020603050405020304" pitchFamily="18" charset="0"/>
+                <a:ea typeface="华文中宋" panose="02010600040101010101" pitchFamily="2" charset="-122"/>
+                <a:cs typeface="Times New Roman" panose="02020603050405020304" pitchFamily="18" charset="0"/>
+              </a:rPr>
+              <a:t>FFT</a:t>
+            </a:r>
+            <a:endParaRPr lang="zh-CN" altLang="en-US" sz="1600" b="1" i="1" dirty="0">
+              <a:latin typeface="Times New Roman" panose="02020603050405020304" pitchFamily="18" charset="0"/>
+              <a:ea typeface="华文中宋" panose="02010600040101010101" pitchFamily="2" charset="-122"/>
+              <a:cs typeface="Times New Roman" panose="02020603050405020304" pitchFamily="18" charset="0"/>
+            </a:endParaRPr>
+          </a:p>
+        </p:txBody>
+      </p:sp>
+      <p:sp>
+        <p:nvSpPr>
+          <p:cNvPr id="79" name="文本框 78">
+            <a:extLst>
+              <a:ext uri="{FF2B5EF4-FFF2-40B4-BE49-F238E27FC236}">
+                <a16:creationId xmlns:a16="http://schemas.microsoft.com/office/drawing/2014/main" id="{BEFC3AF9-391C-478B-9CC3-A14550926289}"/>
+              </a:ext>
+            </a:extLst>
+          </p:cNvPr>
+          <p:cNvSpPr txBox="1"/>
+          <p:nvPr/>
+        </p:nvSpPr>
+        <p:spPr>
+          <a:xfrm>
+            <a:off x="6204027" y="3904704"/>
+            <a:ext cx="657785" cy="338554"/>
+          </a:xfrm>
+          <a:prstGeom prst="rect">
+            <a:avLst/>
+          </a:prstGeom>
+          <a:noFill/>
+        </p:spPr>
+        <p:txBody>
+          <a:bodyPr wrap="square" rtlCol="0">
+            <a:spAutoFit/>
+          </a:bodyPr>
+          <a:lstStyle/>
+          <a:p>
+            <a:r>
+              <a:rPr lang="en-US" altLang="zh-CN" sz="1600" b="1" i="1" dirty="0">
+                <a:latin typeface="Times New Roman" panose="02020603050405020304" pitchFamily="18" charset="0"/>
+                <a:ea typeface="华文中宋" panose="02010600040101010101" pitchFamily="2" charset="-122"/>
+                <a:cs typeface="Times New Roman" panose="02020603050405020304" pitchFamily="18" charset="0"/>
+              </a:rPr>
+              <a:t>FFT</a:t>
+            </a:r>
+            <a:endParaRPr lang="zh-CN" altLang="en-US" sz="1600" b="1" i="1" dirty="0">
+              <a:latin typeface="Times New Roman" panose="02020603050405020304" pitchFamily="18" charset="0"/>
+              <a:ea typeface="华文中宋" panose="02010600040101010101" pitchFamily="2" charset="-122"/>
+              <a:cs typeface="Times New Roman" panose="02020603050405020304" pitchFamily="18" charset="0"/>
+            </a:endParaRPr>
+          </a:p>
+        </p:txBody>
+      </p:sp>
+      <mc:AlternateContent xmlns:mc="http://schemas.openxmlformats.org/markup-compatibility/2006">
+        <mc:Choice xmlns:a14="http://schemas.microsoft.com/office/drawing/2010/main" Requires="a14">
+          <p:sp>
+            <p:nvSpPr>
+              <p:cNvPr id="80" name="文本框 79">
+                <a:extLst>
+                  <a:ext uri="{FF2B5EF4-FFF2-40B4-BE49-F238E27FC236}">
+                    <a16:creationId xmlns:a16="http://schemas.microsoft.com/office/drawing/2014/main" id="{2991584D-AC07-4293-95AE-E92DF3D00C26}"/>
+                  </a:ext>
+                </a:extLst>
+              </p:cNvPr>
+              <p:cNvSpPr txBox="1"/>
+              <p:nvPr/>
+            </p:nvSpPr>
+            <p:spPr>
+              <a:xfrm>
+                <a:off x="6348944" y="1731446"/>
+                <a:ext cx="582702" cy="338554"/>
+              </a:xfrm>
+              <a:prstGeom prst="rect">
+                <a:avLst/>
+              </a:prstGeom>
+              <a:noFill/>
+            </p:spPr>
+            <p:txBody>
+              <a:bodyPr wrap="square" rtlCol="0">
+                <a:spAutoFit/>
+              </a:bodyPr>
+              <a:lstStyle/>
+              <a:p>
+                <a:pPr/>
+                <a14:m>
+                  <m:oMathPara xmlns:m="http://schemas.openxmlformats.org/officeDocument/2006/math">
+                    <m:oMathParaPr>
+                      <m:jc m:val="centerGroup"/>
+                    </m:oMathParaPr>
+                    <m:oMath xmlns:m="http://schemas.openxmlformats.org/officeDocument/2006/math">
+                      <m:r>
+                        <a:rPr lang="en-US" altLang="zh-CN" sz="1600" b="1" i="1" smtClean="0">
+                          <a:latin typeface="Cambria Math" panose="02040503050406030204" pitchFamily="18" charset="0"/>
+                        </a:rPr>
+                        <m:t>𝑨</m:t>
+                      </m:r>
+                    </m:oMath>
+                  </m:oMathPara>
+                </a14:m>
+                <a:endParaRPr lang="zh-CN" altLang="en-US" sz="1600" b="1" dirty="0"/>
+              </a:p>
+            </p:txBody>
+          </p:sp>
+        </mc:Choice>
+        <mc:Fallback>
+          <p:sp>
+            <p:nvSpPr>
+              <p:cNvPr id="80" name="文本框 79">
+                <a:extLst>
+                  <a:ext uri="{FF2B5EF4-FFF2-40B4-BE49-F238E27FC236}">
+                    <a16:creationId xmlns:a16="http://schemas.microsoft.com/office/drawing/2014/main" id="{2991584D-AC07-4293-95AE-E92DF3D00C26}"/>
+                  </a:ext>
+                </a:extLst>
+              </p:cNvPr>
+              <p:cNvSpPr txBox="1">
+                <a:spLocks noRot="1" noChangeAspect="1" noMove="1" noResize="1" noEditPoints="1" noAdjustHandles="1" noChangeArrowheads="1" noChangeShapeType="1" noTextEdit="1"/>
+              </p:cNvSpPr>
+              <p:nvPr/>
+            </p:nvSpPr>
+            <p:spPr>
+              <a:xfrm>
+                <a:off x="6348944" y="1731446"/>
+                <a:ext cx="582702" cy="338554"/>
+              </a:xfrm>
+              <a:prstGeom prst="rect">
+                <a:avLst/>
+              </a:prstGeom>
+              <a:blipFill>
+                <a:blip r:embed="rId22"/>
+                <a:stretch>
+                  <a:fillRect/>
+                </a:stretch>
+              </a:blipFill>
+            </p:spPr>
+            <p:txBody>
+              <a:bodyPr/>
+              <a:lstStyle/>
+              <a:p>
+                <a:r>
+                  <a:rPr lang="zh-CN" altLang="en-US">
+                    <a:noFill/>
+                  </a:rPr>
+                  <a:t> </a:t>
+                </a:r>
+              </a:p>
+            </p:txBody>
+          </p:sp>
+        </mc:Fallback>
+      </mc:AlternateContent>
+      <mc:AlternateContent xmlns:mc="http://schemas.openxmlformats.org/markup-compatibility/2006">
+        <mc:Choice xmlns:a14="http://schemas.microsoft.com/office/drawing/2010/main" Requires="a14">
+          <p:sp>
+            <p:nvSpPr>
+              <p:cNvPr id="81" name="文本框 80">
+                <a:extLst>
+                  <a:ext uri="{FF2B5EF4-FFF2-40B4-BE49-F238E27FC236}">
+                    <a16:creationId xmlns:a16="http://schemas.microsoft.com/office/drawing/2014/main" id="{C639B3C2-F090-4931-9D0A-F06D2D7D0306}"/>
+                  </a:ext>
+                </a:extLst>
+              </p:cNvPr>
+              <p:cNvSpPr txBox="1"/>
+              <p:nvPr/>
+            </p:nvSpPr>
+            <p:spPr>
+              <a:xfrm>
+                <a:off x="6348944" y="3375948"/>
+                <a:ext cx="582702" cy="338554"/>
+              </a:xfrm>
+              <a:prstGeom prst="rect">
+                <a:avLst/>
+              </a:prstGeom>
+              <a:noFill/>
+            </p:spPr>
+            <p:txBody>
+              <a:bodyPr wrap="square" rtlCol="0">
+                <a:spAutoFit/>
+              </a:bodyPr>
+              <a:lstStyle/>
+              <a:p>
+                <a:pPr/>
+                <a14:m>
+                  <m:oMathPara xmlns:m="http://schemas.openxmlformats.org/officeDocument/2006/math">
+                    <m:oMathParaPr>
+                      <m:jc m:val="centerGroup"/>
+                    </m:oMathParaPr>
+                    <m:oMath xmlns:m="http://schemas.openxmlformats.org/officeDocument/2006/math">
+                      <m:r>
+                        <a:rPr lang="en-US" altLang="zh-CN" sz="1600" b="1" i="1" smtClean="0">
+                          <a:latin typeface="Cambria Math" panose="02040503050406030204" pitchFamily="18" charset="0"/>
+                        </a:rPr>
+                        <m:t>𝑨</m:t>
+                      </m:r>
+                    </m:oMath>
+                  </m:oMathPara>
+                </a14:m>
+                <a:endParaRPr lang="zh-CN" altLang="en-US" sz="1600" b="1" dirty="0"/>
+              </a:p>
+            </p:txBody>
+          </p:sp>
+        </mc:Choice>
+        <mc:Fallback>
+          <p:sp>
+            <p:nvSpPr>
+              <p:cNvPr id="81" name="文本框 80">
+                <a:extLst>
+                  <a:ext uri="{FF2B5EF4-FFF2-40B4-BE49-F238E27FC236}">
+                    <a16:creationId xmlns:a16="http://schemas.microsoft.com/office/drawing/2014/main" id="{C639B3C2-F090-4931-9D0A-F06D2D7D0306}"/>
+                  </a:ext>
+                </a:extLst>
+              </p:cNvPr>
+              <p:cNvSpPr txBox="1">
+                <a:spLocks noRot="1" noChangeAspect="1" noMove="1" noResize="1" noEditPoints="1" noAdjustHandles="1" noChangeArrowheads="1" noChangeShapeType="1" noTextEdit="1"/>
+              </p:cNvSpPr>
+              <p:nvPr/>
+            </p:nvSpPr>
+            <p:spPr>
+              <a:xfrm>
+                <a:off x="6348944" y="3375948"/>
+                <a:ext cx="582702" cy="338554"/>
+              </a:xfrm>
+              <a:prstGeom prst="rect">
+                <a:avLst/>
+              </a:prstGeom>
+              <a:blipFill>
+                <a:blip r:embed="rId23"/>
+                <a:stretch>
+                  <a:fillRect/>
+                </a:stretch>
+              </a:blipFill>
+            </p:spPr>
+            <p:txBody>
+              <a:bodyPr/>
+              <a:lstStyle/>
+              <a:p>
+                <a:r>
+                  <a:rPr lang="zh-CN" altLang="en-US">
+                    <a:noFill/>
+                  </a:rPr>
+                  <a:t> </a:t>
+                </a:r>
+              </a:p>
+            </p:txBody>
+          </p:sp>
+        </mc:Fallback>
+      </mc:AlternateContent>
+      <p:grpSp>
+        <p:nvGrpSpPr>
+          <p:cNvPr id="82" name="组合 81">
+            <a:extLst>
+              <a:ext uri="{FF2B5EF4-FFF2-40B4-BE49-F238E27FC236}">
+                <a16:creationId xmlns:a16="http://schemas.microsoft.com/office/drawing/2014/main" id="{A63FB4B1-779C-437D-AAB4-B6D9AE6B2BEB}"/>
+              </a:ext>
+            </a:extLst>
+          </p:cNvPr>
+          <p:cNvGrpSpPr/>
+          <p:nvPr/>
+        </p:nvGrpSpPr>
+        <p:grpSpPr>
+          <a:xfrm>
+            <a:off x="2888560" y="1298214"/>
+            <a:ext cx="1988947" cy="307777"/>
+            <a:chOff x="1194066" y="747692"/>
+            <a:chExt cx="1988947" cy="307777"/>
+          </a:xfrm>
+        </p:grpSpPr>
+        <p:cxnSp>
+          <p:nvCxnSpPr>
+            <p:cNvPr id="83" name="直接连接符 82">
+              <a:extLst>
+                <a:ext uri="{FF2B5EF4-FFF2-40B4-BE49-F238E27FC236}">
+                  <a16:creationId xmlns:a16="http://schemas.microsoft.com/office/drawing/2014/main" id="{14EB4F54-3171-4BFF-A156-FF7F363894ED}"/>
+                </a:ext>
+              </a:extLst>
+            </p:cNvPr>
+            <p:cNvCxnSpPr>
+              <a:cxnSpLocks/>
+            </p:cNvCxnSpPr>
+            <p:nvPr/>
+          </p:nvCxnSpPr>
+          <p:spPr>
+            <a:xfrm>
+              <a:off x="1194066" y="901580"/>
+              <a:ext cx="540000" cy="0"/>
+            </a:xfrm>
+            <a:prstGeom prst="line">
+              <a:avLst/>
+            </a:prstGeom>
+            <a:ln w="57150">
+              <a:solidFill>
+                <a:srgbClr val="C00000"/>
+              </a:solidFill>
+            </a:ln>
+          </p:spPr>
+          <p:style>
+            <a:lnRef idx="1">
+              <a:schemeClr val="accent1"/>
+            </a:lnRef>
+            <a:fillRef idx="0">
+              <a:schemeClr val="accent1"/>
+            </a:fillRef>
+            <a:effectRef idx="0">
+              <a:schemeClr val="accent1"/>
+            </a:effectRef>
+            <a:fontRef idx="minor">
+              <a:schemeClr val="tx1"/>
+            </a:fontRef>
+          </p:style>
+        </p:cxnSp>
+        <p:sp>
+          <p:nvSpPr>
+            <p:cNvPr id="84" name="文本框 83">
+              <a:extLst>
+                <a:ext uri="{FF2B5EF4-FFF2-40B4-BE49-F238E27FC236}">
+                  <a16:creationId xmlns:a16="http://schemas.microsoft.com/office/drawing/2014/main" id="{B662E890-C436-4F1E-9B42-728486560644}"/>
+                </a:ext>
+              </a:extLst>
+            </p:cNvPr>
+            <p:cNvSpPr txBox="1"/>
+            <p:nvPr/>
+          </p:nvSpPr>
+          <p:spPr>
+            <a:xfrm>
+              <a:off x="1817872" y="747692"/>
+              <a:ext cx="1365141" cy="307777"/>
+            </a:xfrm>
+            <a:prstGeom prst="rect">
+              <a:avLst/>
+            </a:prstGeom>
+            <a:noFill/>
+          </p:spPr>
+          <p:txBody>
+            <a:bodyPr wrap="square" rtlCol="0">
+              <a:spAutoFit/>
+            </a:bodyPr>
+            <a:lstStyle/>
+            <a:p>
+              <a:r>
+                <a:rPr lang="zh-CN" altLang="en-US" sz="1400" b="1" i="1" dirty="0">
+                  <a:latin typeface="Times New Roman" panose="02020603050405020304" pitchFamily="18" charset="0"/>
+                  <a:cs typeface="Times New Roman" panose="02020603050405020304" pitchFamily="18" charset="0"/>
+                </a:rPr>
+                <a:t>上啁啾符号</a:t>
+              </a:r>
+            </a:p>
+          </p:txBody>
+        </p:sp>
+      </p:grpSp>
+      <p:grpSp>
+        <p:nvGrpSpPr>
+          <p:cNvPr id="85" name="组合 84">
+            <a:extLst>
+              <a:ext uri="{FF2B5EF4-FFF2-40B4-BE49-F238E27FC236}">
+                <a16:creationId xmlns:a16="http://schemas.microsoft.com/office/drawing/2014/main" id="{AFA28677-B4FC-4E46-9A9E-77FBAFC947AC}"/>
+              </a:ext>
+            </a:extLst>
+          </p:cNvPr>
+          <p:cNvGrpSpPr/>
+          <p:nvPr/>
+        </p:nvGrpSpPr>
+        <p:grpSpPr>
+          <a:xfrm>
+            <a:off x="6640295" y="1298214"/>
+            <a:ext cx="2015832" cy="307777"/>
+            <a:chOff x="4776178" y="722166"/>
+            <a:chExt cx="2015832" cy="307777"/>
+          </a:xfrm>
+        </p:grpSpPr>
+        <p:cxnSp>
+          <p:nvCxnSpPr>
+            <p:cNvPr id="86" name="直接连接符 85">
+              <a:extLst>
+                <a:ext uri="{FF2B5EF4-FFF2-40B4-BE49-F238E27FC236}">
+                  <a16:creationId xmlns:a16="http://schemas.microsoft.com/office/drawing/2014/main" id="{D220C96B-D6D9-41BE-A5A4-94FB5A27145F}"/>
+                </a:ext>
+              </a:extLst>
+            </p:cNvPr>
+            <p:cNvCxnSpPr>
+              <a:cxnSpLocks/>
+            </p:cNvCxnSpPr>
+            <p:nvPr/>
+          </p:nvCxnSpPr>
+          <p:spPr>
+            <a:xfrm>
+              <a:off x="4776178" y="876054"/>
+              <a:ext cx="540000" cy="0"/>
+            </a:xfrm>
+            <a:prstGeom prst="line">
+              <a:avLst/>
+            </a:prstGeom>
+            <a:ln w="57150">
+              <a:solidFill>
+                <a:schemeClr val="bg1">
+                  <a:lumMod val="50000"/>
+                </a:schemeClr>
+              </a:solidFill>
+            </a:ln>
+          </p:spPr>
+          <p:style>
+            <a:lnRef idx="1">
+              <a:schemeClr val="accent1"/>
+            </a:lnRef>
+            <a:fillRef idx="0">
+              <a:schemeClr val="accent1"/>
+            </a:fillRef>
+            <a:effectRef idx="0">
+              <a:schemeClr val="accent1"/>
+            </a:effectRef>
+            <a:fontRef idx="minor">
+              <a:schemeClr val="tx1"/>
+            </a:fontRef>
+          </p:style>
+        </p:cxnSp>
+        <p:sp>
+          <p:nvSpPr>
+            <p:cNvPr id="87" name="文本框 86">
+              <a:extLst>
+                <a:ext uri="{FF2B5EF4-FFF2-40B4-BE49-F238E27FC236}">
+                  <a16:creationId xmlns:a16="http://schemas.microsoft.com/office/drawing/2014/main" id="{D5533F6A-4964-4981-9A74-F4F5A826C271}"/>
+                </a:ext>
+              </a:extLst>
+            </p:cNvPr>
+            <p:cNvSpPr txBox="1"/>
+            <p:nvPr/>
+          </p:nvSpPr>
+          <p:spPr>
+            <a:xfrm>
+              <a:off x="5399989" y="722166"/>
+              <a:ext cx="1392021" cy="307777"/>
+            </a:xfrm>
+            <a:prstGeom prst="rect">
+              <a:avLst/>
+            </a:prstGeom>
+            <a:noFill/>
+          </p:spPr>
+          <p:txBody>
+            <a:bodyPr wrap="square" rtlCol="0">
+              <a:spAutoFit/>
+            </a:bodyPr>
+            <a:lstStyle/>
+            <a:p>
+              <a:r>
+                <a:rPr lang="zh-CN" altLang="en-US" sz="1400" b="1" i="1" dirty="0">
+                  <a:latin typeface="Times New Roman" panose="02020603050405020304" pitchFamily="18" charset="0"/>
+                  <a:cs typeface="Times New Roman" panose="02020603050405020304" pitchFamily="18" charset="0"/>
+                </a:rPr>
+                <a:t>下啁啾符号</a:t>
+              </a:r>
+            </a:p>
+          </p:txBody>
+        </p:sp>
+      </p:grpSp>
+      <p:grpSp>
+        <p:nvGrpSpPr>
+          <p:cNvPr id="88" name="组合 87">
+            <a:extLst>
+              <a:ext uri="{FF2B5EF4-FFF2-40B4-BE49-F238E27FC236}">
+                <a16:creationId xmlns:a16="http://schemas.microsoft.com/office/drawing/2014/main" id="{DB43D5C2-9660-4322-9A72-21DA93C877D2}"/>
+              </a:ext>
+            </a:extLst>
+          </p:cNvPr>
+          <p:cNvGrpSpPr/>
+          <p:nvPr/>
+        </p:nvGrpSpPr>
+        <p:grpSpPr>
+          <a:xfrm>
+            <a:off x="4676643" y="1298214"/>
+            <a:ext cx="1860049" cy="307777"/>
+            <a:chOff x="3088023" y="736980"/>
+            <a:chExt cx="1860049" cy="307777"/>
+          </a:xfrm>
+        </p:grpSpPr>
+        <p:cxnSp>
+          <p:nvCxnSpPr>
+            <p:cNvPr id="89" name="直接连接符 88">
+              <a:extLst>
+                <a:ext uri="{FF2B5EF4-FFF2-40B4-BE49-F238E27FC236}">
+                  <a16:creationId xmlns:a16="http://schemas.microsoft.com/office/drawing/2014/main" id="{D1CC1D0E-0410-4232-A704-4C8774C41147}"/>
+                </a:ext>
+              </a:extLst>
+            </p:cNvPr>
+            <p:cNvCxnSpPr>
+              <a:cxnSpLocks/>
+            </p:cNvCxnSpPr>
+            <p:nvPr/>
+          </p:nvCxnSpPr>
+          <p:spPr>
+            <a:xfrm>
+              <a:off x="3088023" y="890868"/>
+              <a:ext cx="540000" cy="0"/>
+            </a:xfrm>
+            <a:prstGeom prst="line">
+              <a:avLst/>
+            </a:prstGeom>
+            <a:ln w="57150">
+              <a:solidFill>
+                <a:srgbClr val="0070C0"/>
+              </a:solidFill>
+            </a:ln>
+          </p:spPr>
+          <p:style>
+            <a:lnRef idx="1">
+              <a:schemeClr val="accent1"/>
+            </a:lnRef>
+            <a:fillRef idx="0">
+              <a:schemeClr val="accent1"/>
+            </a:fillRef>
+            <a:effectRef idx="0">
+              <a:schemeClr val="accent1"/>
+            </a:effectRef>
+            <a:fontRef idx="minor">
+              <a:schemeClr val="tx1"/>
+            </a:fontRef>
+          </p:style>
+        </p:cxnSp>
+        <p:sp>
+          <p:nvSpPr>
+            <p:cNvPr id="90" name="文本框 89">
+              <a:extLst>
+                <a:ext uri="{FF2B5EF4-FFF2-40B4-BE49-F238E27FC236}">
+                  <a16:creationId xmlns:a16="http://schemas.microsoft.com/office/drawing/2014/main" id="{CE061E02-B4B0-4982-B6C1-38119711D292}"/>
+                </a:ext>
+              </a:extLst>
+            </p:cNvPr>
+            <p:cNvSpPr txBox="1"/>
+            <p:nvPr/>
+          </p:nvSpPr>
+          <p:spPr>
+            <a:xfrm>
+              <a:off x="3682323" y="736980"/>
+              <a:ext cx="1265749" cy="307777"/>
+            </a:xfrm>
+            <a:prstGeom prst="rect">
+              <a:avLst/>
+            </a:prstGeom>
+            <a:noFill/>
+          </p:spPr>
+          <p:txBody>
+            <a:bodyPr wrap="square" rtlCol="0">
+              <a:spAutoFit/>
+            </a:bodyPr>
+            <a:lstStyle/>
+            <a:p>
+              <a:r>
+                <a:rPr lang="zh-CN" altLang="en-US" sz="1400" b="1" i="1" dirty="0">
+                  <a:latin typeface="Times New Roman" panose="02020603050405020304" pitchFamily="18" charset="0"/>
+                  <a:cs typeface="Times New Roman" panose="02020603050405020304" pitchFamily="18" charset="0"/>
+                </a:rPr>
+                <a:t>数据啁啾符号</a:t>
+              </a:r>
+            </a:p>
+          </p:txBody>
+        </p:sp>
+      </p:grpSp>
+      <p:cxnSp>
+        <p:nvCxnSpPr>
+          <p:cNvPr id="91" name="直接连接符 90">
+            <a:extLst>
+              <a:ext uri="{FF2B5EF4-FFF2-40B4-BE49-F238E27FC236}">
+                <a16:creationId xmlns:a16="http://schemas.microsoft.com/office/drawing/2014/main" id="{A0E3F32B-BD06-4D9F-901E-E0CE68B779E3}"/>
+              </a:ext>
+            </a:extLst>
+          </p:cNvPr>
+          <p:cNvCxnSpPr>
+            <a:cxnSpLocks/>
+          </p:cNvCxnSpPr>
+          <p:nvPr/>
+        </p:nvCxnSpPr>
+        <p:spPr>
+          <a:xfrm flipH="1" flipV="1">
+            <a:off x="7057250" y="3070824"/>
+            <a:ext cx="14727" cy="1634416"/>
+          </a:xfrm>
+          <a:prstGeom prst="line">
+            <a:avLst/>
+          </a:prstGeom>
+          <a:ln w="19050">
+            <a:prstDash val="sysDot"/>
+          </a:ln>
+        </p:spPr>
+        <p:style>
+          <a:lnRef idx="1">
+            <a:schemeClr val="dk1"/>
+          </a:lnRef>
+          <a:fillRef idx="0">
+            <a:schemeClr val="dk1"/>
+          </a:fillRef>
+          <a:effectRef idx="0">
+            <a:schemeClr val="dk1"/>
+          </a:effectRef>
+          <a:fontRef idx="minor">
+            <a:schemeClr val="tx1"/>
+          </a:fontRef>
+        </p:style>
+      </p:cxnSp>
+      <mc:AlternateContent xmlns:mc="http://schemas.openxmlformats.org/markup-compatibility/2006">
+        <mc:Choice xmlns:a14="http://schemas.microsoft.com/office/drawing/2010/main" Requires="a14">
+          <p:sp>
+            <p:nvSpPr>
+              <p:cNvPr id="92" name="文本框 91">
+                <a:extLst>
+                  <a:ext uri="{FF2B5EF4-FFF2-40B4-BE49-F238E27FC236}">
+                    <a16:creationId xmlns:a16="http://schemas.microsoft.com/office/drawing/2014/main" id="{4EB12CF4-AF14-4C89-87D8-4561C9B90443}"/>
+                  </a:ext>
+                </a:extLst>
+              </p:cNvPr>
+              <p:cNvSpPr txBox="1"/>
+              <p:nvPr/>
+            </p:nvSpPr>
+            <p:spPr>
+              <a:xfrm>
+                <a:off x="3459384" y="4883810"/>
+                <a:ext cx="582702" cy="291298"/>
+              </a:xfrm>
+              <a:prstGeom prst="rect">
+                <a:avLst/>
+              </a:prstGeom>
+              <a:noFill/>
+            </p:spPr>
+            <p:txBody>
+              <a:bodyPr wrap="square" rtlCol="0">
+                <a:spAutoFit/>
+              </a:bodyPr>
+              <a:lstStyle/>
+              <a:p>
+                <a:pPr/>
+                <a14:m>
+                  <m:oMathPara xmlns:m="http://schemas.openxmlformats.org/officeDocument/2006/math">
+                    <m:oMathParaPr>
+                      <m:jc m:val="centerGroup"/>
+                    </m:oMathParaPr>
+                    <m:oMath xmlns:m="http://schemas.openxmlformats.org/officeDocument/2006/math">
+                      <m:sSub>
+                        <m:sSubPr>
+                          <m:ctrlPr>
+                            <a:rPr lang="en-US" altLang="zh-CN" sz="1200" b="0" i="1" smtClean="0">
+                              <a:latin typeface="Cambria Math" panose="02040503050406030204" pitchFamily="18" charset="0"/>
+                            </a:rPr>
+                          </m:ctrlPr>
+                        </m:sSubPr>
+                        <m:e>
+                          <m:r>
+                            <a:rPr lang="en-US" altLang="zh-CN" sz="1200" b="0" i="1" smtClean="0">
+                              <a:latin typeface="Cambria Math" panose="02040503050406030204" pitchFamily="18" charset="0"/>
+                            </a:rPr>
+                            <m:t>𝑡</m:t>
+                          </m:r>
+                        </m:e>
+                        <m:sub>
+                          <m:r>
+                            <m:rPr>
+                              <m:sty m:val="p"/>
+                            </m:rPr>
+                            <a:rPr lang="en-US" altLang="zh-CN" sz="1200" b="0" i="0" smtClean="0">
+                              <a:latin typeface="Cambria Math" panose="02040503050406030204" pitchFamily="18" charset="0"/>
+                            </a:rPr>
+                            <m:t>wrap</m:t>
+                          </m:r>
+                        </m:sub>
+                      </m:sSub>
+                    </m:oMath>
+                  </m:oMathPara>
+                </a14:m>
+                <a:endParaRPr lang="zh-CN" altLang="en-US" sz="1200" dirty="0"/>
+              </a:p>
+            </p:txBody>
+          </p:sp>
+        </mc:Choice>
+        <mc:Fallback>
+          <p:sp>
+            <p:nvSpPr>
+              <p:cNvPr id="92" name="文本框 91">
+                <a:extLst>
+                  <a:ext uri="{FF2B5EF4-FFF2-40B4-BE49-F238E27FC236}">
+                    <a16:creationId xmlns:a16="http://schemas.microsoft.com/office/drawing/2014/main" id="{4EB12CF4-AF14-4C89-87D8-4561C9B90443}"/>
+                  </a:ext>
+                </a:extLst>
+              </p:cNvPr>
+              <p:cNvSpPr txBox="1">
+                <a:spLocks noRot="1" noChangeAspect="1" noMove="1" noResize="1" noEditPoints="1" noAdjustHandles="1" noChangeArrowheads="1" noChangeShapeType="1" noTextEdit="1"/>
+              </p:cNvSpPr>
+              <p:nvPr/>
+            </p:nvSpPr>
+            <p:spPr>
+              <a:xfrm>
+                <a:off x="3459384" y="4883810"/>
+                <a:ext cx="582702" cy="291298"/>
+              </a:xfrm>
+              <a:prstGeom prst="rect">
+                <a:avLst/>
+              </a:prstGeom>
+              <a:blipFill>
+                <a:blip r:embed="rId24"/>
+                <a:stretch>
+                  <a:fillRect/>
+                </a:stretch>
+              </a:blipFill>
+            </p:spPr>
+            <p:txBody>
+              <a:bodyPr/>
+              <a:lstStyle/>
+              <a:p>
+                <a:r>
+                  <a:rPr lang="zh-CN" altLang="en-US">
+                    <a:noFill/>
+                  </a:rPr>
+                  <a:t> </a:t>
+                </a:r>
+              </a:p>
+            </p:txBody>
+          </p:sp>
+        </mc:Fallback>
+      </mc:AlternateContent>
+    </p:spTree>
+    <p:extLst>
+      <p:ext uri="{BB962C8B-B14F-4D97-AF65-F5344CB8AC3E}">
+        <p14:creationId xmlns:p14="http://schemas.microsoft.com/office/powerpoint/2010/main" val="1293057662"/>
+      </p:ext>
+    </p:extLst>
+  </p:cSld>
+  <p:clrMapOvr>
+    <a:masterClrMapping/>
+  </p:clrMapOvr>
+</p:sld>
+</file>
+
 <file path=ppt/theme/theme1.xml><?xml version="1.0" encoding="utf-8"?>
 <a:theme xmlns:a="http://schemas.openxmlformats.org/drawingml/2006/main" name="Office 主题​​">
   <a:themeElements>
